--- a/Doc/ESP32.pptx
+++ b/Doc/ESP32.pptx
@@ -11,6 +11,9 @@
     <p:sldId id="352" r:id="rId5"/>
     <p:sldId id="354" r:id="rId6"/>
     <p:sldId id="355" r:id="rId7"/>
+    <p:sldId id="358" r:id="rId8"/>
+    <p:sldId id="357" r:id="rId9"/>
+    <p:sldId id="356" r:id="rId10"/>
   </p:sldIdLst>
   <p:sldSz cx="9144000" cy="6858000" type="screen4x3"/>
   <p:notesSz cx="6858000" cy="9144000"/>
@@ -109,19 +112,278 @@
       </a:defRPr>
     </a:lvl9pPr>
   </p:defaultTextStyle>
+  <p:extLst>
+    <p:ext uri="{EFAFB233-063F-42B5-8137-9DF3F51BA10A}">
+      <p15:sldGuideLst xmlns:p15="http://schemas.microsoft.com/office/powerpoint/2012/main"/>
+    </p:ext>
+  </p:extLst>
 </p:presentation>
 </file>
 
 <file path=ppt/revisionInfo.xml><?xml version="1.0" encoding="utf-8"?>
 <p1510:revInfo xmlns:a="http://schemas.openxmlformats.org/drawingml/2006/main" xmlns:r="http://schemas.openxmlformats.org/officeDocument/2006/relationships" xmlns:p1510="http://schemas.microsoft.com/office/powerpoint/2015/10/main">
   <p1510:revLst>
-    <p1510:client id="{8F19AE49-CED4-4E09-8B0A-F362924A50A8}" v="54" dt="2025-01-07T19:35:07.494"/>
+    <p1510:client id="{696C6221-C973-4610-AA7A-532CCEBF8908}" v="66" dt="2025-01-29T16:10:00.739"/>
   </p1510:revLst>
 </p1510:revInfo>
 </file>
 
 <file path=ppt/changesInfos/changesInfo1.xml><?xml version="1.0" encoding="utf-8"?>
 <pc:chgInfo xmlns:a="http://schemas.openxmlformats.org/drawingml/2006/main" xmlns:r="http://schemas.openxmlformats.org/officeDocument/2006/relationships" xmlns:ac="http://schemas.microsoft.com/office/drawing/2013/main/command" xmlns:pc="http://schemas.microsoft.com/office/powerpoint/2013/main/command">
+  <pc:docChgLst>
+    <pc:chgData name="Dr. Manel Puig i Vidal" userId="0d549d0e-cb25-4ad8-b3a5-db046c349dfe" providerId="ADAL" clId="{696C6221-C973-4610-AA7A-532CCEBF8908}"/>
+    <pc:docChg chg="custSel addSld modSld">
+      <pc:chgData name="Dr. Manel Puig i Vidal" userId="0d549d0e-cb25-4ad8-b3a5-db046c349dfe" providerId="ADAL" clId="{696C6221-C973-4610-AA7A-532CCEBF8908}" dt="2025-01-29T16:10:32.184" v="137" actId="1076"/>
+      <pc:docMkLst>
+        <pc:docMk/>
+      </pc:docMkLst>
+      <pc:sldChg chg="addSp modSp new mod">
+        <pc:chgData name="Dr. Manel Puig i Vidal" userId="0d549d0e-cb25-4ad8-b3a5-db046c349dfe" providerId="ADAL" clId="{696C6221-C973-4610-AA7A-532CCEBF8908}" dt="2025-01-29T16:01:40.077" v="93" actId="1036"/>
+        <pc:sldMkLst>
+          <pc:docMk/>
+          <pc:sldMk cId="3112103802" sldId="356"/>
+        </pc:sldMkLst>
+        <pc:spChg chg="add mod">
+          <ac:chgData name="Dr. Manel Puig i Vidal" userId="0d549d0e-cb25-4ad8-b3a5-db046c349dfe" providerId="ADAL" clId="{696C6221-C973-4610-AA7A-532CCEBF8908}" dt="2025-01-29T16:01:40.077" v="93" actId="1036"/>
+          <ac:spMkLst>
+            <pc:docMk/>
+            <pc:sldMk cId="3112103802" sldId="356"/>
+            <ac:spMk id="6" creationId="{33769E5F-76A5-F9C5-387F-4E63B5A8975A}"/>
+          </ac:spMkLst>
+        </pc:spChg>
+        <pc:spChg chg="add mod">
+          <ac:chgData name="Dr. Manel Puig i Vidal" userId="0d549d0e-cb25-4ad8-b3a5-db046c349dfe" providerId="ADAL" clId="{696C6221-C973-4610-AA7A-532CCEBF8908}" dt="2025-01-29T16:01:40.077" v="93" actId="1036"/>
+          <ac:spMkLst>
+            <pc:docMk/>
+            <pc:sldMk cId="3112103802" sldId="356"/>
+            <ac:spMk id="7" creationId="{1B4B4429-B792-7A7A-64D5-5B6DA82BDEE9}"/>
+          </ac:spMkLst>
+        </pc:spChg>
+        <pc:spChg chg="add mod">
+          <ac:chgData name="Dr. Manel Puig i Vidal" userId="0d549d0e-cb25-4ad8-b3a5-db046c349dfe" providerId="ADAL" clId="{696C6221-C973-4610-AA7A-532CCEBF8908}" dt="2025-01-29T16:01:40.077" v="93" actId="1036"/>
+          <ac:spMkLst>
+            <pc:docMk/>
+            <pc:sldMk cId="3112103802" sldId="356"/>
+            <ac:spMk id="8" creationId="{CB64852E-94C4-84BA-B5C9-004D0BACCBFB}"/>
+          </ac:spMkLst>
+        </pc:spChg>
+        <pc:spChg chg="add mod">
+          <ac:chgData name="Dr. Manel Puig i Vidal" userId="0d549d0e-cb25-4ad8-b3a5-db046c349dfe" providerId="ADAL" clId="{696C6221-C973-4610-AA7A-532CCEBF8908}" dt="2025-01-29T16:01:40.077" v="93" actId="1036"/>
+          <ac:spMkLst>
+            <pc:docMk/>
+            <pc:sldMk cId="3112103802" sldId="356"/>
+            <ac:spMk id="9" creationId="{75E9212E-F864-E6F4-75B6-3E72B5494939}"/>
+          </ac:spMkLst>
+        </pc:spChg>
+        <pc:spChg chg="add mod">
+          <ac:chgData name="Dr. Manel Puig i Vidal" userId="0d549d0e-cb25-4ad8-b3a5-db046c349dfe" providerId="ADAL" clId="{696C6221-C973-4610-AA7A-532CCEBF8908}" dt="2025-01-29T16:01:26.955" v="66" actId="1076"/>
+          <ac:spMkLst>
+            <pc:docMk/>
+            <pc:sldMk cId="3112103802" sldId="356"/>
+            <ac:spMk id="10" creationId="{244869C9-1C5A-126F-4276-162B668A3617}"/>
+          </ac:spMkLst>
+        </pc:spChg>
+        <pc:picChg chg="add mod">
+          <ac:chgData name="Dr. Manel Puig i Vidal" userId="0d549d0e-cb25-4ad8-b3a5-db046c349dfe" providerId="ADAL" clId="{696C6221-C973-4610-AA7A-532CCEBF8908}" dt="2025-01-29T16:01:40.077" v="93" actId="1036"/>
+          <ac:picMkLst>
+            <pc:docMk/>
+            <pc:sldMk cId="3112103802" sldId="356"/>
+            <ac:picMk id="2" creationId="{27F53F86-8929-62FA-1180-9E6C1B141371}"/>
+          </ac:picMkLst>
+        </pc:picChg>
+        <pc:picChg chg="add mod">
+          <ac:chgData name="Dr. Manel Puig i Vidal" userId="0d549d0e-cb25-4ad8-b3a5-db046c349dfe" providerId="ADAL" clId="{696C6221-C973-4610-AA7A-532CCEBF8908}" dt="2025-01-29T16:01:40.077" v="93" actId="1036"/>
+          <ac:picMkLst>
+            <pc:docMk/>
+            <pc:sldMk cId="3112103802" sldId="356"/>
+            <ac:picMk id="3" creationId="{481638E5-F016-EC81-286C-32C66E607E2B}"/>
+          </ac:picMkLst>
+        </pc:picChg>
+        <pc:picChg chg="add mod">
+          <ac:chgData name="Dr. Manel Puig i Vidal" userId="0d549d0e-cb25-4ad8-b3a5-db046c349dfe" providerId="ADAL" clId="{696C6221-C973-4610-AA7A-532CCEBF8908}" dt="2025-01-29T16:01:40.077" v="93" actId="1036"/>
+          <ac:picMkLst>
+            <pc:docMk/>
+            <pc:sldMk cId="3112103802" sldId="356"/>
+            <ac:picMk id="4" creationId="{53263C7B-6266-D3F5-D6DB-036E58FDF9AB}"/>
+          </ac:picMkLst>
+        </pc:picChg>
+        <pc:picChg chg="add mod">
+          <ac:chgData name="Dr. Manel Puig i Vidal" userId="0d549d0e-cb25-4ad8-b3a5-db046c349dfe" providerId="ADAL" clId="{696C6221-C973-4610-AA7A-532CCEBF8908}" dt="2025-01-29T16:01:40.077" v="93" actId="1036"/>
+          <ac:picMkLst>
+            <pc:docMk/>
+            <pc:sldMk cId="3112103802" sldId="356"/>
+            <ac:picMk id="5" creationId="{0CCB1E01-6FF2-D752-F10B-CF9C9EA00BE7}"/>
+          </ac:picMkLst>
+        </pc:picChg>
+        <pc:picChg chg="add mod">
+          <ac:chgData name="Dr. Manel Puig i Vidal" userId="0d549d0e-cb25-4ad8-b3a5-db046c349dfe" providerId="ADAL" clId="{696C6221-C973-4610-AA7A-532CCEBF8908}" dt="2025-01-29T16:01:40.077" v="93" actId="1036"/>
+          <ac:picMkLst>
+            <pc:docMk/>
+            <pc:sldMk cId="3112103802" sldId="356"/>
+            <ac:picMk id="1026" creationId="{7770ED66-4724-4F1D-B12D-6BFE5807E36A}"/>
+          </ac:picMkLst>
+        </pc:picChg>
+        <pc:picChg chg="add mod">
+          <ac:chgData name="Dr. Manel Puig i Vidal" userId="0d549d0e-cb25-4ad8-b3a5-db046c349dfe" providerId="ADAL" clId="{696C6221-C973-4610-AA7A-532CCEBF8908}" dt="2025-01-29T16:01:40.077" v="93" actId="1036"/>
+          <ac:picMkLst>
+            <pc:docMk/>
+            <pc:sldMk cId="3112103802" sldId="356"/>
+            <ac:picMk id="1028" creationId="{C5A75DE3-5DAF-CC07-90DF-C2CC6790E715}"/>
+          </ac:picMkLst>
+        </pc:picChg>
+      </pc:sldChg>
+      <pc:sldChg chg="addSp modSp new mod">
+        <pc:chgData name="Dr. Manel Puig i Vidal" userId="0d549d0e-cb25-4ad8-b3a5-db046c349dfe" providerId="ADAL" clId="{696C6221-C973-4610-AA7A-532CCEBF8908}" dt="2025-01-29T16:03:17.433" v="105" actId="1076"/>
+        <pc:sldMkLst>
+          <pc:docMk/>
+          <pc:sldMk cId="261780092" sldId="357"/>
+        </pc:sldMkLst>
+        <pc:spChg chg="add mod">
+          <ac:chgData name="Dr. Manel Puig i Vidal" userId="0d549d0e-cb25-4ad8-b3a5-db046c349dfe" providerId="ADAL" clId="{696C6221-C973-4610-AA7A-532CCEBF8908}" dt="2025-01-29T16:02:09.706" v="97" actId="1076"/>
+          <ac:spMkLst>
+            <pc:docMk/>
+            <pc:sldMk cId="261780092" sldId="357"/>
+            <ac:spMk id="2" creationId="{F3D1F933-A6C0-7DD2-C4DE-83450CBE4AF3}"/>
+          </ac:spMkLst>
+        </pc:spChg>
+        <pc:spChg chg="add mod">
+          <ac:chgData name="Dr. Manel Puig i Vidal" userId="0d549d0e-cb25-4ad8-b3a5-db046c349dfe" providerId="ADAL" clId="{696C6221-C973-4610-AA7A-532CCEBF8908}" dt="2025-01-29T16:02:46.392" v="100" actId="1076"/>
+          <ac:spMkLst>
+            <pc:docMk/>
+            <pc:sldMk cId="261780092" sldId="357"/>
+            <ac:spMk id="7" creationId="{314AEB46-CA46-8F09-512C-E409FBF5989A}"/>
+          </ac:spMkLst>
+        </pc:spChg>
+        <pc:spChg chg="add mod">
+          <ac:chgData name="Dr. Manel Puig i Vidal" userId="0d549d0e-cb25-4ad8-b3a5-db046c349dfe" providerId="ADAL" clId="{696C6221-C973-4610-AA7A-532CCEBF8908}" dt="2025-01-29T16:03:17.433" v="105" actId="1076"/>
+          <ac:spMkLst>
+            <pc:docMk/>
+            <pc:sldMk cId="261780092" sldId="357"/>
+            <ac:spMk id="10" creationId="{E2C30547-6CB0-F527-7036-17906E1047D0}"/>
+          </ac:spMkLst>
+        </pc:spChg>
+        <pc:picChg chg="add mod">
+          <ac:chgData name="Dr. Manel Puig i Vidal" userId="0d549d0e-cb25-4ad8-b3a5-db046c349dfe" providerId="ADAL" clId="{696C6221-C973-4610-AA7A-532CCEBF8908}" dt="2025-01-29T16:02:46.392" v="100" actId="1076"/>
+          <ac:picMkLst>
+            <pc:docMk/>
+            <pc:sldMk cId="261780092" sldId="357"/>
+            <ac:picMk id="3" creationId="{F1E71D71-EEBF-CB85-F2BF-48306F584947}"/>
+          </ac:picMkLst>
+        </pc:picChg>
+        <pc:picChg chg="add mod">
+          <ac:chgData name="Dr. Manel Puig i Vidal" userId="0d549d0e-cb25-4ad8-b3a5-db046c349dfe" providerId="ADAL" clId="{696C6221-C973-4610-AA7A-532CCEBF8908}" dt="2025-01-29T16:02:46.392" v="100" actId="1076"/>
+          <ac:picMkLst>
+            <pc:docMk/>
+            <pc:sldMk cId="261780092" sldId="357"/>
+            <ac:picMk id="4" creationId="{52C2CAC5-2D49-F16D-13ED-C08D823F5C1F}"/>
+          </ac:picMkLst>
+        </pc:picChg>
+        <pc:picChg chg="add mod">
+          <ac:chgData name="Dr. Manel Puig i Vidal" userId="0d549d0e-cb25-4ad8-b3a5-db046c349dfe" providerId="ADAL" clId="{696C6221-C973-4610-AA7A-532CCEBF8908}" dt="2025-01-29T16:02:46.392" v="100" actId="1076"/>
+          <ac:picMkLst>
+            <pc:docMk/>
+            <pc:sldMk cId="261780092" sldId="357"/>
+            <ac:picMk id="5" creationId="{B7BA89A0-C0BA-EF9B-74E6-3308712FCA45}"/>
+          </ac:picMkLst>
+        </pc:picChg>
+        <pc:picChg chg="add mod">
+          <ac:chgData name="Dr. Manel Puig i Vidal" userId="0d549d0e-cb25-4ad8-b3a5-db046c349dfe" providerId="ADAL" clId="{696C6221-C973-4610-AA7A-532CCEBF8908}" dt="2025-01-29T16:02:46.392" v="100" actId="1076"/>
+          <ac:picMkLst>
+            <pc:docMk/>
+            <pc:sldMk cId="261780092" sldId="357"/>
+            <ac:picMk id="6" creationId="{55B2E632-9B64-B277-D019-40F5E2554E9C}"/>
+          </ac:picMkLst>
+        </pc:picChg>
+        <pc:picChg chg="add mod">
+          <ac:chgData name="Dr. Manel Puig i Vidal" userId="0d549d0e-cb25-4ad8-b3a5-db046c349dfe" providerId="ADAL" clId="{696C6221-C973-4610-AA7A-532CCEBF8908}" dt="2025-01-29T16:03:06.056" v="102" actId="1076"/>
+          <ac:picMkLst>
+            <pc:docMk/>
+            <pc:sldMk cId="261780092" sldId="357"/>
+            <ac:picMk id="8" creationId="{A4F16BCA-254B-A547-7F57-AC6F456911E8}"/>
+          </ac:picMkLst>
+        </pc:picChg>
+        <pc:picChg chg="add mod">
+          <ac:chgData name="Dr. Manel Puig i Vidal" userId="0d549d0e-cb25-4ad8-b3a5-db046c349dfe" providerId="ADAL" clId="{696C6221-C973-4610-AA7A-532CCEBF8908}" dt="2025-01-29T16:03:06.056" v="102" actId="1076"/>
+          <ac:picMkLst>
+            <pc:docMk/>
+            <pc:sldMk cId="261780092" sldId="357"/>
+            <ac:picMk id="9" creationId="{2CCDA836-0E0D-0E31-1664-27A9DEFB7A12}"/>
+          </ac:picMkLst>
+        </pc:picChg>
+      </pc:sldChg>
+      <pc:sldChg chg="addSp delSp modSp new mod">
+        <pc:chgData name="Dr. Manel Puig i Vidal" userId="0d549d0e-cb25-4ad8-b3a5-db046c349dfe" providerId="ADAL" clId="{696C6221-C973-4610-AA7A-532CCEBF8908}" dt="2025-01-29T16:10:32.184" v="137" actId="1076"/>
+        <pc:sldMkLst>
+          <pc:docMk/>
+          <pc:sldMk cId="2591072468" sldId="358"/>
+        </pc:sldMkLst>
+        <pc:spChg chg="add del">
+          <ac:chgData name="Dr. Manel Puig i Vidal" userId="0d549d0e-cb25-4ad8-b3a5-db046c349dfe" providerId="ADAL" clId="{696C6221-C973-4610-AA7A-532CCEBF8908}" dt="2025-01-29T16:07:03.577" v="108" actId="478"/>
+          <ac:spMkLst>
+            <pc:docMk/>
+            <pc:sldMk cId="2591072468" sldId="358"/>
+            <ac:spMk id="2" creationId="{8C5AF2A2-D488-68AF-A005-3159C4866C3A}"/>
+          </ac:spMkLst>
+        </pc:spChg>
+        <pc:spChg chg="add del">
+          <ac:chgData name="Dr. Manel Puig i Vidal" userId="0d549d0e-cb25-4ad8-b3a5-db046c349dfe" providerId="ADAL" clId="{696C6221-C973-4610-AA7A-532CCEBF8908}" dt="2025-01-29T16:07:21.320" v="110" actId="478"/>
+          <ac:spMkLst>
+            <pc:docMk/>
+            <pc:sldMk cId="2591072468" sldId="358"/>
+            <ac:spMk id="3" creationId="{C4F034C5-E1F1-AC79-7F91-67D64E74DAE5}"/>
+          </ac:spMkLst>
+        </pc:spChg>
+        <pc:spChg chg="add del mod">
+          <ac:chgData name="Dr. Manel Puig i Vidal" userId="0d549d0e-cb25-4ad8-b3a5-db046c349dfe" providerId="ADAL" clId="{696C6221-C973-4610-AA7A-532CCEBF8908}" dt="2025-01-29T16:09:03.169" v="129" actId="478"/>
+          <ac:spMkLst>
+            <pc:docMk/>
+            <pc:sldMk cId="2591072468" sldId="358"/>
+            <ac:spMk id="7" creationId="{30938815-55A2-F92D-C8B6-311F2F8E9542}"/>
+          </ac:spMkLst>
+        </pc:spChg>
+        <pc:spChg chg="add mod">
+          <ac:chgData name="Dr. Manel Puig i Vidal" userId="0d549d0e-cb25-4ad8-b3a5-db046c349dfe" providerId="ADAL" clId="{696C6221-C973-4610-AA7A-532CCEBF8908}" dt="2025-01-29T16:09:20.360" v="131" actId="1076"/>
+          <ac:spMkLst>
+            <pc:docMk/>
+            <pc:sldMk cId="2591072468" sldId="358"/>
+            <ac:spMk id="8" creationId="{5B23A227-2E02-CEB8-E6CA-752032AFCA4B}"/>
+          </ac:spMkLst>
+        </pc:spChg>
+        <pc:picChg chg="add del mod modCrop">
+          <ac:chgData name="Dr. Manel Puig i Vidal" userId="0d549d0e-cb25-4ad8-b3a5-db046c349dfe" providerId="ADAL" clId="{696C6221-C973-4610-AA7A-532CCEBF8908}" dt="2025-01-29T16:08:31.609" v="122" actId="478"/>
+          <ac:picMkLst>
+            <pc:docMk/>
+            <pc:sldMk cId="2591072468" sldId="358"/>
+            <ac:picMk id="4" creationId="{BAFCC6CA-5DFA-27ED-F853-C9FE679ED6FC}"/>
+          </ac:picMkLst>
+        </pc:picChg>
+        <pc:picChg chg="add mod modCrop">
+          <ac:chgData name="Dr. Manel Puig i Vidal" userId="0d549d0e-cb25-4ad8-b3a5-db046c349dfe" providerId="ADAL" clId="{696C6221-C973-4610-AA7A-532CCEBF8908}" dt="2025-01-29T16:08:36.440" v="125" actId="1076"/>
+          <ac:picMkLst>
+            <pc:docMk/>
+            <pc:sldMk cId="2591072468" sldId="358"/>
+            <ac:picMk id="5" creationId="{3098A33D-1C12-4881-3672-523E644205B3}"/>
+          </ac:picMkLst>
+        </pc:picChg>
+        <pc:picChg chg="add mod">
+          <ac:chgData name="Dr. Manel Puig i Vidal" userId="0d549d0e-cb25-4ad8-b3a5-db046c349dfe" providerId="ADAL" clId="{696C6221-C973-4610-AA7A-532CCEBF8908}" dt="2025-01-29T16:09:00.112" v="128" actId="1076"/>
+          <ac:picMkLst>
+            <pc:docMk/>
+            <pc:sldMk cId="2591072468" sldId="358"/>
+            <ac:picMk id="6" creationId="{8A194EAF-CEFE-8DBE-335A-504134F8E97D}"/>
+          </ac:picMkLst>
+        </pc:picChg>
+        <pc:picChg chg="add mod modCrop">
+          <ac:chgData name="Dr. Manel Puig i Vidal" userId="0d549d0e-cb25-4ad8-b3a5-db046c349dfe" providerId="ADAL" clId="{696C6221-C973-4610-AA7A-532CCEBF8908}" dt="2025-01-29T16:10:32.184" v="137" actId="1076"/>
+          <ac:picMkLst>
+            <pc:docMk/>
+            <pc:sldMk cId="2591072468" sldId="358"/>
+            <ac:picMk id="9" creationId="{CBDFD260-C708-976E-752C-09D3AD7C26DE}"/>
+          </ac:picMkLst>
+        </pc:picChg>
+      </pc:sldChg>
+    </pc:docChg>
+  </pc:docChgLst>
   <pc:docChgLst>
     <pc:chgData name="Dr. Manel Puig i Vidal" userId="0d549d0e-cb25-4ad8-b3a5-db046c349dfe" providerId="ADAL" clId="{8F19AE49-CED4-4E09-8B0A-F362924A50A8}"/>
     <pc:docChg chg="custSel addSld modSld sldOrd modMainMaster">
@@ -206,14 +468,6 @@
             <ac:spMk id="6" creationId="{65DADD8B-58BC-E346-59F1-C4A8B98BF097}"/>
           </ac:spMkLst>
         </pc:spChg>
-        <pc:spChg chg="add del mod">
-          <ac:chgData name="Dr. Manel Puig i Vidal" userId="0d549d0e-cb25-4ad8-b3a5-db046c349dfe" providerId="ADAL" clId="{8F19AE49-CED4-4E09-8B0A-F362924A50A8}" dt="2025-01-07T18:17:01.455" v="121"/>
-          <ac:spMkLst>
-            <pc:docMk/>
-            <pc:sldMk cId="64809998" sldId="351"/>
-            <ac:spMk id="7" creationId="{9CCD6A8F-EAA2-F10A-64B9-D80185813D6E}"/>
-          </ac:spMkLst>
-        </pc:spChg>
         <pc:spChg chg="mod">
           <ac:chgData name="Dr. Manel Puig i Vidal" userId="0d549d0e-cb25-4ad8-b3a5-db046c349dfe" providerId="ADAL" clId="{8F19AE49-CED4-4E09-8B0A-F362924A50A8}" dt="2025-01-07T18:19:50.152" v="155" actId="2711"/>
           <ac:spMkLst>
@@ -238,14 +492,6 @@
             <ac:picMk id="1026" creationId="{C1AED66E-C767-978F-C8D5-9AE7DB0D094D}"/>
           </ac:picMkLst>
         </pc:picChg>
-        <pc:picChg chg="del mod">
-          <ac:chgData name="Dr. Manel Puig i Vidal" userId="0d549d0e-cb25-4ad8-b3a5-db046c349dfe" providerId="ADAL" clId="{8F19AE49-CED4-4E09-8B0A-F362924A50A8}" dt="2025-01-07T18:17:01.455" v="119" actId="478"/>
-          <ac:picMkLst>
-            <pc:docMk/>
-            <pc:sldMk cId="64809998" sldId="351"/>
-            <ac:picMk id="1028" creationId="{084ECE3F-BAAA-829F-BEDC-35F97FA3D738}"/>
-          </ac:picMkLst>
-        </pc:picChg>
       </pc:sldChg>
       <pc:sldChg chg="addSp delSp modSp new mod">
         <pc:chgData name="Dr. Manel Puig i Vidal" userId="0d549d0e-cb25-4ad8-b3a5-db046c349dfe" providerId="ADAL" clId="{8F19AE49-CED4-4E09-8B0A-F362924A50A8}" dt="2025-01-07T18:56:32.918" v="332" actId="1076"/>
@@ -267,14 +513,6 @@
             <pc:docMk/>
             <pc:sldMk cId="2860579076" sldId="352"/>
             <ac:spMk id="4" creationId="{F6A9DE15-13B0-6A8F-7499-539CC273752E}"/>
-          </ac:spMkLst>
-        </pc:spChg>
-        <pc:spChg chg="add del mod">
-          <ac:chgData name="Dr. Manel Puig i Vidal" userId="0d549d0e-cb25-4ad8-b3a5-db046c349dfe" providerId="ADAL" clId="{8F19AE49-CED4-4E09-8B0A-F362924A50A8}" dt="2025-01-07T18:37:10.768" v="309" actId="478"/>
-          <ac:spMkLst>
-            <pc:docMk/>
-            <pc:sldMk cId="2860579076" sldId="352"/>
-            <ac:spMk id="8" creationId="{81570833-97A2-CBFA-59F0-FA14DF11CC0A}"/>
           </ac:spMkLst>
         </pc:spChg>
         <pc:spChg chg="add mod">
@@ -308,14 +546,6 @@
           <pc:docMk/>
           <pc:sldMk cId="3869370634" sldId="353"/>
         </pc:sldMkLst>
-        <pc:spChg chg="add del mod">
-          <ac:chgData name="Dr. Manel Puig i Vidal" userId="0d549d0e-cb25-4ad8-b3a5-db046c349dfe" providerId="ADAL" clId="{8F19AE49-CED4-4E09-8B0A-F362924A50A8}" dt="2025-01-07T18:26:40.393" v="205"/>
-          <ac:spMkLst>
-            <pc:docMk/>
-            <pc:sldMk cId="3869370634" sldId="353"/>
-            <ac:spMk id="2" creationId="{BFBAD103-4DF1-036D-1880-722161BB7B2A}"/>
-          </ac:spMkLst>
-        </pc:spChg>
         <pc:spChg chg="mod">
           <ac:chgData name="Dr. Manel Puig i Vidal" userId="0d549d0e-cb25-4ad8-b3a5-db046c349dfe" providerId="ADAL" clId="{8F19AE49-CED4-4E09-8B0A-F362924A50A8}" dt="2025-01-07T18:35:46.252" v="297" actId="11"/>
           <ac:spMkLst>
@@ -401,46 +631,6 @@
           <pc:docMk/>
           <pc:sldMasterMk cId="1231820426" sldId="2147483648"/>
         </pc:sldMasterMkLst>
-        <pc:spChg chg="mod">
-          <ac:chgData name="Dr. Manel Puig i Vidal" userId="0d549d0e-cb25-4ad8-b3a5-db046c349dfe" providerId="ADAL" clId="{8F19AE49-CED4-4E09-8B0A-F362924A50A8}" dt="2025-01-07T17:01:14.483" v="2"/>
-          <ac:spMkLst>
-            <pc:docMk/>
-            <pc:sldMasterMk cId="1231820426" sldId="2147483648"/>
-            <ac:spMk id="2" creationId="{8A37F954-0775-736F-AED9-2251A257F41A}"/>
-          </ac:spMkLst>
-        </pc:spChg>
-        <pc:spChg chg="mod">
-          <ac:chgData name="Dr. Manel Puig i Vidal" userId="0d549d0e-cb25-4ad8-b3a5-db046c349dfe" providerId="ADAL" clId="{8F19AE49-CED4-4E09-8B0A-F362924A50A8}" dt="2025-01-07T17:01:14.483" v="2"/>
-          <ac:spMkLst>
-            <pc:docMk/>
-            <pc:sldMasterMk cId="1231820426" sldId="2147483648"/>
-            <ac:spMk id="3" creationId="{4E2650E9-536B-1DBA-F576-97344E276B63}"/>
-          </ac:spMkLst>
-        </pc:spChg>
-        <pc:spChg chg="mod">
-          <ac:chgData name="Dr. Manel Puig i Vidal" userId="0d549d0e-cb25-4ad8-b3a5-db046c349dfe" providerId="ADAL" clId="{8F19AE49-CED4-4E09-8B0A-F362924A50A8}" dt="2025-01-07T17:01:14.483" v="2"/>
-          <ac:spMkLst>
-            <pc:docMk/>
-            <pc:sldMasterMk cId="1231820426" sldId="2147483648"/>
-            <ac:spMk id="4" creationId="{1BB54E1E-D2FA-D488-66FD-499BE55B334D}"/>
-          </ac:spMkLst>
-        </pc:spChg>
-        <pc:spChg chg="mod">
-          <ac:chgData name="Dr. Manel Puig i Vidal" userId="0d549d0e-cb25-4ad8-b3a5-db046c349dfe" providerId="ADAL" clId="{8F19AE49-CED4-4E09-8B0A-F362924A50A8}" dt="2025-01-07T17:01:14.483" v="2"/>
-          <ac:spMkLst>
-            <pc:docMk/>
-            <pc:sldMasterMk cId="1231820426" sldId="2147483648"/>
-            <ac:spMk id="5" creationId="{9E53A6E1-BFB6-1FBB-8A26-B4DC590761CA}"/>
-          </ac:spMkLst>
-        </pc:spChg>
-        <pc:spChg chg="mod">
-          <ac:chgData name="Dr. Manel Puig i Vidal" userId="0d549d0e-cb25-4ad8-b3a5-db046c349dfe" providerId="ADAL" clId="{8F19AE49-CED4-4E09-8B0A-F362924A50A8}" dt="2025-01-07T17:01:14.483" v="2"/>
-          <ac:spMkLst>
-            <pc:docMk/>
-            <pc:sldMasterMk cId="1231820426" sldId="2147483648"/>
-            <ac:spMk id="6" creationId="{358E4AAF-1B8E-79DB-7EBC-BAC15DCFB7EE}"/>
-          </ac:spMkLst>
-        </pc:spChg>
         <pc:sldLayoutChg chg="modSp">
           <pc:chgData name="Dr. Manel Puig i Vidal" userId="0d549d0e-cb25-4ad8-b3a5-db046c349dfe" providerId="ADAL" clId="{8F19AE49-CED4-4E09-8B0A-F362924A50A8}" dt="2025-01-07T17:01:14.483" v="2"/>
           <pc:sldLayoutMkLst>
@@ -448,24 +638,6 @@
             <pc:sldMasterMk cId="1231820426" sldId="2147483648"/>
             <pc:sldLayoutMk cId="4106864960" sldId="2147483649"/>
           </pc:sldLayoutMkLst>
-          <pc:spChg chg="mod">
-            <ac:chgData name="Dr. Manel Puig i Vidal" userId="0d549d0e-cb25-4ad8-b3a5-db046c349dfe" providerId="ADAL" clId="{8F19AE49-CED4-4E09-8B0A-F362924A50A8}" dt="2025-01-07T17:01:14.483" v="2"/>
-            <ac:spMkLst>
-              <pc:docMk/>
-              <pc:sldMasterMk cId="1231820426" sldId="2147483648"/>
-              <pc:sldLayoutMk cId="4106864960" sldId="2147483649"/>
-              <ac:spMk id="2" creationId="{9F171CE8-09AC-A403-D33B-A64F17C346B4}"/>
-            </ac:spMkLst>
-          </pc:spChg>
-          <pc:spChg chg="mod">
-            <ac:chgData name="Dr. Manel Puig i Vidal" userId="0d549d0e-cb25-4ad8-b3a5-db046c349dfe" providerId="ADAL" clId="{8F19AE49-CED4-4E09-8B0A-F362924A50A8}" dt="2025-01-07T17:01:14.483" v="2"/>
-            <ac:spMkLst>
-              <pc:docMk/>
-              <pc:sldMasterMk cId="1231820426" sldId="2147483648"/>
-              <pc:sldLayoutMk cId="4106864960" sldId="2147483649"/>
-              <ac:spMk id="3" creationId="{28D54762-BEC4-1482-A7AF-1F591A3C9038}"/>
-            </ac:spMkLst>
-          </pc:spChg>
         </pc:sldLayoutChg>
         <pc:sldLayoutChg chg="modSp">
           <pc:chgData name="Dr. Manel Puig i Vidal" userId="0d549d0e-cb25-4ad8-b3a5-db046c349dfe" providerId="ADAL" clId="{8F19AE49-CED4-4E09-8B0A-F362924A50A8}" dt="2025-01-07T17:01:14.483" v="2"/>
@@ -474,24 +646,6 @@
             <pc:sldMasterMk cId="1231820426" sldId="2147483648"/>
             <pc:sldLayoutMk cId="440300084" sldId="2147483651"/>
           </pc:sldLayoutMkLst>
-          <pc:spChg chg="mod">
-            <ac:chgData name="Dr. Manel Puig i Vidal" userId="0d549d0e-cb25-4ad8-b3a5-db046c349dfe" providerId="ADAL" clId="{8F19AE49-CED4-4E09-8B0A-F362924A50A8}" dt="2025-01-07T17:01:14.483" v="2"/>
-            <ac:spMkLst>
-              <pc:docMk/>
-              <pc:sldMasterMk cId="1231820426" sldId="2147483648"/>
-              <pc:sldLayoutMk cId="440300084" sldId="2147483651"/>
-              <ac:spMk id="2" creationId="{A57B9744-C30B-E282-65D6-0ABFF804F980}"/>
-            </ac:spMkLst>
-          </pc:spChg>
-          <pc:spChg chg="mod">
-            <ac:chgData name="Dr. Manel Puig i Vidal" userId="0d549d0e-cb25-4ad8-b3a5-db046c349dfe" providerId="ADAL" clId="{8F19AE49-CED4-4E09-8B0A-F362924A50A8}" dt="2025-01-07T17:01:14.483" v="2"/>
-            <ac:spMkLst>
-              <pc:docMk/>
-              <pc:sldMasterMk cId="1231820426" sldId="2147483648"/>
-              <pc:sldLayoutMk cId="440300084" sldId="2147483651"/>
-              <ac:spMk id="3" creationId="{1BCE645C-809A-63C9-75C6-E98A060B28B7}"/>
-            </ac:spMkLst>
-          </pc:spChg>
         </pc:sldLayoutChg>
         <pc:sldLayoutChg chg="modSp">
           <pc:chgData name="Dr. Manel Puig i Vidal" userId="0d549d0e-cb25-4ad8-b3a5-db046c349dfe" providerId="ADAL" clId="{8F19AE49-CED4-4E09-8B0A-F362924A50A8}" dt="2025-01-07T17:01:14.483" v="2"/>
@@ -500,24 +654,6 @@
             <pc:sldMasterMk cId="1231820426" sldId="2147483648"/>
             <pc:sldLayoutMk cId="4092604956" sldId="2147483652"/>
           </pc:sldLayoutMkLst>
-          <pc:spChg chg="mod">
-            <ac:chgData name="Dr. Manel Puig i Vidal" userId="0d549d0e-cb25-4ad8-b3a5-db046c349dfe" providerId="ADAL" clId="{8F19AE49-CED4-4E09-8B0A-F362924A50A8}" dt="2025-01-07T17:01:14.483" v="2"/>
-            <ac:spMkLst>
-              <pc:docMk/>
-              <pc:sldMasterMk cId="1231820426" sldId="2147483648"/>
-              <pc:sldLayoutMk cId="4092604956" sldId="2147483652"/>
-              <ac:spMk id="3" creationId="{7122DA05-6E00-94D0-99F6-9A1ECC8092B1}"/>
-            </ac:spMkLst>
-          </pc:spChg>
-          <pc:spChg chg="mod">
-            <ac:chgData name="Dr. Manel Puig i Vidal" userId="0d549d0e-cb25-4ad8-b3a5-db046c349dfe" providerId="ADAL" clId="{8F19AE49-CED4-4E09-8B0A-F362924A50A8}" dt="2025-01-07T17:01:14.483" v="2"/>
-            <ac:spMkLst>
-              <pc:docMk/>
-              <pc:sldMasterMk cId="1231820426" sldId="2147483648"/>
-              <pc:sldLayoutMk cId="4092604956" sldId="2147483652"/>
-              <ac:spMk id="4" creationId="{78811C05-47BB-BAD9-4F42-58BC8064DDDB}"/>
-            </ac:spMkLst>
-          </pc:spChg>
         </pc:sldLayoutChg>
         <pc:sldLayoutChg chg="modSp">
           <pc:chgData name="Dr. Manel Puig i Vidal" userId="0d549d0e-cb25-4ad8-b3a5-db046c349dfe" providerId="ADAL" clId="{8F19AE49-CED4-4E09-8B0A-F362924A50A8}" dt="2025-01-07T17:01:14.483" v="2"/>
@@ -526,51 +662,6 @@
             <pc:sldMasterMk cId="1231820426" sldId="2147483648"/>
             <pc:sldLayoutMk cId="205667071" sldId="2147483653"/>
           </pc:sldLayoutMkLst>
-          <pc:spChg chg="mod">
-            <ac:chgData name="Dr. Manel Puig i Vidal" userId="0d549d0e-cb25-4ad8-b3a5-db046c349dfe" providerId="ADAL" clId="{8F19AE49-CED4-4E09-8B0A-F362924A50A8}" dt="2025-01-07T17:01:14.483" v="2"/>
-            <ac:spMkLst>
-              <pc:docMk/>
-              <pc:sldMasterMk cId="1231820426" sldId="2147483648"/>
-              <pc:sldLayoutMk cId="205667071" sldId="2147483653"/>
-              <ac:spMk id="2" creationId="{C29D5D9B-03FD-F007-5251-19FE793B5891}"/>
-            </ac:spMkLst>
-          </pc:spChg>
-          <pc:spChg chg="mod">
-            <ac:chgData name="Dr. Manel Puig i Vidal" userId="0d549d0e-cb25-4ad8-b3a5-db046c349dfe" providerId="ADAL" clId="{8F19AE49-CED4-4E09-8B0A-F362924A50A8}" dt="2025-01-07T17:01:14.483" v="2"/>
-            <ac:spMkLst>
-              <pc:docMk/>
-              <pc:sldMasterMk cId="1231820426" sldId="2147483648"/>
-              <pc:sldLayoutMk cId="205667071" sldId="2147483653"/>
-              <ac:spMk id="3" creationId="{2D4630AF-CDF6-52DB-830C-DD4D1504AD6D}"/>
-            </ac:spMkLst>
-          </pc:spChg>
-          <pc:spChg chg="mod">
-            <ac:chgData name="Dr. Manel Puig i Vidal" userId="0d549d0e-cb25-4ad8-b3a5-db046c349dfe" providerId="ADAL" clId="{8F19AE49-CED4-4E09-8B0A-F362924A50A8}" dt="2025-01-07T17:01:14.483" v="2"/>
-            <ac:spMkLst>
-              <pc:docMk/>
-              <pc:sldMasterMk cId="1231820426" sldId="2147483648"/>
-              <pc:sldLayoutMk cId="205667071" sldId="2147483653"/>
-              <ac:spMk id="4" creationId="{86F2DB7C-6DDE-17DC-E062-4E05ACC46D27}"/>
-            </ac:spMkLst>
-          </pc:spChg>
-          <pc:spChg chg="mod">
-            <ac:chgData name="Dr. Manel Puig i Vidal" userId="0d549d0e-cb25-4ad8-b3a5-db046c349dfe" providerId="ADAL" clId="{8F19AE49-CED4-4E09-8B0A-F362924A50A8}" dt="2025-01-07T17:01:14.483" v="2"/>
-            <ac:spMkLst>
-              <pc:docMk/>
-              <pc:sldMasterMk cId="1231820426" sldId="2147483648"/>
-              <pc:sldLayoutMk cId="205667071" sldId="2147483653"/>
-              <ac:spMk id="5" creationId="{6CF8BD75-EE87-2D09-0CEC-3359CC2AC53E}"/>
-            </ac:spMkLst>
-          </pc:spChg>
-          <pc:spChg chg="mod">
-            <ac:chgData name="Dr. Manel Puig i Vidal" userId="0d549d0e-cb25-4ad8-b3a5-db046c349dfe" providerId="ADAL" clId="{8F19AE49-CED4-4E09-8B0A-F362924A50A8}" dt="2025-01-07T17:01:14.483" v="2"/>
-            <ac:spMkLst>
-              <pc:docMk/>
-              <pc:sldMasterMk cId="1231820426" sldId="2147483648"/>
-              <pc:sldLayoutMk cId="205667071" sldId="2147483653"/>
-              <ac:spMk id="6" creationId="{29F8D970-7271-A308-0128-33075519312E}"/>
-            </ac:spMkLst>
-          </pc:spChg>
         </pc:sldLayoutChg>
         <pc:sldLayoutChg chg="modSp">
           <pc:chgData name="Dr. Manel Puig i Vidal" userId="0d549d0e-cb25-4ad8-b3a5-db046c349dfe" providerId="ADAL" clId="{8F19AE49-CED4-4E09-8B0A-F362924A50A8}" dt="2025-01-07T17:01:14.483" v="2"/>
@@ -579,33 +670,6 @@
             <pc:sldMasterMk cId="1231820426" sldId="2147483648"/>
             <pc:sldLayoutMk cId="1385272746" sldId="2147483656"/>
           </pc:sldLayoutMkLst>
-          <pc:spChg chg="mod">
-            <ac:chgData name="Dr. Manel Puig i Vidal" userId="0d549d0e-cb25-4ad8-b3a5-db046c349dfe" providerId="ADAL" clId="{8F19AE49-CED4-4E09-8B0A-F362924A50A8}" dt="2025-01-07T17:01:14.483" v="2"/>
-            <ac:spMkLst>
-              <pc:docMk/>
-              <pc:sldMasterMk cId="1231820426" sldId="2147483648"/>
-              <pc:sldLayoutMk cId="1385272746" sldId="2147483656"/>
-              <ac:spMk id="2" creationId="{EF066E90-64A6-F1FC-A250-881455043B65}"/>
-            </ac:spMkLst>
-          </pc:spChg>
-          <pc:spChg chg="mod">
-            <ac:chgData name="Dr. Manel Puig i Vidal" userId="0d549d0e-cb25-4ad8-b3a5-db046c349dfe" providerId="ADAL" clId="{8F19AE49-CED4-4E09-8B0A-F362924A50A8}" dt="2025-01-07T17:01:14.483" v="2"/>
-            <ac:spMkLst>
-              <pc:docMk/>
-              <pc:sldMasterMk cId="1231820426" sldId="2147483648"/>
-              <pc:sldLayoutMk cId="1385272746" sldId="2147483656"/>
-              <ac:spMk id="3" creationId="{86C83FC6-86ED-1D96-9005-EB66224454BA}"/>
-            </ac:spMkLst>
-          </pc:spChg>
-          <pc:spChg chg="mod">
-            <ac:chgData name="Dr. Manel Puig i Vidal" userId="0d549d0e-cb25-4ad8-b3a5-db046c349dfe" providerId="ADAL" clId="{8F19AE49-CED4-4E09-8B0A-F362924A50A8}" dt="2025-01-07T17:01:14.483" v="2"/>
-            <ac:spMkLst>
-              <pc:docMk/>
-              <pc:sldMasterMk cId="1231820426" sldId="2147483648"/>
-              <pc:sldLayoutMk cId="1385272746" sldId="2147483656"/>
-              <ac:spMk id="4" creationId="{34264B16-31BB-85F4-E1C9-AF0765E1FAF9}"/>
-            </ac:spMkLst>
-          </pc:spChg>
         </pc:sldLayoutChg>
         <pc:sldLayoutChg chg="modSp">
           <pc:chgData name="Dr. Manel Puig i Vidal" userId="0d549d0e-cb25-4ad8-b3a5-db046c349dfe" providerId="ADAL" clId="{8F19AE49-CED4-4E09-8B0A-F362924A50A8}" dt="2025-01-07T17:01:14.483" v="2"/>
@@ -614,33 +678,6 @@
             <pc:sldMasterMk cId="1231820426" sldId="2147483648"/>
             <pc:sldLayoutMk cId="2678850688" sldId="2147483657"/>
           </pc:sldLayoutMkLst>
-          <pc:spChg chg="mod">
-            <ac:chgData name="Dr. Manel Puig i Vidal" userId="0d549d0e-cb25-4ad8-b3a5-db046c349dfe" providerId="ADAL" clId="{8F19AE49-CED4-4E09-8B0A-F362924A50A8}" dt="2025-01-07T17:01:14.483" v="2"/>
-            <ac:spMkLst>
-              <pc:docMk/>
-              <pc:sldMasterMk cId="1231820426" sldId="2147483648"/>
-              <pc:sldLayoutMk cId="2678850688" sldId="2147483657"/>
-              <ac:spMk id="2" creationId="{DC391EE0-2B4E-783C-2E9B-7E55E8804A5A}"/>
-            </ac:spMkLst>
-          </pc:spChg>
-          <pc:spChg chg="mod">
-            <ac:chgData name="Dr. Manel Puig i Vidal" userId="0d549d0e-cb25-4ad8-b3a5-db046c349dfe" providerId="ADAL" clId="{8F19AE49-CED4-4E09-8B0A-F362924A50A8}" dt="2025-01-07T17:01:14.483" v="2"/>
-            <ac:spMkLst>
-              <pc:docMk/>
-              <pc:sldMasterMk cId="1231820426" sldId="2147483648"/>
-              <pc:sldLayoutMk cId="2678850688" sldId="2147483657"/>
-              <ac:spMk id="3" creationId="{21FA6BA9-9694-9C9C-952B-3DCFEBE5615A}"/>
-            </ac:spMkLst>
-          </pc:spChg>
-          <pc:spChg chg="mod">
-            <ac:chgData name="Dr. Manel Puig i Vidal" userId="0d549d0e-cb25-4ad8-b3a5-db046c349dfe" providerId="ADAL" clId="{8F19AE49-CED4-4E09-8B0A-F362924A50A8}" dt="2025-01-07T17:01:14.483" v="2"/>
-            <ac:spMkLst>
-              <pc:docMk/>
-              <pc:sldMasterMk cId="1231820426" sldId="2147483648"/>
-              <pc:sldLayoutMk cId="2678850688" sldId="2147483657"/>
-              <ac:spMk id="4" creationId="{585B072D-6358-958B-DFC3-9526254B641D}"/>
-            </ac:spMkLst>
-          </pc:spChg>
         </pc:sldLayoutChg>
         <pc:sldLayoutChg chg="modSp">
           <pc:chgData name="Dr. Manel Puig i Vidal" userId="0d549d0e-cb25-4ad8-b3a5-db046c349dfe" providerId="ADAL" clId="{8F19AE49-CED4-4E09-8B0A-F362924A50A8}" dt="2025-01-07T17:01:14.483" v="2"/>
@@ -649,24 +686,6 @@
             <pc:sldMasterMk cId="1231820426" sldId="2147483648"/>
             <pc:sldLayoutMk cId="3440907611" sldId="2147483659"/>
           </pc:sldLayoutMkLst>
-          <pc:spChg chg="mod">
-            <ac:chgData name="Dr. Manel Puig i Vidal" userId="0d549d0e-cb25-4ad8-b3a5-db046c349dfe" providerId="ADAL" clId="{8F19AE49-CED4-4E09-8B0A-F362924A50A8}" dt="2025-01-07T17:01:14.483" v="2"/>
-            <ac:spMkLst>
-              <pc:docMk/>
-              <pc:sldMasterMk cId="1231820426" sldId="2147483648"/>
-              <pc:sldLayoutMk cId="3440907611" sldId="2147483659"/>
-              <ac:spMk id="2" creationId="{5659F765-91B7-B0F7-CF9B-84CF191CF1B0}"/>
-            </ac:spMkLst>
-          </pc:spChg>
-          <pc:spChg chg="mod">
-            <ac:chgData name="Dr. Manel Puig i Vidal" userId="0d549d0e-cb25-4ad8-b3a5-db046c349dfe" providerId="ADAL" clId="{8F19AE49-CED4-4E09-8B0A-F362924A50A8}" dt="2025-01-07T17:01:14.483" v="2"/>
-            <ac:spMkLst>
-              <pc:docMk/>
-              <pc:sldMasterMk cId="1231820426" sldId="2147483648"/>
-              <pc:sldLayoutMk cId="3440907611" sldId="2147483659"/>
-              <ac:spMk id="3" creationId="{AE889180-2076-AA9F-2397-C57C5D4E0D91}"/>
-            </ac:spMkLst>
-          </pc:spChg>
         </pc:sldLayoutChg>
       </pc:sldMasterChg>
     </pc:docChg>
@@ -805,7 +824,7 @@
           <a:p>
             <a:fld id="{0AF811FA-9E99-4BD6-BDB1-D476B95AB925}" type="datetimeFigureOut">
               <a:rPr lang="en-GB" smtClean="0"/>
-              <a:t>07/01/2025</a:t>
+              <a:t>29/01/2025</a:t>
             </a:fld>
             <a:endParaRPr lang="en-GB"/>
           </a:p>
@@ -975,7 +994,7 @@
           <a:p>
             <a:fld id="{0AF811FA-9E99-4BD6-BDB1-D476B95AB925}" type="datetimeFigureOut">
               <a:rPr lang="en-GB" smtClean="0"/>
-              <a:t>07/01/2025</a:t>
+              <a:t>29/01/2025</a:t>
             </a:fld>
             <a:endParaRPr lang="en-GB"/>
           </a:p>
@@ -1155,7 +1174,7 @@
           <a:p>
             <a:fld id="{0AF811FA-9E99-4BD6-BDB1-D476B95AB925}" type="datetimeFigureOut">
               <a:rPr lang="en-GB" smtClean="0"/>
-              <a:t>07/01/2025</a:t>
+              <a:t>29/01/2025</a:t>
             </a:fld>
             <a:endParaRPr lang="en-GB"/>
           </a:p>
@@ -1325,7 +1344,7 @@
           <a:p>
             <a:fld id="{0AF811FA-9E99-4BD6-BDB1-D476B95AB925}" type="datetimeFigureOut">
               <a:rPr lang="en-GB" smtClean="0"/>
-              <a:t>07/01/2025</a:t>
+              <a:t>29/01/2025</a:t>
             </a:fld>
             <a:endParaRPr lang="en-GB"/>
           </a:p>
@@ -1571,7 +1590,7 @@
           <a:p>
             <a:fld id="{0AF811FA-9E99-4BD6-BDB1-D476B95AB925}" type="datetimeFigureOut">
               <a:rPr lang="en-GB" smtClean="0"/>
-              <a:t>07/01/2025</a:t>
+              <a:t>29/01/2025</a:t>
             </a:fld>
             <a:endParaRPr lang="en-GB"/>
           </a:p>
@@ -1803,7 +1822,7 @@
           <a:p>
             <a:fld id="{0AF811FA-9E99-4BD6-BDB1-D476B95AB925}" type="datetimeFigureOut">
               <a:rPr lang="en-GB" smtClean="0"/>
-              <a:t>07/01/2025</a:t>
+              <a:t>29/01/2025</a:t>
             </a:fld>
             <a:endParaRPr lang="en-GB"/>
           </a:p>
@@ -2170,7 +2189,7 @@
           <a:p>
             <a:fld id="{0AF811FA-9E99-4BD6-BDB1-D476B95AB925}" type="datetimeFigureOut">
               <a:rPr lang="en-GB" smtClean="0"/>
-              <a:t>07/01/2025</a:t>
+              <a:t>29/01/2025</a:t>
             </a:fld>
             <a:endParaRPr lang="en-GB"/>
           </a:p>
@@ -2288,7 +2307,7 @@
           <a:p>
             <a:fld id="{0AF811FA-9E99-4BD6-BDB1-D476B95AB925}" type="datetimeFigureOut">
               <a:rPr lang="en-GB" smtClean="0"/>
-              <a:t>07/01/2025</a:t>
+              <a:t>29/01/2025</a:t>
             </a:fld>
             <a:endParaRPr lang="en-GB"/>
           </a:p>
@@ -2383,7 +2402,7 @@
           <a:p>
             <a:fld id="{0AF811FA-9E99-4BD6-BDB1-D476B95AB925}" type="datetimeFigureOut">
               <a:rPr lang="en-GB" smtClean="0"/>
-              <a:t>07/01/2025</a:t>
+              <a:t>29/01/2025</a:t>
             </a:fld>
             <a:endParaRPr lang="en-GB"/>
           </a:p>
@@ -2660,7 +2679,7 @@
           <a:p>
             <a:fld id="{0AF811FA-9E99-4BD6-BDB1-D476B95AB925}" type="datetimeFigureOut">
               <a:rPr lang="en-GB" smtClean="0"/>
-              <a:t>07/01/2025</a:t>
+              <a:t>29/01/2025</a:t>
             </a:fld>
             <a:endParaRPr lang="en-GB"/>
           </a:p>
@@ -2917,7 +2936,7 @@
           <a:p>
             <a:fld id="{0AF811FA-9E99-4BD6-BDB1-D476B95AB925}" type="datetimeFigureOut">
               <a:rPr lang="en-GB" smtClean="0"/>
-              <a:t>07/01/2025</a:t>
+              <a:t>29/01/2025</a:t>
             </a:fld>
             <a:endParaRPr lang="en-GB"/>
           </a:p>
@@ -3130,7 +3149,7 @@
           <a:p>
             <a:fld id="{0AF811FA-9E99-4BD6-BDB1-D476B95AB925}" type="datetimeFigureOut">
               <a:rPr lang="en-GB" smtClean="0"/>
-              <a:t>07/01/2025</a:t>
+              <a:t>29/01/2025</a:t>
             </a:fld>
             <a:endParaRPr lang="en-GB"/>
           </a:p>
@@ -3706,7 +3725,7 @@
           <a:p>
             <a:fld id="{B67F01DA-B18C-4391-A8D7-0CE3F049FD3B}" type="datetime1">
               <a:rPr lang="es-ES" smtClean="0"/>
-              <a:t>07/01/2025</a:t>
+              <a:t>29/01/2025</a:t>
             </a:fld>
             <a:endParaRPr lang="es-ES" dirty="0"/>
           </a:p>
@@ -6022,6 +6041,1169 @@
     <p:extLst>
       <p:ext uri="{BB962C8B-B14F-4D97-AF65-F5344CB8AC3E}">
         <p14:creationId xmlns:p14="http://schemas.microsoft.com/office/powerpoint/2010/main" val="3026758067"/>
+      </p:ext>
+    </p:extLst>
+  </p:cSld>
+  <p:clrMapOvr>
+    <a:masterClrMapping/>
+  </p:clrMapOvr>
+</p:sld>
+</file>
+
+<file path=ppt/slides/slide7.xml><?xml version="1.0" encoding="utf-8"?>
+<p:sld xmlns:a="http://schemas.openxmlformats.org/drawingml/2006/main" xmlns:r="http://schemas.openxmlformats.org/officeDocument/2006/relationships" xmlns:p="http://schemas.openxmlformats.org/presentationml/2006/main">
+  <p:cSld>
+    <p:spTree>
+      <p:nvGrpSpPr>
+        <p:cNvPr id="1" name=""/>
+        <p:cNvGrpSpPr/>
+        <p:nvPr/>
+      </p:nvGrpSpPr>
+      <p:grpSpPr>
+        <a:xfrm>
+          <a:off x="0" y="0"/>
+          <a:ext cx="0" cy="0"/>
+          <a:chOff x="0" y="0"/>
+          <a:chExt cx="0" cy="0"/>
+        </a:xfrm>
+      </p:grpSpPr>
+      <p:pic>
+        <p:nvPicPr>
+          <p:cNvPr id="5" name="Picture 4">
+            <a:extLst>
+              <a:ext uri="{FF2B5EF4-FFF2-40B4-BE49-F238E27FC236}">
+                <a16:creationId xmlns:a16="http://schemas.microsoft.com/office/drawing/2014/main" id="{3098A33D-1C12-4881-3672-523E644205B3}"/>
+              </a:ext>
+            </a:extLst>
+          </p:cNvPr>
+          <p:cNvPicPr>
+            <a:picLocks noChangeAspect="1"/>
+          </p:cNvPicPr>
+          <p:nvPr/>
+        </p:nvPicPr>
+        <p:blipFill>
+          <a:blip r:embed="rId2"/>
+          <a:srcRect l="19478" t="8052" r="18739" b="9571"/>
+          <a:stretch/>
+        </p:blipFill>
+        <p:spPr>
+          <a:xfrm>
+            <a:off x="4137434" y="2199992"/>
+            <a:ext cx="2646017" cy="2822418"/>
+          </a:xfrm>
+          <a:prstGeom prst="rect">
+            <a:avLst/>
+          </a:prstGeom>
+        </p:spPr>
+      </p:pic>
+      <p:pic>
+        <p:nvPicPr>
+          <p:cNvPr id="6" name="Picture 5">
+            <a:extLst>
+              <a:ext uri="{FF2B5EF4-FFF2-40B4-BE49-F238E27FC236}">
+                <a16:creationId xmlns:a16="http://schemas.microsoft.com/office/drawing/2014/main" id="{8A194EAF-CEFE-8DBE-335A-504134F8E97D}"/>
+              </a:ext>
+            </a:extLst>
+          </p:cNvPr>
+          <p:cNvPicPr>
+            <a:picLocks noChangeAspect="1" noChangeArrowheads="1"/>
+          </p:cNvPicPr>
+          <p:nvPr/>
+        </p:nvPicPr>
+        <p:blipFill>
+          <a:blip r:embed="rId3">
+            <a:extLst>
+              <a:ext uri="{28A0092B-C50C-407E-A947-70E740481C1C}">
+                <a14:useLocalDpi xmlns:a14="http://schemas.microsoft.com/office/drawing/2010/main" val="0"/>
+              </a:ext>
+            </a:extLst>
+          </a:blip>
+          <a:srcRect/>
+          <a:stretch>
+            <a:fillRect/>
+          </a:stretch>
+        </p:blipFill>
+        <p:spPr bwMode="auto">
+          <a:xfrm>
+            <a:off x="753196" y="2770360"/>
+            <a:ext cx="1918772" cy="1918772"/>
+          </a:xfrm>
+          <a:prstGeom prst="rect">
+            <a:avLst/>
+          </a:prstGeom>
+          <a:noFill/>
+          <a:extLst>
+            <a:ext uri="{909E8E84-426E-40DD-AFC4-6F175D3DCCD1}">
+              <a14:hiddenFill xmlns:a14="http://schemas.microsoft.com/office/drawing/2010/main">
+                <a:solidFill>
+                  <a:srgbClr val="FFFFFF"/>
+                </a:solidFill>
+              </a14:hiddenFill>
+            </a:ext>
+          </a:extLst>
+        </p:spPr>
+      </p:pic>
+      <p:sp>
+        <p:nvSpPr>
+          <p:cNvPr id="8" name="Arrow: Left-Right 7">
+            <a:extLst>
+              <a:ext uri="{FF2B5EF4-FFF2-40B4-BE49-F238E27FC236}">
+                <a16:creationId xmlns:a16="http://schemas.microsoft.com/office/drawing/2014/main" id="{5B23A227-2E02-CEB8-E6CA-752032AFCA4B}"/>
+              </a:ext>
+            </a:extLst>
+          </p:cNvPr>
+          <p:cNvSpPr/>
+          <p:nvPr/>
+        </p:nvSpPr>
+        <p:spPr>
+          <a:xfrm>
+            <a:off x="2978590" y="2851842"/>
+            <a:ext cx="1158844" cy="488887"/>
+          </a:xfrm>
+          <a:prstGeom prst="leftRightArrow">
+            <a:avLst/>
+          </a:prstGeom>
+        </p:spPr>
+        <p:style>
+          <a:lnRef idx="2">
+            <a:schemeClr val="accent1">
+              <a:shade val="15000"/>
+            </a:schemeClr>
+          </a:lnRef>
+          <a:fillRef idx="1">
+            <a:schemeClr val="accent1"/>
+          </a:fillRef>
+          <a:effectRef idx="0">
+            <a:schemeClr val="accent1"/>
+          </a:effectRef>
+          <a:fontRef idx="minor">
+            <a:schemeClr val="lt1"/>
+          </a:fontRef>
+        </p:style>
+        <p:txBody>
+          <a:bodyPr rtlCol="0" anchor="ctr"/>
+          <a:lstStyle/>
+          <a:p>
+            <a:pPr algn="ctr"/>
+            <a:endParaRPr lang="en-GB"/>
+          </a:p>
+        </p:txBody>
+      </p:sp>
+      <p:pic>
+        <p:nvPicPr>
+          <p:cNvPr id="9" name="Picture 8">
+            <a:extLst>
+              <a:ext uri="{FF2B5EF4-FFF2-40B4-BE49-F238E27FC236}">
+                <a16:creationId xmlns:a16="http://schemas.microsoft.com/office/drawing/2014/main" id="{CBDFD260-C708-976E-752C-09D3AD7C26DE}"/>
+              </a:ext>
+            </a:extLst>
+          </p:cNvPr>
+          <p:cNvPicPr>
+            <a:picLocks noChangeAspect="1"/>
+          </p:cNvPicPr>
+          <p:nvPr/>
+        </p:nvPicPr>
+        <p:blipFill>
+          <a:blip r:embed="rId4"/>
+          <a:srcRect l="27873" t="11344" r="27609" b="12308"/>
+          <a:stretch/>
+        </p:blipFill>
+        <p:spPr>
+          <a:xfrm>
+            <a:off x="1654379" y="2199992"/>
+            <a:ext cx="731158" cy="705321"/>
+          </a:xfrm>
+          <a:prstGeom prst="rect">
+            <a:avLst/>
+          </a:prstGeom>
+        </p:spPr>
+      </p:pic>
+    </p:spTree>
+    <p:extLst>
+      <p:ext uri="{BB962C8B-B14F-4D97-AF65-F5344CB8AC3E}">
+        <p14:creationId xmlns:p14="http://schemas.microsoft.com/office/powerpoint/2010/main" val="2591072468"/>
+      </p:ext>
+    </p:extLst>
+  </p:cSld>
+  <p:clrMapOvr>
+    <a:masterClrMapping/>
+  </p:clrMapOvr>
+</p:sld>
+</file>
+
+<file path=ppt/slides/slide8.xml><?xml version="1.0" encoding="utf-8"?>
+<p:sld xmlns:a="http://schemas.openxmlformats.org/drawingml/2006/main" xmlns:r="http://schemas.openxmlformats.org/officeDocument/2006/relationships" xmlns:p="http://schemas.openxmlformats.org/presentationml/2006/main">
+  <p:cSld>
+    <p:spTree>
+      <p:nvGrpSpPr>
+        <p:cNvPr id="1" name=""/>
+        <p:cNvGrpSpPr/>
+        <p:nvPr/>
+      </p:nvGrpSpPr>
+      <p:grpSpPr>
+        <a:xfrm>
+          <a:off x="0" y="0"/>
+          <a:ext cx="0" cy="0"/>
+          <a:chOff x="0" y="0"/>
+          <a:chExt cx="0" cy="0"/>
+        </a:xfrm>
+      </p:grpSpPr>
+      <p:sp>
+        <p:nvSpPr>
+          <p:cNvPr id="2" name="TextBox 1">
+            <a:extLst>
+              <a:ext uri="{FF2B5EF4-FFF2-40B4-BE49-F238E27FC236}">
+                <a16:creationId xmlns:a16="http://schemas.microsoft.com/office/drawing/2014/main" id="{F3D1F933-A6C0-7DD2-C4DE-83450CBE4AF3}"/>
+              </a:ext>
+            </a:extLst>
+          </p:cNvPr>
+          <p:cNvSpPr txBox="1"/>
+          <p:nvPr/>
+        </p:nvSpPr>
+        <p:spPr>
+          <a:xfrm>
+            <a:off x="289712" y="280657"/>
+            <a:ext cx="2464136" cy="646331"/>
+          </a:xfrm>
+          <a:prstGeom prst="rect">
+            <a:avLst/>
+          </a:prstGeom>
+          <a:noFill/>
+        </p:spPr>
+        <p:txBody>
+          <a:bodyPr wrap="none" rtlCol="0">
+            <a:spAutoFit/>
+          </a:bodyPr>
+          <a:lstStyle/>
+          <a:p>
+            <a:r>
+              <a:rPr lang="en-GB" b="1" dirty="0" err="1">
+                <a:solidFill>
+                  <a:srgbClr val="000080"/>
+                </a:solidFill>
+                <a:effectLst/>
+                <a:latin typeface="Consolas" panose="020B0609020204030204" pitchFamily="49" charset="0"/>
+              </a:rPr>
+              <a:t>WiFi_SocketUDP_IMU</a:t>
+            </a:r>
+            <a:endParaRPr lang="en-GB" b="0" dirty="0">
+              <a:solidFill>
+                <a:srgbClr val="000000"/>
+              </a:solidFill>
+              <a:effectLst/>
+              <a:latin typeface="Consolas" panose="020B0609020204030204" pitchFamily="49" charset="0"/>
+            </a:endParaRPr>
+          </a:p>
+          <a:p>
+            <a:endParaRPr lang="en-GB" dirty="0"/>
+          </a:p>
+        </p:txBody>
+      </p:sp>
+      <p:pic>
+        <p:nvPicPr>
+          <p:cNvPr id="3" name="Picture 2">
+            <a:extLst>
+              <a:ext uri="{FF2B5EF4-FFF2-40B4-BE49-F238E27FC236}">
+                <a16:creationId xmlns:a16="http://schemas.microsoft.com/office/drawing/2014/main" id="{F1E71D71-EEBF-CB85-F2BF-48306F584947}"/>
+              </a:ext>
+            </a:extLst>
+          </p:cNvPr>
+          <p:cNvPicPr>
+            <a:picLocks noChangeAspect="1" noChangeArrowheads="1"/>
+          </p:cNvPicPr>
+          <p:nvPr/>
+        </p:nvPicPr>
+        <p:blipFill>
+          <a:blip r:embed="rId2">
+            <a:extLst>
+              <a:ext uri="{28A0092B-C50C-407E-A947-70E740481C1C}">
+                <a14:useLocalDpi xmlns:a14="http://schemas.microsoft.com/office/drawing/2010/main" val="0"/>
+              </a:ext>
+            </a:extLst>
+          </a:blip>
+          <a:srcRect/>
+          <a:stretch>
+            <a:fillRect/>
+          </a:stretch>
+        </p:blipFill>
+        <p:spPr bwMode="auto">
+          <a:xfrm>
+            <a:off x="3783402" y="1996050"/>
+            <a:ext cx="1918772" cy="1918772"/>
+          </a:xfrm>
+          <a:prstGeom prst="rect">
+            <a:avLst/>
+          </a:prstGeom>
+          <a:noFill/>
+          <a:extLst>
+            <a:ext uri="{909E8E84-426E-40DD-AFC4-6F175D3DCCD1}">
+              <a14:hiddenFill xmlns:a14="http://schemas.microsoft.com/office/drawing/2010/main">
+                <a:solidFill>
+                  <a:srgbClr val="FFFFFF"/>
+                </a:solidFill>
+              </a14:hiddenFill>
+            </a:ext>
+          </a:extLst>
+        </p:spPr>
+      </p:pic>
+      <p:pic>
+        <p:nvPicPr>
+          <p:cNvPr id="4" name="Picture 2" descr="Portátil HP Pavilion 13-bb0002la - 13.3&quot; (308Z8LA) - Tienda HP.com Colombia">
+            <a:extLst>
+              <a:ext uri="{FF2B5EF4-FFF2-40B4-BE49-F238E27FC236}">
+                <a16:creationId xmlns:a16="http://schemas.microsoft.com/office/drawing/2014/main" id="{52C2CAC5-2D49-F16D-13ED-C08D823F5C1F}"/>
+              </a:ext>
+            </a:extLst>
+          </p:cNvPr>
+          <p:cNvPicPr>
+            <a:picLocks noChangeAspect="1" noChangeArrowheads="1"/>
+          </p:cNvPicPr>
+          <p:nvPr/>
+        </p:nvPicPr>
+        <p:blipFill>
+          <a:blip r:embed="rId3">
+            <a:extLst>
+              <a:ext uri="{28A0092B-C50C-407E-A947-70E740481C1C}">
+                <a14:useLocalDpi xmlns:a14="http://schemas.microsoft.com/office/drawing/2010/main" val="0"/>
+              </a:ext>
+            </a:extLst>
+          </a:blip>
+          <a:srcRect/>
+          <a:stretch>
+            <a:fillRect/>
+          </a:stretch>
+        </p:blipFill>
+        <p:spPr bwMode="auto">
+          <a:xfrm>
+            <a:off x="5875699" y="3786056"/>
+            <a:ext cx="3089306" cy="2321393"/>
+          </a:xfrm>
+          <a:prstGeom prst="rect">
+            <a:avLst/>
+          </a:prstGeom>
+          <a:noFill/>
+          <a:extLst>
+            <a:ext uri="{909E8E84-426E-40DD-AFC4-6F175D3DCCD1}">
+              <a14:hiddenFill xmlns:a14="http://schemas.microsoft.com/office/drawing/2010/main">
+                <a:solidFill>
+                  <a:srgbClr val="FFFFFF"/>
+                </a:solidFill>
+              </a14:hiddenFill>
+            </a:ext>
+          </a:extLst>
+        </p:spPr>
+      </p:pic>
+      <p:pic>
+        <p:nvPicPr>
+          <p:cNvPr id="5" name="Picture 4" descr="Wifi y Bluetooth, ambos inalámbricos, ¿cuál es la diferencia? - Bienvenido  profesional de TI">
+            <a:extLst>
+              <a:ext uri="{FF2B5EF4-FFF2-40B4-BE49-F238E27FC236}">
+                <a16:creationId xmlns:a16="http://schemas.microsoft.com/office/drawing/2014/main" id="{B7BA89A0-C0BA-EF9B-74E6-3308712FCA45}"/>
+              </a:ext>
+            </a:extLst>
+          </p:cNvPr>
+          <p:cNvPicPr>
+            <a:picLocks noChangeAspect="1" noChangeArrowheads="1"/>
+          </p:cNvPicPr>
+          <p:nvPr/>
+        </p:nvPicPr>
+        <p:blipFill>
+          <a:blip r:embed="rId4">
+            <a:extLst>
+              <a:ext uri="{28A0092B-C50C-407E-A947-70E740481C1C}">
+                <a14:useLocalDpi xmlns:a14="http://schemas.microsoft.com/office/drawing/2010/main" val="0"/>
+              </a:ext>
+            </a:extLst>
+          </a:blip>
+          <a:srcRect/>
+          <a:stretch>
+            <a:fillRect/>
+          </a:stretch>
+        </p:blipFill>
+        <p:spPr bwMode="auto">
+          <a:xfrm>
+            <a:off x="4499102" y="926988"/>
+            <a:ext cx="1367826" cy="1367826"/>
+          </a:xfrm>
+          <a:prstGeom prst="rect">
+            <a:avLst/>
+          </a:prstGeom>
+          <a:noFill/>
+          <a:extLst>
+            <a:ext uri="{909E8E84-426E-40DD-AFC4-6F175D3DCCD1}">
+              <a14:hiddenFill xmlns:a14="http://schemas.microsoft.com/office/drawing/2010/main">
+                <a:solidFill>
+                  <a:srgbClr val="FFFFFF"/>
+                </a:solidFill>
+              </a14:hiddenFill>
+            </a:ext>
+          </a:extLst>
+        </p:spPr>
+      </p:pic>
+      <p:pic>
+        <p:nvPicPr>
+          <p:cNvPr id="6" name="Picture 5" descr="Wifi y Bluetooth, ambos inalámbricos, ¿cuál es la diferencia? - Bienvenido  profesional de TI">
+            <a:extLst>
+              <a:ext uri="{FF2B5EF4-FFF2-40B4-BE49-F238E27FC236}">
+                <a16:creationId xmlns:a16="http://schemas.microsoft.com/office/drawing/2014/main" id="{55B2E632-9B64-B277-D019-40F5E2554E9C}"/>
+              </a:ext>
+            </a:extLst>
+          </p:cNvPr>
+          <p:cNvPicPr>
+            <a:picLocks noChangeAspect="1" noChangeArrowheads="1"/>
+          </p:cNvPicPr>
+          <p:nvPr/>
+        </p:nvPicPr>
+        <p:blipFill>
+          <a:blip r:embed="rId4">
+            <a:extLst>
+              <a:ext uri="{28A0092B-C50C-407E-A947-70E740481C1C}">
+                <a14:useLocalDpi xmlns:a14="http://schemas.microsoft.com/office/drawing/2010/main" val="0"/>
+              </a:ext>
+            </a:extLst>
+          </a:blip>
+          <a:srcRect/>
+          <a:stretch>
+            <a:fillRect/>
+          </a:stretch>
+        </p:blipFill>
+        <p:spPr bwMode="auto">
+          <a:xfrm>
+            <a:off x="4841527" y="4636837"/>
+            <a:ext cx="1367826" cy="1367826"/>
+          </a:xfrm>
+          <a:prstGeom prst="rect">
+            <a:avLst/>
+          </a:prstGeom>
+          <a:noFill/>
+          <a:extLst>
+            <a:ext uri="{909E8E84-426E-40DD-AFC4-6F175D3DCCD1}">
+              <a14:hiddenFill xmlns:a14="http://schemas.microsoft.com/office/drawing/2010/main">
+                <a:solidFill>
+                  <a:srgbClr val="FFFFFF"/>
+                </a:solidFill>
+              </a14:hiddenFill>
+            </a:ext>
+          </a:extLst>
+        </p:spPr>
+      </p:pic>
+      <p:sp>
+        <p:nvSpPr>
+          <p:cNvPr id="7" name="Arrow: Right 6">
+            <a:extLst>
+              <a:ext uri="{FF2B5EF4-FFF2-40B4-BE49-F238E27FC236}">
+                <a16:creationId xmlns:a16="http://schemas.microsoft.com/office/drawing/2014/main" id="{314AEB46-CA46-8F09-512C-E409FBF5989A}"/>
+              </a:ext>
+            </a:extLst>
+          </p:cNvPr>
+          <p:cNvSpPr/>
+          <p:nvPr/>
+        </p:nvSpPr>
+        <p:spPr>
+          <a:xfrm rot="3058966">
+            <a:off x="4888101" y="3861421"/>
+            <a:ext cx="1219883" cy="475397"/>
+          </a:xfrm>
+          <a:prstGeom prst="rightArrow">
+            <a:avLst/>
+          </a:prstGeom>
+        </p:spPr>
+        <p:style>
+          <a:lnRef idx="2">
+            <a:schemeClr val="accent1">
+              <a:shade val="15000"/>
+            </a:schemeClr>
+          </a:lnRef>
+          <a:fillRef idx="1">
+            <a:schemeClr val="accent1"/>
+          </a:fillRef>
+          <a:effectRef idx="0">
+            <a:schemeClr val="accent1"/>
+          </a:effectRef>
+          <a:fontRef idx="minor">
+            <a:schemeClr val="lt1"/>
+          </a:fontRef>
+        </p:style>
+        <p:txBody>
+          <a:bodyPr rtlCol="0" anchor="ctr"/>
+          <a:lstStyle/>
+          <a:p>
+            <a:pPr algn="ctr"/>
+            <a:endParaRPr lang="en-GB"/>
+          </a:p>
+        </p:txBody>
+      </p:sp>
+      <p:pic>
+        <p:nvPicPr>
+          <p:cNvPr id="8" name="Picture 7">
+            <a:extLst>
+              <a:ext uri="{FF2B5EF4-FFF2-40B4-BE49-F238E27FC236}">
+                <a16:creationId xmlns:a16="http://schemas.microsoft.com/office/drawing/2014/main" id="{A4F16BCA-254B-A547-7F57-AC6F456911E8}"/>
+              </a:ext>
+            </a:extLst>
+          </p:cNvPr>
+          <p:cNvPicPr>
+            <a:picLocks noChangeAspect="1" noChangeArrowheads="1"/>
+          </p:cNvPicPr>
+          <p:nvPr/>
+        </p:nvPicPr>
+        <p:blipFill>
+          <a:blip r:embed="rId2">
+            <a:extLst>
+              <a:ext uri="{28A0092B-C50C-407E-A947-70E740481C1C}">
+                <a14:useLocalDpi xmlns:a14="http://schemas.microsoft.com/office/drawing/2010/main" val="0"/>
+              </a:ext>
+            </a:extLst>
+          </a:blip>
+          <a:srcRect/>
+          <a:stretch>
+            <a:fillRect/>
+          </a:stretch>
+        </p:blipFill>
+        <p:spPr bwMode="auto">
+          <a:xfrm>
+            <a:off x="679053" y="2890834"/>
+            <a:ext cx="1918772" cy="1918772"/>
+          </a:xfrm>
+          <a:prstGeom prst="rect">
+            <a:avLst/>
+          </a:prstGeom>
+          <a:noFill/>
+          <a:extLst>
+            <a:ext uri="{909E8E84-426E-40DD-AFC4-6F175D3DCCD1}">
+              <a14:hiddenFill xmlns:a14="http://schemas.microsoft.com/office/drawing/2010/main">
+                <a:solidFill>
+                  <a:srgbClr val="FFFFFF"/>
+                </a:solidFill>
+              </a14:hiddenFill>
+            </a:ext>
+          </a:extLst>
+        </p:spPr>
+      </p:pic>
+      <p:pic>
+        <p:nvPicPr>
+          <p:cNvPr id="9" name="Picture 8" descr="Wifi y Bluetooth, ambos inalámbricos, ¿cuál es la diferencia? - Bienvenido  profesional de TI">
+            <a:extLst>
+              <a:ext uri="{FF2B5EF4-FFF2-40B4-BE49-F238E27FC236}">
+                <a16:creationId xmlns:a16="http://schemas.microsoft.com/office/drawing/2014/main" id="{2CCDA836-0E0D-0E31-1664-27A9DEFB7A12}"/>
+              </a:ext>
+            </a:extLst>
+          </p:cNvPr>
+          <p:cNvPicPr>
+            <a:picLocks noChangeAspect="1" noChangeArrowheads="1"/>
+          </p:cNvPicPr>
+          <p:nvPr/>
+        </p:nvPicPr>
+        <p:blipFill>
+          <a:blip r:embed="rId4">
+            <a:extLst>
+              <a:ext uri="{28A0092B-C50C-407E-A947-70E740481C1C}">
+                <a14:useLocalDpi xmlns:a14="http://schemas.microsoft.com/office/drawing/2010/main" val="0"/>
+              </a:ext>
+            </a:extLst>
+          </a:blip>
+          <a:srcRect/>
+          <a:stretch>
+            <a:fillRect/>
+          </a:stretch>
+        </p:blipFill>
+        <p:spPr bwMode="auto">
+          <a:xfrm>
+            <a:off x="1394753" y="1821772"/>
+            <a:ext cx="1367826" cy="1367826"/>
+          </a:xfrm>
+          <a:prstGeom prst="rect">
+            <a:avLst/>
+          </a:prstGeom>
+          <a:noFill/>
+          <a:extLst>
+            <a:ext uri="{909E8E84-426E-40DD-AFC4-6F175D3DCCD1}">
+              <a14:hiddenFill xmlns:a14="http://schemas.microsoft.com/office/drawing/2010/main">
+                <a:solidFill>
+                  <a:srgbClr val="FFFFFF"/>
+                </a:solidFill>
+              </a14:hiddenFill>
+            </a:ext>
+          </a:extLst>
+        </p:spPr>
+      </p:pic>
+      <p:sp>
+        <p:nvSpPr>
+          <p:cNvPr id="10" name="Arrow: Right 9">
+            <a:extLst>
+              <a:ext uri="{FF2B5EF4-FFF2-40B4-BE49-F238E27FC236}">
+                <a16:creationId xmlns:a16="http://schemas.microsoft.com/office/drawing/2014/main" id="{E2C30547-6CB0-F527-7036-17906E1047D0}"/>
+              </a:ext>
+            </a:extLst>
+          </p:cNvPr>
+          <p:cNvSpPr/>
+          <p:nvPr/>
+        </p:nvSpPr>
+        <p:spPr>
+          <a:xfrm rot="810743">
+            <a:off x="2471443" y="4343185"/>
+            <a:ext cx="2145424" cy="475397"/>
+          </a:xfrm>
+          <a:prstGeom prst="rightArrow">
+            <a:avLst/>
+          </a:prstGeom>
+        </p:spPr>
+        <p:style>
+          <a:lnRef idx="2">
+            <a:schemeClr val="accent1">
+              <a:shade val="15000"/>
+            </a:schemeClr>
+          </a:lnRef>
+          <a:fillRef idx="1">
+            <a:schemeClr val="accent1"/>
+          </a:fillRef>
+          <a:effectRef idx="0">
+            <a:schemeClr val="accent1"/>
+          </a:effectRef>
+          <a:fontRef idx="minor">
+            <a:schemeClr val="lt1"/>
+          </a:fontRef>
+        </p:style>
+        <p:txBody>
+          <a:bodyPr rtlCol="0" anchor="ctr"/>
+          <a:lstStyle/>
+          <a:p>
+            <a:pPr algn="ctr"/>
+            <a:endParaRPr lang="en-GB"/>
+          </a:p>
+        </p:txBody>
+      </p:sp>
+    </p:spTree>
+    <p:extLst>
+      <p:ext uri="{BB962C8B-B14F-4D97-AF65-F5344CB8AC3E}">
+        <p14:creationId xmlns:p14="http://schemas.microsoft.com/office/powerpoint/2010/main" val="261780092"/>
+      </p:ext>
+    </p:extLst>
+  </p:cSld>
+  <p:clrMapOvr>
+    <a:masterClrMapping/>
+  </p:clrMapOvr>
+</p:sld>
+</file>
+
+<file path=ppt/slides/slide9.xml><?xml version="1.0" encoding="utf-8"?>
+<p:sld xmlns:a="http://schemas.openxmlformats.org/drawingml/2006/main" xmlns:r="http://schemas.openxmlformats.org/officeDocument/2006/relationships" xmlns:p="http://schemas.openxmlformats.org/presentationml/2006/main">
+  <p:cSld>
+    <p:spTree>
+      <p:nvGrpSpPr>
+        <p:cNvPr id="1" name=""/>
+        <p:cNvGrpSpPr/>
+        <p:nvPr/>
+      </p:nvGrpSpPr>
+      <p:grpSpPr>
+        <a:xfrm>
+          <a:off x="0" y="0"/>
+          <a:ext cx="0" cy="0"/>
+          <a:chOff x="0" y="0"/>
+          <a:chExt cx="0" cy="0"/>
+        </a:xfrm>
+      </p:grpSpPr>
+      <p:pic>
+        <p:nvPicPr>
+          <p:cNvPr id="2" name="Picture 2">
+            <a:extLst>
+              <a:ext uri="{FF2B5EF4-FFF2-40B4-BE49-F238E27FC236}">
+                <a16:creationId xmlns:a16="http://schemas.microsoft.com/office/drawing/2014/main" id="{27F53F86-8929-62FA-1180-9E6C1B141371}"/>
+              </a:ext>
+            </a:extLst>
+          </p:cNvPr>
+          <p:cNvPicPr>
+            <a:picLocks noChangeAspect="1" noChangeArrowheads="1"/>
+          </p:cNvPicPr>
+          <p:nvPr/>
+        </p:nvPicPr>
+        <p:blipFill>
+          <a:blip r:embed="rId2">
+            <a:extLst>
+              <a:ext uri="{28A0092B-C50C-407E-A947-70E740481C1C}">
+                <a14:useLocalDpi xmlns:a14="http://schemas.microsoft.com/office/drawing/2010/main" val="0"/>
+              </a:ext>
+            </a:extLst>
+          </a:blip>
+          <a:srcRect/>
+          <a:stretch>
+            <a:fillRect/>
+          </a:stretch>
+        </p:blipFill>
+        <p:spPr bwMode="auto">
+          <a:xfrm>
+            <a:off x="905910" y="3634870"/>
+            <a:ext cx="1918772" cy="1918772"/>
+          </a:xfrm>
+          <a:prstGeom prst="rect">
+            <a:avLst/>
+          </a:prstGeom>
+          <a:noFill/>
+          <a:extLst>
+            <a:ext uri="{909E8E84-426E-40DD-AFC4-6F175D3DCCD1}">
+              <a14:hiddenFill xmlns:a14="http://schemas.microsoft.com/office/drawing/2010/main">
+                <a:solidFill>
+                  <a:srgbClr val="FFFFFF"/>
+                </a:solidFill>
+              </a14:hiddenFill>
+            </a:ext>
+          </a:extLst>
+        </p:spPr>
+      </p:pic>
+      <p:pic>
+        <p:nvPicPr>
+          <p:cNvPr id="3" name="Picture 2">
+            <a:extLst>
+              <a:ext uri="{FF2B5EF4-FFF2-40B4-BE49-F238E27FC236}">
+                <a16:creationId xmlns:a16="http://schemas.microsoft.com/office/drawing/2014/main" id="{481638E5-F016-EC81-286C-32C66E607E2B}"/>
+              </a:ext>
+            </a:extLst>
+          </p:cNvPr>
+          <p:cNvPicPr>
+            <a:picLocks noChangeAspect="1" noChangeArrowheads="1"/>
+          </p:cNvPicPr>
+          <p:nvPr/>
+        </p:nvPicPr>
+        <p:blipFill>
+          <a:blip r:embed="rId2">
+            <a:extLst>
+              <a:ext uri="{28A0092B-C50C-407E-A947-70E740481C1C}">
+                <a14:useLocalDpi xmlns:a14="http://schemas.microsoft.com/office/drawing/2010/main" val="0"/>
+              </a:ext>
+            </a:extLst>
+          </a:blip>
+          <a:srcRect/>
+          <a:stretch>
+            <a:fillRect/>
+          </a:stretch>
+        </p:blipFill>
+        <p:spPr bwMode="auto">
+          <a:xfrm>
+            <a:off x="3511798" y="2103326"/>
+            <a:ext cx="1918772" cy="1918772"/>
+          </a:xfrm>
+          <a:prstGeom prst="rect">
+            <a:avLst/>
+          </a:prstGeom>
+          <a:noFill/>
+          <a:extLst>
+            <a:ext uri="{909E8E84-426E-40DD-AFC4-6F175D3DCCD1}">
+              <a14:hiddenFill xmlns:a14="http://schemas.microsoft.com/office/drawing/2010/main">
+                <a:solidFill>
+                  <a:srgbClr val="FFFFFF"/>
+                </a:solidFill>
+              </a14:hiddenFill>
+            </a:ext>
+          </a:extLst>
+        </p:spPr>
+      </p:pic>
+      <p:pic>
+        <p:nvPicPr>
+          <p:cNvPr id="1026" name="Picture 2" descr="Portátil HP Pavilion 13-bb0002la - 13.3&quot; (308Z8LA) - Tienda HP.com Colombia">
+            <a:extLst>
+              <a:ext uri="{FF2B5EF4-FFF2-40B4-BE49-F238E27FC236}">
+                <a16:creationId xmlns:a16="http://schemas.microsoft.com/office/drawing/2014/main" id="{7770ED66-4724-4F1D-B12D-6BFE5807E36A}"/>
+              </a:ext>
+            </a:extLst>
+          </p:cNvPr>
+          <p:cNvPicPr>
+            <a:picLocks noChangeAspect="1" noChangeArrowheads="1"/>
+          </p:cNvPicPr>
+          <p:nvPr/>
+        </p:nvPicPr>
+        <p:blipFill>
+          <a:blip r:embed="rId3">
+            <a:extLst>
+              <a:ext uri="{28A0092B-C50C-407E-A947-70E740481C1C}">
+                <a14:useLocalDpi xmlns:a14="http://schemas.microsoft.com/office/drawing/2010/main" val="0"/>
+              </a:ext>
+            </a:extLst>
+          </a:blip>
+          <a:srcRect/>
+          <a:stretch>
+            <a:fillRect/>
+          </a:stretch>
+        </p:blipFill>
+        <p:spPr bwMode="auto">
+          <a:xfrm>
+            <a:off x="5604095" y="3893332"/>
+            <a:ext cx="3089306" cy="2321393"/>
+          </a:xfrm>
+          <a:prstGeom prst="rect">
+            <a:avLst/>
+          </a:prstGeom>
+          <a:noFill/>
+          <a:extLst>
+            <a:ext uri="{909E8E84-426E-40DD-AFC4-6F175D3DCCD1}">
+              <a14:hiddenFill xmlns:a14="http://schemas.microsoft.com/office/drawing/2010/main">
+                <a:solidFill>
+                  <a:srgbClr val="FFFFFF"/>
+                </a:solidFill>
+              </a14:hiddenFill>
+            </a:ext>
+          </a:extLst>
+        </p:spPr>
+      </p:pic>
+      <p:pic>
+        <p:nvPicPr>
+          <p:cNvPr id="1028" name="Picture 4" descr="Wifi y Bluetooth, ambos inalámbricos, ¿cuál es la diferencia? - Bienvenido  profesional de TI">
+            <a:extLst>
+              <a:ext uri="{FF2B5EF4-FFF2-40B4-BE49-F238E27FC236}">
+                <a16:creationId xmlns:a16="http://schemas.microsoft.com/office/drawing/2014/main" id="{C5A75DE3-5DAF-CC07-90DF-C2CC6790E715}"/>
+              </a:ext>
+            </a:extLst>
+          </p:cNvPr>
+          <p:cNvPicPr>
+            <a:picLocks noChangeAspect="1" noChangeArrowheads="1"/>
+          </p:cNvPicPr>
+          <p:nvPr/>
+        </p:nvPicPr>
+        <p:blipFill>
+          <a:blip r:embed="rId4">
+            <a:extLst>
+              <a:ext uri="{28A0092B-C50C-407E-A947-70E740481C1C}">
+                <a14:useLocalDpi xmlns:a14="http://schemas.microsoft.com/office/drawing/2010/main" val="0"/>
+              </a:ext>
+            </a:extLst>
+          </a:blip>
+          <a:srcRect/>
+          <a:stretch>
+            <a:fillRect/>
+          </a:stretch>
+        </p:blipFill>
+        <p:spPr bwMode="auto">
+          <a:xfrm>
+            <a:off x="1800414" y="2654272"/>
+            <a:ext cx="1367826" cy="1367826"/>
+          </a:xfrm>
+          <a:prstGeom prst="rect">
+            <a:avLst/>
+          </a:prstGeom>
+          <a:noFill/>
+          <a:extLst>
+            <a:ext uri="{909E8E84-426E-40DD-AFC4-6F175D3DCCD1}">
+              <a14:hiddenFill xmlns:a14="http://schemas.microsoft.com/office/drawing/2010/main">
+                <a:solidFill>
+                  <a:srgbClr val="FFFFFF"/>
+                </a:solidFill>
+              </a14:hiddenFill>
+            </a:ext>
+          </a:extLst>
+        </p:spPr>
+      </p:pic>
+      <p:pic>
+        <p:nvPicPr>
+          <p:cNvPr id="4" name="Picture 4" descr="Wifi y Bluetooth, ambos inalámbricos, ¿cuál es la diferencia? - Bienvenido  profesional de TI">
+            <a:extLst>
+              <a:ext uri="{FF2B5EF4-FFF2-40B4-BE49-F238E27FC236}">
+                <a16:creationId xmlns:a16="http://schemas.microsoft.com/office/drawing/2014/main" id="{53263C7B-6266-D3F5-D6DB-036E58FDF9AB}"/>
+              </a:ext>
+            </a:extLst>
+          </p:cNvPr>
+          <p:cNvPicPr>
+            <a:picLocks noChangeAspect="1" noChangeArrowheads="1"/>
+          </p:cNvPicPr>
+          <p:nvPr/>
+        </p:nvPicPr>
+        <p:blipFill>
+          <a:blip r:embed="rId4">
+            <a:extLst>
+              <a:ext uri="{28A0092B-C50C-407E-A947-70E740481C1C}">
+                <a14:useLocalDpi xmlns:a14="http://schemas.microsoft.com/office/drawing/2010/main" val="0"/>
+              </a:ext>
+            </a:extLst>
+          </a:blip>
+          <a:srcRect/>
+          <a:stretch>
+            <a:fillRect/>
+          </a:stretch>
+        </p:blipFill>
+        <p:spPr bwMode="auto">
+          <a:xfrm>
+            <a:off x="4227498" y="1034264"/>
+            <a:ext cx="1367826" cy="1367826"/>
+          </a:xfrm>
+          <a:prstGeom prst="rect">
+            <a:avLst/>
+          </a:prstGeom>
+          <a:noFill/>
+          <a:extLst>
+            <a:ext uri="{909E8E84-426E-40DD-AFC4-6F175D3DCCD1}">
+              <a14:hiddenFill xmlns:a14="http://schemas.microsoft.com/office/drawing/2010/main">
+                <a:solidFill>
+                  <a:srgbClr val="FFFFFF"/>
+                </a:solidFill>
+              </a14:hiddenFill>
+            </a:ext>
+          </a:extLst>
+        </p:spPr>
+      </p:pic>
+      <p:pic>
+        <p:nvPicPr>
+          <p:cNvPr id="5" name="Picture 4" descr="Wifi y Bluetooth, ambos inalámbricos, ¿cuál es la diferencia? - Bienvenido  profesional de TI">
+            <a:extLst>
+              <a:ext uri="{FF2B5EF4-FFF2-40B4-BE49-F238E27FC236}">
+                <a16:creationId xmlns:a16="http://schemas.microsoft.com/office/drawing/2014/main" id="{0CCB1E01-6FF2-D752-F10B-CF9C9EA00BE7}"/>
+              </a:ext>
+            </a:extLst>
+          </p:cNvPr>
+          <p:cNvPicPr>
+            <a:picLocks noChangeAspect="1" noChangeArrowheads="1"/>
+          </p:cNvPicPr>
+          <p:nvPr/>
+        </p:nvPicPr>
+        <p:blipFill>
+          <a:blip r:embed="rId4">
+            <a:extLst>
+              <a:ext uri="{28A0092B-C50C-407E-A947-70E740481C1C}">
+                <a14:useLocalDpi xmlns:a14="http://schemas.microsoft.com/office/drawing/2010/main" val="0"/>
+              </a:ext>
+            </a:extLst>
+          </a:blip>
+          <a:srcRect/>
+          <a:stretch>
+            <a:fillRect/>
+          </a:stretch>
+        </p:blipFill>
+        <p:spPr bwMode="auto">
+          <a:xfrm>
+            <a:off x="4569923" y="4744113"/>
+            <a:ext cx="1367826" cy="1367826"/>
+          </a:xfrm>
+          <a:prstGeom prst="rect">
+            <a:avLst/>
+          </a:prstGeom>
+          <a:noFill/>
+          <a:extLst>
+            <a:ext uri="{909E8E84-426E-40DD-AFC4-6F175D3DCCD1}">
+              <a14:hiddenFill xmlns:a14="http://schemas.microsoft.com/office/drawing/2010/main">
+                <a:solidFill>
+                  <a:srgbClr val="FFFFFF"/>
+                </a:solidFill>
+              </a14:hiddenFill>
+            </a:ext>
+          </a:extLst>
+        </p:spPr>
+      </p:pic>
+      <p:sp>
+        <p:nvSpPr>
+          <p:cNvPr id="6" name="TextBox 5">
+            <a:extLst>
+              <a:ext uri="{FF2B5EF4-FFF2-40B4-BE49-F238E27FC236}">
+                <a16:creationId xmlns:a16="http://schemas.microsoft.com/office/drawing/2014/main" id="{33769E5F-76A5-F9C5-387F-4E63B5A8975A}"/>
+              </a:ext>
+            </a:extLst>
+          </p:cNvPr>
+          <p:cNvSpPr txBox="1"/>
+          <p:nvPr/>
+        </p:nvSpPr>
+        <p:spPr>
+          <a:xfrm>
+            <a:off x="970980" y="5503195"/>
+            <a:ext cx="1788631" cy="369332"/>
+          </a:xfrm>
+          <a:prstGeom prst="rect">
+            <a:avLst/>
+          </a:prstGeom>
+          <a:noFill/>
+        </p:spPr>
+        <p:txBody>
+          <a:bodyPr wrap="none" rtlCol="0">
+            <a:spAutoFit/>
+          </a:bodyPr>
+          <a:lstStyle/>
+          <a:p>
+            <a:r>
+              <a:rPr lang="es-ES" dirty="0"/>
+              <a:t>ESP32_Receiver</a:t>
+            </a:r>
+            <a:endParaRPr lang="en-GB" dirty="0"/>
+          </a:p>
+        </p:txBody>
+      </p:sp>
+      <p:sp>
+        <p:nvSpPr>
+          <p:cNvPr id="7" name="TextBox 6">
+            <a:extLst>
+              <a:ext uri="{FF2B5EF4-FFF2-40B4-BE49-F238E27FC236}">
+                <a16:creationId xmlns:a16="http://schemas.microsoft.com/office/drawing/2014/main" id="{1B4B4429-B792-7A7A-64D5-5B6DA82BDEE9}"/>
+              </a:ext>
+            </a:extLst>
+          </p:cNvPr>
+          <p:cNvSpPr txBox="1"/>
+          <p:nvPr/>
+        </p:nvSpPr>
+        <p:spPr>
+          <a:xfrm>
+            <a:off x="5595324" y="2268817"/>
+            <a:ext cx="1635384" cy="369332"/>
+          </a:xfrm>
+          <a:prstGeom prst="rect">
+            <a:avLst/>
+          </a:prstGeom>
+          <a:noFill/>
+        </p:spPr>
+        <p:txBody>
+          <a:bodyPr wrap="none" rtlCol="0">
+            <a:spAutoFit/>
+          </a:bodyPr>
+          <a:lstStyle/>
+          <a:p>
+            <a:r>
+              <a:rPr lang="es-ES" dirty="0"/>
+              <a:t>ESP32_Sender</a:t>
+            </a:r>
+            <a:endParaRPr lang="en-GB" dirty="0"/>
+          </a:p>
+        </p:txBody>
+      </p:sp>
+      <p:sp>
+        <p:nvSpPr>
+          <p:cNvPr id="8" name="Arrow: Right 7">
+            <a:extLst>
+              <a:ext uri="{FF2B5EF4-FFF2-40B4-BE49-F238E27FC236}">
+                <a16:creationId xmlns:a16="http://schemas.microsoft.com/office/drawing/2014/main" id="{CB64852E-94C4-84BA-B5C9-004D0BACCBFB}"/>
+              </a:ext>
+            </a:extLst>
+          </p:cNvPr>
+          <p:cNvSpPr/>
+          <p:nvPr/>
+        </p:nvSpPr>
+        <p:spPr>
+          <a:xfrm rot="8940531">
+            <a:off x="2898146" y="3934248"/>
+            <a:ext cx="1294645" cy="475397"/>
+          </a:xfrm>
+          <a:prstGeom prst="rightArrow">
+            <a:avLst/>
+          </a:prstGeom>
+        </p:spPr>
+        <p:style>
+          <a:lnRef idx="2">
+            <a:schemeClr val="accent1">
+              <a:shade val="15000"/>
+            </a:schemeClr>
+          </a:lnRef>
+          <a:fillRef idx="1">
+            <a:schemeClr val="accent1"/>
+          </a:fillRef>
+          <a:effectRef idx="0">
+            <a:schemeClr val="accent1"/>
+          </a:effectRef>
+          <a:fontRef idx="minor">
+            <a:schemeClr val="lt1"/>
+          </a:fontRef>
+        </p:style>
+        <p:txBody>
+          <a:bodyPr rtlCol="0" anchor="ctr"/>
+          <a:lstStyle/>
+          <a:p>
+            <a:pPr algn="ctr"/>
+            <a:endParaRPr lang="en-GB"/>
+          </a:p>
+        </p:txBody>
+      </p:sp>
+      <p:sp>
+        <p:nvSpPr>
+          <p:cNvPr id="9" name="Arrow: Right 8">
+            <a:extLst>
+              <a:ext uri="{FF2B5EF4-FFF2-40B4-BE49-F238E27FC236}">
+                <a16:creationId xmlns:a16="http://schemas.microsoft.com/office/drawing/2014/main" id="{75E9212E-F864-E6F4-75B6-3E72B5494939}"/>
+              </a:ext>
+            </a:extLst>
+          </p:cNvPr>
+          <p:cNvSpPr/>
+          <p:nvPr/>
+        </p:nvSpPr>
+        <p:spPr>
+          <a:xfrm rot="3058966">
+            <a:off x="4616497" y="3968697"/>
+            <a:ext cx="1219883" cy="475397"/>
+          </a:xfrm>
+          <a:prstGeom prst="rightArrow">
+            <a:avLst/>
+          </a:prstGeom>
+        </p:spPr>
+        <p:style>
+          <a:lnRef idx="2">
+            <a:schemeClr val="accent1">
+              <a:shade val="15000"/>
+            </a:schemeClr>
+          </a:lnRef>
+          <a:fillRef idx="1">
+            <a:schemeClr val="accent1"/>
+          </a:fillRef>
+          <a:effectRef idx="0">
+            <a:schemeClr val="accent1"/>
+          </a:effectRef>
+          <a:fontRef idx="minor">
+            <a:schemeClr val="lt1"/>
+          </a:fontRef>
+        </p:style>
+        <p:txBody>
+          <a:bodyPr rtlCol="0" anchor="ctr"/>
+          <a:lstStyle/>
+          <a:p>
+            <a:pPr algn="ctr"/>
+            <a:endParaRPr lang="en-GB"/>
+          </a:p>
+        </p:txBody>
+      </p:sp>
+      <p:sp>
+        <p:nvSpPr>
+          <p:cNvPr id="10" name="TextBox 9">
+            <a:extLst>
+              <a:ext uri="{FF2B5EF4-FFF2-40B4-BE49-F238E27FC236}">
+                <a16:creationId xmlns:a16="http://schemas.microsoft.com/office/drawing/2014/main" id="{244869C9-1C5A-126F-4276-162B668A3617}"/>
+              </a:ext>
+            </a:extLst>
+          </p:cNvPr>
+          <p:cNvSpPr txBox="1"/>
+          <p:nvPr/>
+        </p:nvSpPr>
+        <p:spPr>
+          <a:xfrm>
+            <a:off x="197555" y="82321"/>
+            <a:ext cx="2970685" cy="646331"/>
+          </a:xfrm>
+          <a:prstGeom prst="rect">
+            <a:avLst/>
+          </a:prstGeom>
+          <a:noFill/>
+        </p:spPr>
+        <p:txBody>
+          <a:bodyPr wrap="none" rtlCol="0">
+            <a:spAutoFit/>
+          </a:bodyPr>
+          <a:lstStyle/>
+          <a:p>
+            <a:r>
+              <a:rPr lang="en-GB" b="1" dirty="0">
+                <a:solidFill>
+                  <a:srgbClr val="000080"/>
+                </a:solidFill>
+                <a:effectLst/>
+                <a:latin typeface="Consolas" panose="020B0609020204030204" pitchFamily="49" charset="0"/>
+              </a:rPr>
+              <a:t>WiFi_SocketUDP_2_ESP32</a:t>
+            </a:r>
+            <a:endParaRPr lang="en-GB" b="0" dirty="0">
+              <a:solidFill>
+                <a:srgbClr val="000000"/>
+              </a:solidFill>
+              <a:effectLst/>
+              <a:latin typeface="Consolas" panose="020B0609020204030204" pitchFamily="49" charset="0"/>
+            </a:endParaRPr>
+          </a:p>
+          <a:p>
+            <a:endParaRPr lang="en-GB" dirty="0"/>
+          </a:p>
+        </p:txBody>
+      </p:sp>
+    </p:spTree>
+    <p:extLst>
+      <p:ext uri="{BB962C8B-B14F-4D97-AF65-F5344CB8AC3E}">
+        <p14:creationId xmlns:p14="http://schemas.microsoft.com/office/powerpoint/2010/main" val="3112103802"/>
       </p:ext>
     </p:extLst>
   </p:cSld>

--- a/Doc/ESP32.pptx
+++ b/Doc/ESP32.pptx
@@ -123,7 +123,7 @@
 <file path=ppt/revisionInfo.xml><?xml version="1.0" encoding="utf-8"?>
 <p1510:revInfo xmlns:a="http://schemas.openxmlformats.org/drawingml/2006/main" xmlns:r="http://schemas.openxmlformats.org/officeDocument/2006/relationships" xmlns:p1510="http://schemas.microsoft.com/office/powerpoint/2015/10/main">
   <p1510:revLst>
-    <p1510:client id="{696C6221-C973-4610-AA7A-532CCEBF8908}" v="66" dt="2025-01-29T16:10:00.739"/>
+    <p1510:client id="{696C6221-C973-4610-AA7A-532CCEBF8908}" v="72" dt="2025-01-30T17:55:12.756"/>
   </p1510:revLst>
 </p1510:revInfo>
 </file>
@@ -133,7 +133,7 @@
   <pc:docChgLst>
     <pc:chgData name="Dr. Manel Puig i Vidal" userId="0d549d0e-cb25-4ad8-b3a5-db046c349dfe" providerId="ADAL" clId="{696C6221-C973-4610-AA7A-532CCEBF8908}"/>
     <pc:docChg chg="custSel addSld modSld">
-      <pc:chgData name="Dr. Manel Puig i Vidal" userId="0d549d0e-cb25-4ad8-b3a5-db046c349dfe" providerId="ADAL" clId="{696C6221-C973-4610-AA7A-532CCEBF8908}" dt="2025-01-29T16:10:32.184" v="137" actId="1076"/>
+      <pc:chgData name="Dr. Manel Puig i Vidal" userId="0d549d0e-cb25-4ad8-b3a5-db046c349dfe" providerId="ADAL" clId="{696C6221-C973-4610-AA7A-532CCEBF8908}" dt="2025-01-30T17:55:21.460" v="151" actId="1076"/>
       <pc:docMkLst>
         <pc:docMk/>
       </pc:docMkLst>
@@ -312,7 +312,7 @@
         </pc:picChg>
       </pc:sldChg>
       <pc:sldChg chg="addSp delSp modSp new mod">
-        <pc:chgData name="Dr. Manel Puig i Vidal" userId="0d549d0e-cb25-4ad8-b3a5-db046c349dfe" providerId="ADAL" clId="{696C6221-C973-4610-AA7A-532CCEBF8908}" dt="2025-01-29T16:10:32.184" v="137" actId="1076"/>
+        <pc:chgData name="Dr. Manel Puig i Vidal" userId="0d549d0e-cb25-4ad8-b3a5-db046c349dfe" providerId="ADAL" clId="{696C6221-C973-4610-AA7A-532CCEBF8908}" dt="2025-01-30T17:55:21.460" v="151" actId="1076"/>
         <pc:sldMkLst>
           <pc:docMk/>
           <pc:sldMk cId="2591072468" sldId="358"/>
@@ -342,13 +342,29 @@
           </ac:spMkLst>
         </pc:spChg>
         <pc:spChg chg="add mod">
-          <ac:chgData name="Dr. Manel Puig i Vidal" userId="0d549d0e-cb25-4ad8-b3a5-db046c349dfe" providerId="ADAL" clId="{696C6221-C973-4610-AA7A-532CCEBF8908}" dt="2025-01-29T16:09:20.360" v="131" actId="1076"/>
+          <ac:chgData name="Dr. Manel Puig i Vidal" userId="0d549d0e-cb25-4ad8-b3a5-db046c349dfe" providerId="ADAL" clId="{696C6221-C973-4610-AA7A-532CCEBF8908}" dt="2025-01-30T17:55:05.307" v="146" actId="1076"/>
           <ac:spMkLst>
             <pc:docMk/>
             <pc:sldMk cId="2591072468" sldId="358"/>
             <ac:spMk id="8" creationId="{5B23A227-2E02-CEB8-E6CA-752032AFCA4B}"/>
           </ac:spMkLst>
         </pc:spChg>
+        <pc:picChg chg="add mod">
+          <ac:chgData name="Dr. Manel Puig i Vidal" userId="0d549d0e-cb25-4ad8-b3a5-db046c349dfe" providerId="ADAL" clId="{696C6221-C973-4610-AA7A-532CCEBF8908}" dt="2025-01-30T17:55:00.818" v="145" actId="1076"/>
+          <ac:picMkLst>
+            <pc:docMk/>
+            <pc:sldMk cId="2591072468" sldId="358"/>
+            <ac:picMk id="2" creationId="{80A1E132-7A8C-61C0-9F27-B766920364C7}"/>
+          </ac:picMkLst>
+        </pc:picChg>
+        <pc:picChg chg="add mod">
+          <ac:chgData name="Dr. Manel Puig i Vidal" userId="0d549d0e-cb25-4ad8-b3a5-db046c349dfe" providerId="ADAL" clId="{696C6221-C973-4610-AA7A-532CCEBF8908}" dt="2025-01-30T17:55:21.460" v="151" actId="1076"/>
+          <ac:picMkLst>
+            <pc:docMk/>
+            <pc:sldMk cId="2591072468" sldId="358"/>
+            <ac:picMk id="3" creationId="{3F117977-E9B3-1771-7E25-87952590DAF2}"/>
+          </ac:picMkLst>
+        </pc:picChg>
         <pc:picChg chg="add del mod modCrop">
           <ac:chgData name="Dr. Manel Puig i Vidal" userId="0d549d0e-cb25-4ad8-b3a5-db046c349dfe" providerId="ADAL" clId="{696C6221-C973-4610-AA7A-532CCEBF8908}" dt="2025-01-29T16:08:31.609" v="122" actId="478"/>
           <ac:picMkLst>
@@ -358,7 +374,7 @@
           </ac:picMkLst>
         </pc:picChg>
         <pc:picChg chg="add mod modCrop">
-          <ac:chgData name="Dr. Manel Puig i Vidal" userId="0d549d0e-cb25-4ad8-b3a5-db046c349dfe" providerId="ADAL" clId="{696C6221-C973-4610-AA7A-532CCEBF8908}" dt="2025-01-29T16:08:36.440" v="125" actId="1076"/>
+          <ac:chgData name="Dr. Manel Puig i Vidal" userId="0d549d0e-cb25-4ad8-b3a5-db046c349dfe" providerId="ADAL" clId="{696C6221-C973-4610-AA7A-532CCEBF8908}" dt="2025-01-30T17:54:57.586" v="144" actId="1076"/>
           <ac:picMkLst>
             <pc:docMk/>
             <pc:sldMk cId="2591072468" sldId="358"/>
@@ -366,7 +382,7 @@
           </ac:picMkLst>
         </pc:picChg>
         <pc:picChg chg="add mod">
-          <ac:chgData name="Dr. Manel Puig i Vidal" userId="0d549d0e-cb25-4ad8-b3a5-db046c349dfe" providerId="ADAL" clId="{696C6221-C973-4610-AA7A-532CCEBF8908}" dt="2025-01-29T16:09:00.112" v="128" actId="1076"/>
+          <ac:chgData name="Dr. Manel Puig i Vidal" userId="0d549d0e-cb25-4ad8-b3a5-db046c349dfe" providerId="ADAL" clId="{696C6221-C973-4610-AA7A-532CCEBF8908}" dt="2025-01-30T17:55:08.995" v="147" actId="1076"/>
           <ac:picMkLst>
             <pc:docMk/>
             <pc:sldMk cId="2591072468" sldId="358"/>
@@ -374,7 +390,7 @@
           </ac:picMkLst>
         </pc:picChg>
         <pc:picChg chg="add mod modCrop">
-          <ac:chgData name="Dr. Manel Puig i Vidal" userId="0d549d0e-cb25-4ad8-b3a5-db046c349dfe" providerId="ADAL" clId="{696C6221-C973-4610-AA7A-532CCEBF8908}" dt="2025-01-29T16:10:32.184" v="137" actId="1076"/>
+          <ac:chgData name="Dr. Manel Puig i Vidal" userId="0d549d0e-cb25-4ad8-b3a5-db046c349dfe" providerId="ADAL" clId="{696C6221-C973-4610-AA7A-532CCEBF8908}" dt="2025-01-30T17:55:08.995" v="147" actId="1076"/>
           <ac:picMkLst>
             <pc:docMk/>
             <pc:sldMk cId="2591072468" sldId="358"/>
@@ -824,7 +840,7 @@
           <a:p>
             <a:fld id="{0AF811FA-9E99-4BD6-BDB1-D476B95AB925}" type="datetimeFigureOut">
               <a:rPr lang="en-GB" smtClean="0"/>
-              <a:t>29/01/2025</a:t>
+              <a:t>30/01/2025</a:t>
             </a:fld>
             <a:endParaRPr lang="en-GB"/>
           </a:p>
@@ -994,7 +1010,7 @@
           <a:p>
             <a:fld id="{0AF811FA-9E99-4BD6-BDB1-D476B95AB925}" type="datetimeFigureOut">
               <a:rPr lang="en-GB" smtClean="0"/>
-              <a:t>29/01/2025</a:t>
+              <a:t>30/01/2025</a:t>
             </a:fld>
             <a:endParaRPr lang="en-GB"/>
           </a:p>
@@ -1174,7 +1190,7 @@
           <a:p>
             <a:fld id="{0AF811FA-9E99-4BD6-BDB1-D476B95AB925}" type="datetimeFigureOut">
               <a:rPr lang="en-GB" smtClean="0"/>
-              <a:t>29/01/2025</a:t>
+              <a:t>30/01/2025</a:t>
             </a:fld>
             <a:endParaRPr lang="en-GB"/>
           </a:p>
@@ -1344,7 +1360,7 @@
           <a:p>
             <a:fld id="{0AF811FA-9E99-4BD6-BDB1-D476B95AB925}" type="datetimeFigureOut">
               <a:rPr lang="en-GB" smtClean="0"/>
-              <a:t>29/01/2025</a:t>
+              <a:t>30/01/2025</a:t>
             </a:fld>
             <a:endParaRPr lang="en-GB"/>
           </a:p>
@@ -1590,7 +1606,7 @@
           <a:p>
             <a:fld id="{0AF811FA-9E99-4BD6-BDB1-D476B95AB925}" type="datetimeFigureOut">
               <a:rPr lang="en-GB" smtClean="0"/>
-              <a:t>29/01/2025</a:t>
+              <a:t>30/01/2025</a:t>
             </a:fld>
             <a:endParaRPr lang="en-GB"/>
           </a:p>
@@ -1822,7 +1838,7 @@
           <a:p>
             <a:fld id="{0AF811FA-9E99-4BD6-BDB1-D476B95AB925}" type="datetimeFigureOut">
               <a:rPr lang="en-GB" smtClean="0"/>
-              <a:t>29/01/2025</a:t>
+              <a:t>30/01/2025</a:t>
             </a:fld>
             <a:endParaRPr lang="en-GB"/>
           </a:p>
@@ -2189,7 +2205,7 @@
           <a:p>
             <a:fld id="{0AF811FA-9E99-4BD6-BDB1-D476B95AB925}" type="datetimeFigureOut">
               <a:rPr lang="en-GB" smtClean="0"/>
-              <a:t>29/01/2025</a:t>
+              <a:t>30/01/2025</a:t>
             </a:fld>
             <a:endParaRPr lang="en-GB"/>
           </a:p>
@@ -2307,7 +2323,7 @@
           <a:p>
             <a:fld id="{0AF811FA-9E99-4BD6-BDB1-D476B95AB925}" type="datetimeFigureOut">
               <a:rPr lang="en-GB" smtClean="0"/>
-              <a:t>29/01/2025</a:t>
+              <a:t>30/01/2025</a:t>
             </a:fld>
             <a:endParaRPr lang="en-GB"/>
           </a:p>
@@ -2402,7 +2418,7 @@
           <a:p>
             <a:fld id="{0AF811FA-9E99-4BD6-BDB1-D476B95AB925}" type="datetimeFigureOut">
               <a:rPr lang="en-GB" smtClean="0"/>
-              <a:t>29/01/2025</a:t>
+              <a:t>30/01/2025</a:t>
             </a:fld>
             <a:endParaRPr lang="en-GB"/>
           </a:p>
@@ -2679,7 +2695,7 @@
           <a:p>
             <a:fld id="{0AF811FA-9E99-4BD6-BDB1-D476B95AB925}" type="datetimeFigureOut">
               <a:rPr lang="en-GB" smtClean="0"/>
-              <a:t>29/01/2025</a:t>
+              <a:t>30/01/2025</a:t>
             </a:fld>
             <a:endParaRPr lang="en-GB"/>
           </a:p>
@@ -2936,7 +2952,7 @@
           <a:p>
             <a:fld id="{0AF811FA-9E99-4BD6-BDB1-D476B95AB925}" type="datetimeFigureOut">
               <a:rPr lang="en-GB" smtClean="0"/>
-              <a:t>29/01/2025</a:t>
+              <a:t>30/01/2025</a:t>
             </a:fld>
             <a:endParaRPr lang="en-GB"/>
           </a:p>
@@ -3149,7 +3165,7 @@
           <a:p>
             <a:fld id="{0AF811FA-9E99-4BD6-BDB1-D476B95AB925}" type="datetimeFigureOut">
               <a:rPr lang="en-GB" smtClean="0"/>
-              <a:t>29/01/2025</a:t>
+              <a:t>30/01/2025</a:t>
             </a:fld>
             <a:endParaRPr lang="en-GB"/>
           </a:p>
@@ -3725,7 +3741,7 @@
           <a:p>
             <a:fld id="{B67F01DA-B18C-4391-A8D7-0CE3F049FD3B}" type="datetime1">
               <a:rPr lang="es-ES" smtClean="0"/>
-              <a:t>29/01/2025</a:t>
+              <a:t>30/01/2025</a:t>
             </a:fld>
             <a:endParaRPr lang="es-ES" dirty="0"/>
           </a:p>
@@ -6088,8 +6104,8 @@
         </p:blipFill>
         <p:spPr>
           <a:xfrm>
-            <a:off x="4137434" y="2199992"/>
-            <a:ext cx="2646017" cy="2822418"/>
+            <a:off x="4840526" y="1136150"/>
+            <a:ext cx="1917939" cy="2045801"/>
           </a:xfrm>
           <a:prstGeom prst="rect">
             <a:avLst/>
@@ -6125,7 +6141,7 @@
         </p:blipFill>
         <p:spPr bwMode="auto">
           <a:xfrm>
-            <a:off x="753196" y="2770360"/>
+            <a:off x="812850" y="2469614"/>
             <a:ext cx="1918772" cy="1918772"/>
           </a:xfrm>
           <a:prstGeom prst="rect">
@@ -6157,7 +6173,7 @@
         </p:nvSpPr>
         <p:spPr>
           <a:xfrm>
-            <a:off x="2978590" y="2851842"/>
+            <a:off x="3144631" y="3087232"/>
             <a:ext cx="1158844" cy="488887"/>
           </a:xfrm>
           <a:prstGeom prst="leftRightArrow">
@@ -6210,8 +6226,84 @@
         </p:blipFill>
         <p:spPr>
           <a:xfrm>
-            <a:off x="1654379" y="2199992"/>
+            <a:off x="1714033" y="1899246"/>
             <a:ext cx="731158" cy="705321"/>
+          </a:xfrm>
+          <a:prstGeom prst="rect">
+            <a:avLst/>
+          </a:prstGeom>
+        </p:spPr>
+      </p:pic>
+      <p:pic>
+        <p:nvPicPr>
+          <p:cNvPr id="2" name="Picture 2" descr="Portátil HP Pavilion 13-bb0002la - 13.3&quot; (308Z8LA) - Tienda HP.com Colombia">
+            <a:extLst>
+              <a:ext uri="{FF2B5EF4-FFF2-40B4-BE49-F238E27FC236}">
+                <a16:creationId xmlns:a16="http://schemas.microsoft.com/office/drawing/2014/main" id="{80A1E132-7A8C-61C0-9F27-B766920364C7}"/>
+              </a:ext>
+            </a:extLst>
+          </p:cNvPr>
+          <p:cNvPicPr>
+            <a:picLocks noChangeAspect="1" noChangeArrowheads="1"/>
+          </p:cNvPicPr>
+          <p:nvPr/>
+        </p:nvPicPr>
+        <p:blipFill>
+          <a:blip r:embed="rId5">
+            <a:extLst>
+              <a:ext uri="{28A0092B-C50C-407E-A947-70E740481C1C}">
+                <a14:useLocalDpi xmlns:a14="http://schemas.microsoft.com/office/drawing/2010/main" val="0"/>
+              </a:ext>
+            </a:extLst>
+          </a:blip>
+          <a:srcRect/>
+          <a:stretch>
+            <a:fillRect/>
+          </a:stretch>
+        </p:blipFill>
+        <p:spPr bwMode="auto">
+          <a:xfrm>
+            <a:off x="4707803" y="3250535"/>
+            <a:ext cx="3089306" cy="2321393"/>
+          </a:xfrm>
+          <a:prstGeom prst="rect">
+            <a:avLst/>
+          </a:prstGeom>
+          <a:noFill/>
+          <a:extLst>
+            <a:ext uri="{909E8E84-426E-40DD-AFC4-6F175D3DCCD1}">
+              <a14:hiddenFill xmlns:a14="http://schemas.microsoft.com/office/drawing/2010/main">
+                <a:solidFill>
+                  <a:srgbClr val="FFFFFF"/>
+                </a:solidFill>
+              </a14:hiddenFill>
+            </a:ext>
+          </a:extLst>
+        </p:spPr>
+      </p:pic>
+      <p:pic>
+        <p:nvPicPr>
+          <p:cNvPr id="3" name="Picture 2">
+            <a:extLst>
+              <a:ext uri="{FF2B5EF4-FFF2-40B4-BE49-F238E27FC236}">
+                <a16:creationId xmlns:a16="http://schemas.microsoft.com/office/drawing/2014/main" id="{3F117977-E9B3-1771-7E25-87952590DAF2}"/>
+              </a:ext>
+            </a:extLst>
+          </p:cNvPr>
+          <p:cNvPicPr>
+            <a:picLocks noChangeAspect="1"/>
+          </p:cNvPicPr>
+          <p:nvPr/>
+        </p:nvPicPr>
+        <p:blipFill>
+          <a:blip r:embed="rId4"/>
+          <a:srcRect l="27873" t="11344" r="27609" b="12308"/>
+          <a:stretch/>
+        </p:blipFill>
+        <p:spPr>
+          <a:xfrm>
+            <a:off x="4525013" y="4640512"/>
+            <a:ext cx="365579" cy="352661"/>
           </a:xfrm>
           <a:prstGeom prst="rect">
             <a:avLst/>

--- a/Doc/ESP32.pptx
+++ b/Doc/ESP32.pptx
@@ -5,15 +5,9 @@
     <p:sldMasterId id="2147483660" r:id="rId1"/>
   </p:sldMasterIdLst>
   <p:sldIdLst>
-    <p:sldId id="256" r:id="rId2"/>
-    <p:sldId id="351" r:id="rId3"/>
-    <p:sldId id="353" r:id="rId4"/>
-    <p:sldId id="352" r:id="rId5"/>
-    <p:sldId id="354" r:id="rId6"/>
-    <p:sldId id="355" r:id="rId7"/>
-    <p:sldId id="358" r:id="rId8"/>
-    <p:sldId id="357" r:id="rId9"/>
-    <p:sldId id="356" r:id="rId10"/>
+    <p:sldId id="358" r:id="rId2"/>
+    <p:sldId id="357" r:id="rId3"/>
+    <p:sldId id="356" r:id="rId4"/>
   </p:sldIdLst>
   <p:sldSz cx="9144000" cy="6858000" type="screen4x3"/>
   <p:notesSz cx="6858000" cy="9144000"/>
@@ -132,11 +126,53 @@
 <pc:chgInfo xmlns:a="http://schemas.openxmlformats.org/drawingml/2006/main" xmlns:r="http://schemas.openxmlformats.org/officeDocument/2006/relationships" xmlns:ac="http://schemas.microsoft.com/office/drawing/2013/main/command" xmlns:pc="http://schemas.microsoft.com/office/powerpoint/2013/main/command">
   <pc:docChgLst>
     <pc:chgData name="Dr. Manel Puig i Vidal" userId="0d549d0e-cb25-4ad8-b3a5-db046c349dfe" providerId="ADAL" clId="{696C6221-C973-4610-AA7A-532CCEBF8908}"/>
-    <pc:docChg chg="custSel addSld modSld">
-      <pc:chgData name="Dr. Manel Puig i Vidal" userId="0d549d0e-cb25-4ad8-b3a5-db046c349dfe" providerId="ADAL" clId="{696C6221-C973-4610-AA7A-532CCEBF8908}" dt="2025-01-30T17:55:21.460" v="151" actId="1076"/>
+    <pc:docChg chg="custSel addSld delSld modSld">
+      <pc:chgData name="Dr. Manel Puig i Vidal" userId="0d549d0e-cb25-4ad8-b3a5-db046c349dfe" providerId="ADAL" clId="{696C6221-C973-4610-AA7A-532CCEBF8908}" dt="2025-02-06T18:40:50.790" v="152" actId="47"/>
       <pc:docMkLst>
         <pc:docMk/>
       </pc:docMkLst>
+      <pc:sldChg chg="del">
+        <pc:chgData name="Dr. Manel Puig i Vidal" userId="0d549d0e-cb25-4ad8-b3a5-db046c349dfe" providerId="ADAL" clId="{696C6221-C973-4610-AA7A-532CCEBF8908}" dt="2025-02-06T18:40:50.790" v="152" actId="47"/>
+        <pc:sldMkLst>
+          <pc:docMk/>
+          <pc:sldMk cId="406178355" sldId="256"/>
+        </pc:sldMkLst>
+      </pc:sldChg>
+      <pc:sldChg chg="del">
+        <pc:chgData name="Dr. Manel Puig i Vidal" userId="0d549d0e-cb25-4ad8-b3a5-db046c349dfe" providerId="ADAL" clId="{696C6221-C973-4610-AA7A-532CCEBF8908}" dt="2025-02-06T18:40:50.790" v="152" actId="47"/>
+        <pc:sldMkLst>
+          <pc:docMk/>
+          <pc:sldMk cId="64809998" sldId="351"/>
+        </pc:sldMkLst>
+      </pc:sldChg>
+      <pc:sldChg chg="del">
+        <pc:chgData name="Dr. Manel Puig i Vidal" userId="0d549d0e-cb25-4ad8-b3a5-db046c349dfe" providerId="ADAL" clId="{696C6221-C973-4610-AA7A-532CCEBF8908}" dt="2025-02-06T18:40:50.790" v="152" actId="47"/>
+        <pc:sldMkLst>
+          <pc:docMk/>
+          <pc:sldMk cId="2860579076" sldId="352"/>
+        </pc:sldMkLst>
+      </pc:sldChg>
+      <pc:sldChg chg="del">
+        <pc:chgData name="Dr. Manel Puig i Vidal" userId="0d549d0e-cb25-4ad8-b3a5-db046c349dfe" providerId="ADAL" clId="{696C6221-C973-4610-AA7A-532CCEBF8908}" dt="2025-02-06T18:40:50.790" v="152" actId="47"/>
+        <pc:sldMkLst>
+          <pc:docMk/>
+          <pc:sldMk cId="3869370634" sldId="353"/>
+        </pc:sldMkLst>
+      </pc:sldChg>
+      <pc:sldChg chg="del">
+        <pc:chgData name="Dr. Manel Puig i Vidal" userId="0d549d0e-cb25-4ad8-b3a5-db046c349dfe" providerId="ADAL" clId="{696C6221-C973-4610-AA7A-532CCEBF8908}" dt="2025-02-06T18:40:50.790" v="152" actId="47"/>
+        <pc:sldMkLst>
+          <pc:docMk/>
+          <pc:sldMk cId="2176756607" sldId="354"/>
+        </pc:sldMkLst>
+      </pc:sldChg>
+      <pc:sldChg chg="del">
+        <pc:chgData name="Dr. Manel Puig i Vidal" userId="0d549d0e-cb25-4ad8-b3a5-db046c349dfe" providerId="ADAL" clId="{696C6221-C973-4610-AA7A-532CCEBF8908}" dt="2025-02-06T18:40:50.790" v="152" actId="47"/>
+        <pc:sldMkLst>
+          <pc:docMk/>
+          <pc:sldMk cId="3026758067" sldId="355"/>
+        </pc:sldMkLst>
+      </pc:sldChg>
       <pc:sldChg chg="addSp modSp new mod">
         <pc:chgData name="Dr. Manel Puig i Vidal" userId="0d549d0e-cb25-4ad8-b3a5-db046c349dfe" providerId="ADAL" clId="{696C6221-C973-4610-AA7A-532CCEBF8908}" dt="2025-01-29T16:01:40.077" v="93" actId="1036"/>
         <pc:sldMkLst>
@@ -317,30 +353,6 @@
           <pc:docMk/>
           <pc:sldMk cId="2591072468" sldId="358"/>
         </pc:sldMkLst>
-        <pc:spChg chg="add del">
-          <ac:chgData name="Dr. Manel Puig i Vidal" userId="0d549d0e-cb25-4ad8-b3a5-db046c349dfe" providerId="ADAL" clId="{696C6221-C973-4610-AA7A-532CCEBF8908}" dt="2025-01-29T16:07:03.577" v="108" actId="478"/>
-          <ac:spMkLst>
-            <pc:docMk/>
-            <pc:sldMk cId="2591072468" sldId="358"/>
-            <ac:spMk id="2" creationId="{8C5AF2A2-D488-68AF-A005-3159C4866C3A}"/>
-          </ac:spMkLst>
-        </pc:spChg>
-        <pc:spChg chg="add del">
-          <ac:chgData name="Dr. Manel Puig i Vidal" userId="0d549d0e-cb25-4ad8-b3a5-db046c349dfe" providerId="ADAL" clId="{696C6221-C973-4610-AA7A-532CCEBF8908}" dt="2025-01-29T16:07:21.320" v="110" actId="478"/>
-          <ac:spMkLst>
-            <pc:docMk/>
-            <pc:sldMk cId="2591072468" sldId="358"/>
-            <ac:spMk id="3" creationId="{C4F034C5-E1F1-AC79-7F91-67D64E74DAE5}"/>
-          </ac:spMkLst>
-        </pc:spChg>
-        <pc:spChg chg="add del mod">
-          <ac:chgData name="Dr. Manel Puig i Vidal" userId="0d549d0e-cb25-4ad8-b3a5-db046c349dfe" providerId="ADAL" clId="{696C6221-C973-4610-AA7A-532CCEBF8908}" dt="2025-01-29T16:09:03.169" v="129" actId="478"/>
-          <ac:spMkLst>
-            <pc:docMk/>
-            <pc:sldMk cId="2591072468" sldId="358"/>
-            <ac:spMk id="7" creationId="{30938815-55A2-F92D-C8B6-311F2F8E9542}"/>
-          </ac:spMkLst>
-        </pc:spChg>
         <pc:spChg chg="add mod">
           <ac:chgData name="Dr. Manel Puig i Vidal" userId="0d549d0e-cb25-4ad8-b3a5-db046c349dfe" providerId="ADAL" clId="{696C6221-C973-4610-AA7A-532CCEBF8908}" dt="2025-01-30T17:55:05.307" v="146" actId="1076"/>
           <ac:spMkLst>
@@ -363,14 +375,6 @@
             <pc:docMk/>
             <pc:sldMk cId="2591072468" sldId="358"/>
             <ac:picMk id="3" creationId="{3F117977-E9B3-1771-7E25-87952590DAF2}"/>
-          </ac:picMkLst>
-        </pc:picChg>
-        <pc:picChg chg="add del mod modCrop">
-          <ac:chgData name="Dr. Manel Puig i Vidal" userId="0d549d0e-cb25-4ad8-b3a5-db046c349dfe" providerId="ADAL" clId="{696C6221-C973-4610-AA7A-532CCEBF8908}" dt="2025-01-29T16:08:31.609" v="122" actId="478"/>
-          <ac:picMkLst>
-            <pc:docMk/>
-            <pc:sldMk cId="2591072468" sldId="358"/>
-            <ac:picMk id="4" creationId="{BAFCC6CA-5DFA-27ED-F853-C9FE679ED6FC}"/>
           </ac:picMkLst>
         </pc:picChg>
         <pc:picChg chg="add mod modCrop">
@@ -413,30 +417,6 @@
           <pc:docMk/>
           <pc:sldMk cId="406178355" sldId="256"/>
         </pc:sldMkLst>
-        <pc:spChg chg="mod">
-          <ac:chgData name="Dr. Manel Puig i Vidal" userId="0d549d0e-cb25-4ad8-b3a5-db046c349dfe" providerId="ADAL" clId="{8F19AE49-CED4-4E09-8B0A-F362924A50A8}" dt="2025-01-07T17:02:13.934" v="40" actId="113"/>
-          <ac:spMkLst>
-            <pc:docMk/>
-            <pc:sldMk cId="406178355" sldId="256"/>
-            <ac:spMk id="2" creationId="{EC4661F4-FA36-228E-8FE0-3253F134A9F1}"/>
-          </ac:spMkLst>
-        </pc:spChg>
-        <pc:spChg chg="mod">
-          <ac:chgData name="Dr. Manel Puig i Vidal" userId="0d549d0e-cb25-4ad8-b3a5-db046c349dfe" providerId="ADAL" clId="{8F19AE49-CED4-4E09-8B0A-F362924A50A8}" dt="2025-01-07T17:01:51.857" v="35" actId="20577"/>
-          <ac:spMkLst>
-            <pc:docMk/>
-            <pc:sldMk cId="406178355" sldId="256"/>
-            <ac:spMk id="3" creationId="{4649CD6B-24E1-08A4-3847-58654801D457}"/>
-          </ac:spMkLst>
-        </pc:spChg>
-        <pc:picChg chg="add mod">
-          <ac:chgData name="Dr. Manel Puig i Vidal" userId="0d549d0e-cb25-4ad8-b3a5-db046c349dfe" providerId="ADAL" clId="{8F19AE49-CED4-4E09-8B0A-F362924A50A8}" dt="2025-01-07T17:02:03.414" v="37" actId="1076"/>
-          <ac:picMkLst>
-            <pc:docMk/>
-            <pc:sldMk cId="406178355" sldId="256"/>
-            <ac:picMk id="4" creationId="{01C6F3AB-FC9A-D9DE-2473-5792B1D509F0}"/>
-          </ac:picMkLst>
-        </pc:picChg>
       </pc:sldChg>
       <pc:sldChg chg="addSp delSp modSp add mod">
         <pc:chgData name="Dr. Manel Puig i Vidal" userId="0d549d0e-cb25-4ad8-b3a5-db046c349dfe" providerId="ADAL" clId="{8F19AE49-CED4-4E09-8B0A-F362924A50A8}" dt="2025-01-07T18:19:50.152" v="155" actId="2711"/>
@@ -444,70 +424,6 @@
           <pc:docMk/>
           <pc:sldMk cId="64809998" sldId="351"/>
         </pc:sldMkLst>
-        <pc:spChg chg="mod">
-          <ac:chgData name="Dr. Manel Puig i Vidal" userId="0d549d0e-cb25-4ad8-b3a5-db046c349dfe" providerId="ADAL" clId="{8F19AE49-CED4-4E09-8B0A-F362924A50A8}" dt="2025-01-07T17:01:14.483" v="2"/>
-          <ac:spMkLst>
-            <pc:docMk/>
-            <pc:sldMk cId="64809998" sldId="351"/>
-            <ac:spMk id="2" creationId="{33757566-4978-CB89-EF00-BF8FF489D125}"/>
-          </ac:spMkLst>
-        </pc:spChg>
-        <pc:spChg chg="mod">
-          <ac:chgData name="Dr. Manel Puig i Vidal" userId="0d549d0e-cb25-4ad8-b3a5-db046c349dfe" providerId="ADAL" clId="{8F19AE49-CED4-4E09-8B0A-F362924A50A8}" dt="2025-01-07T17:01:14.483" v="2"/>
-          <ac:spMkLst>
-            <pc:docMk/>
-            <pc:sldMk cId="64809998" sldId="351"/>
-            <ac:spMk id="3" creationId="{BC1A8729-DEA1-C0B3-870F-1DCDAAE08744}"/>
-          </ac:spMkLst>
-        </pc:spChg>
-        <pc:spChg chg="mod">
-          <ac:chgData name="Dr. Manel Puig i Vidal" userId="0d549d0e-cb25-4ad8-b3a5-db046c349dfe" providerId="ADAL" clId="{8F19AE49-CED4-4E09-8B0A-F362924A50A8}" dt="2025-01-07T17:01:14.483" v="2"/>
-          <ac:spMkLst>
-            <pc:docMk/>
-            <pc:sldMk cId="64809998" sldId="351"/>
-            <ac:spMk id="4" creationId="{9C46B640-6818-E43A-6849-E61218BBDB43}"/>
-          </ac:spMkLst>
-        </pc:spChg>
-        <pc:spChg chg="mod">
-          <ac:chgData name="Dr. Manel Puig i Vidal" userId="0d549d0e-cb25-4ad8-b3a5-db046c349dfe" providerId="ADAL" clId="{8F19AE49-CED4-4E09-8B0A-F362924A50A8}" dt="2025-01-07T17:02:58.331" v="68" actId="1036"/>
-          <ac:spMkLst>
-            <pc:docMk/>
-            <pc:sldMk cId="64809998" sldId="351"/>
-            <ac:spMk id="5" creationId="{B90D26FB-0297-C560-1E06-0A36201DD4AB}"/>
-          </ac:spMkLst>
-        </pc:spChg>
-        <pc:spChg chg="mod">
-          <ac:chgData name="Dr. Manel Puig i Vidal" userId="0d549d0e-cb25-4ad8-b3a5-db046c349dfe" providerId="ADAL" clId="{8F19AE49-CED4-4E09-8B0A-F362924A50A8}" dt="2025-01-07T18:19:50.152" v="155" actId="2711"/>
-          <ac:spMkLst>
-            <pc:docMk/>
-            <pc:sldMk cId="64809998" sldId="351"/>
-            <ac:spMk id="6" creationId="{65DADD8B-58BC-E346-59F1-C4A8B98BF097}"/>
-          </ac:spMkLst>
-        </pc:spChg>
-        <pc:spChg chg="mod">
-          <ac:chgData name="Dr. Manel Puig i Vidal" userId="0d549d0e-cb25-4ad8-b3a5-db046c349dfe" providerId="ADAL" clId="{8F19AE49-CED4-4E09-8B0A-F362924A50A8}" dt="2025-01-07T18:19:50.152" v="155" actId="2711"/>
-          <ac:spMkLst>
-            <pc:docMk/>
-            <pc:sldMk cId="64809998" sldId="351"/>
-            <ac:spMk id="9" creationId="{40686E74-BCEB-2C6F-4159-B86CED95E100}"/>
-          </ac:spMkLst>
-        </pc:spChg>
-        <pc:spChg chg="add mod">
-          <ac:chgData name="Dr. Manel Puig i Vidal" userId="0d549d0e-cb25-4ad8-b3a5-db046c349dfe" providerId="ADAL" clId="{8F19AE49-CED4-4E09-8B0A-F362924A50A8}" dt="2025-01-07T18:19:50.152" v="155" actId="2711"/>
-          <ac:spMkLst>
-            <pc:docMk/>
-            <pc:sldMk cId="64809998" sldId="351"/>
-            <ac:spMk id="10" creationId="{6C370E61-00F5-3D42-7486-772E3A979D33}"/>
-          </ac:spMkLst>
-        </pc:spChg>
-        <pc:picChg chg="mod">
-          <ac:chgData name="Dr. Manel Puig i Vidal" userId="0d549d0e-cb25-4ad8-b3a5-db046c349dfe" providerId="ADAL" clId="{8F19AE49-CED4-4E09-8B0A-F362924A50A8}" dt="2025-01-07T18:19:33.096" v="154" actId="1076"/>
-          <ac:picMkLst>
-            <pc:docMk/>
-            <pc:sldMk cId="64809998" sldId="351"/>
-            <ac:picMk id="1026" creationId="{C1AED66E-C767-978F-C8D5-9AE7DB0D094D}"/>
-          </ac:picMkLst>
-        </pc:picChg>
       </pc:sldChg>
       <pc:sldChg chg="addSp delSp modSp new mod">
         <pc:chgData name="Dr. Manel Puig i Vidal" userId="0d549d0e-cb25-4ad8-b3a5-db046c349dfe" providerId="ADAL" clId="{8F19AE49-CED4-4E09-8B0A-F362924A50A8}" dt="2025-01-07T18:56:32.918" v="332" actId="1076"/>
@@ -515,46 +431,6 @@
           <pc:docMk/>
           <pc:sldMk cId="2860579076" sldId="352"/>
         </pc:sldMkLst>
-        <pc:spChg chg="add mod">
-          <ac:chgData name="Dr. Manel Puig i Vidal" userId="0d549d0e-cb25-4ad8-b3a5-db046c349dfe" providerId="ADAL" clId="{8F19AE49-CED4-4E09-8B0A-F362924A50A8}" dt="2025-01-07T18:39:04.010" v="325" actId="12"/>
-          <ac:spMkLst>
-            <pc:docMk/>
-            <pc:sldMk cId="2860579076" sldId="352"/>
-            <ac:spMk id="3" creationId="{86774049-770F-4CF0-0DDE-3DF9CDD4B7A2}"/>
-          </ac:spMkLst>
-        </pc:spChg>
-        <pc:spChg chg="add mod">
-          <ac:chgData name="Dr. Manel Puig i Vidal" userId="0d549d0e-cb25-4ad8-b3a5-db046c349dfe" providerId="ADAL" clId="{8F19AE49-CED4-4E09-8B0A-F362924A50A8}" dt="2025-01-07T17:03:26.225" v="73"/>
-          <ac:spMkLst>
-            <pc:docMk/>
-            <pc:sldMk cId="2860579076" sldId="352"/>
-            <ac:spMk id="4" creationId="{F6A9DE15-13B0-6A8F-7499-539CC273752E}"/>
-          </ac:spMkLst>
-        </pc:spChg>
-        <pc:spChg chg="add mod">
-          <ac:chgData name="Dr. Manel Puig i Vidal" userId="0d549d0e-cb25-4ad8-b3a5-db046c349dfe" providerId="ADAL" clId="{8F19AE49-CED4-4E09-8B0A-F362924A50A8}" dt="2025-01-07T18:56:32.918" v="332" actId="1076"/>
-          <ac:spMkLst>
-            <pc:docMk/>
-            <pc:sldMk cId="2860579076" sldId="352"/>
-            <ac:spMk id="9" creationId="{1CADEB12-A28C-5244-0C2B-3A786FE1B46A}"/>
-          </ac:spMkLst>
-        </pc:spChg>
-        <pc:picChg chg="add mod">
-          <ac:chgData name="Dr. Manel Puig i Vidal" userId="0d549d0e-cb25-4ad8-b3a5-db046c349dfe" providerId="ADAL" clId="{8F19AE49-CED4-4E09-8B0A-F362924A50A8}" dt="2025-01-07T17:03:29.662" v="74" actId="1076"/>
-          <ac:picMkLst>
-            <pc:docMk/>
-            <pc:sldMk cId="2860579076" sldId="352"/>
-            <ac:picMk id="5" creationId="{E86C8AAC-647F-AAE5-D4A8-9B374D2ACA5E}"/>
-          </ac:picMkLst>
-        </pc:picChg>
-        <pc:picChg chg="add mod">
-          <ac:chgData name="Dr. Manel Puig i Vidal" userId="0d549d0e-cb25-4ad8-b3a5-db046c349dfe" providerId="ADAL" clId="{8F19AE49-CED4-4E09-8B0A-F362924A50A8}" dt="2025-01-07T17:03:31.408" v="75" actId="1076"/>
-          <ac:picMkLst>
-            <pc:docMk/>
-            <pc:sldMk cId="2860579076" sldId="352"/>
-            <ac:picMk id="6" creationId="{36AA5464-F9AC-1074-DCAA-C7E130EF3B05}"/>
-          </ac:picMkLst>
-        </pc:picChg>
       </pc:sldChg>
       <pc:sldChg chg="addSp delSp modSp add mod ord">
         <pc:chgData name="Dr. Manel Puig i Vidal" userId="0d549d0e-cb25-4ad8-b3a5-db046c349dfe" providerId="ADAL" clId="{8F19AE49-CED4-4E09-8B0A-F362924A50A8}" dt="2025-01-07T18:35:46.252" v="297" actId="11"/>
@@ -562,30 +438,6 @@
           <pc:docMk/>
           <pc:sldMk cId="3869370634" sldId="353"/>
         </pc:sldMkLst>
-        <pc:spChg chg="mod">
-          <ac:chgData name="Dr. Manel Puig i Vidal" userId="0d549d0e-cb25-4ad8-b3a5-db046c349dfe" providerId="ADAL" clId="{8F19AE49-CED4-4E09-8B0A-F362924A50A8}" dt="2025-01-07T18:35:46.252" v="297" actId="11"/>
-          <ac:spMkLst>
-            <pc:docMk/>
-            <pc:sldMk cId="3869370634" sldId="353"/>
-            <ac:spMk id="3" creationId="{1BD184C5-6EC5-F070-9215-EA22B7014C73}"/>
-          </ac:spMkLst>
-        </pc:spChg>
-        <pc:picChg chg="mod">
-          <ac:chgData name="Dr. Manel Puig i Vidal" userId="0d549d0e-cb25-4ad8-b3a5-db046c349dfe" providerId="ADAL" clId="{8F19AE49-CED4-4E09-8B0A-F362924A50A8}" dt="2025-01-07T18:20:23.384" v="158" actId="14100"/>
-          <ac:picMkLst>
-            <pc:docMk/>
-            <pc:sldMk cId="3869370634" sldId="353"/>
-            <ac:picMk id="5" creationId="{A75038B5-F93B-FFE4-5BEC-A7DB9A97206C}"/>
-          </ac:picMkLst>
-        </pc:picChg>
-        <pc:picChg chg="mod">
-          <ac:chgData name="Dr. Manel Puig i Vidal" userId="0d549d0e-cb25-4ad8-b3a5-db046c349dfe" providerId="ADAL" clId="{8F19AE49-CED4-4E09-8B0A-F362924A50A8}" dt="2025-01-07T18:20:31.338" v="161" actId="14100"/>
-          <ac:picMkLst>
-            <pc:docMk/>
-            <pc:sldMk cId="3869370634" sldId="353"/>
-            <ac:picMk id="6" creationId="{5B155A8B-91C8-D72D-F58D-11E9ECF18F99}"/>
-          </ac:picMkLst>
-        </pc:picChg>
       </pc:sldChg>
       <pc:sldChg chg="addSp modSp new mod">
         <pc:chgData name="Dr. Manel Puig i Vidal" userId="0d549d0e-cb25-4ad8-b3a5-db046c349dfe" providerId="ADAL" clId="{8F19AE49-CED4-4E09-8B0A-F362924A50A8}" dt="2025-01-07T19:27:47.396" v="438" actId="1076"/>
@@ -593,38 +445,6 @@
           <pc:docMk/>
           <pc:sldMk cId="2176756607" sldId="354"/>
         </pc:sldMkLst>
-        <pc:spChg chg="add mod">
-          <ac:chgData name="Dr. Manel Puig i Vidal" userId="0d549d0e-cb25-4ad8-b3a5-db046c349dfe" providerId="ADAL" clId="{8F19AE49-CED4-4E09-8B0A-F362924A50A8}" dt="2025-01-07T19:15:14.650" v="351" actId="6549"/>
-          <ac:spMkLst>
-            <pc:docMk/>
-            <pc:sldMk cId="2176756607" sldId="354"/>
-            <ac:spMk id="2" creationId="{1B20BD6C-0AAE-C385-5AB0-0C41AD330BFD}"/>
-          </ac:spMkLst>
-        </pc:spChg>
-        <pc:spChg chg="add mod">
-          <ac:chgData name="Dr. Manel Puig i Vidal" userId="0d549d0e-cb25-4ad8-b3a5-db046c349dfe" providerId="ADAL" clId="{8F19AE49-CED4-4E09-8B0A-F362924A50A8}" dt="2025-01-07T19:13:01.910" v="340"/>
-          <ac:spMkLst>
-            <pc:docMk/>
-            <pc:sldMk cId="2176756607" sldId="354"/>
-            <ac:spMk id="3" creationId="{D54D27D5-A3B2-2264-E98A-42879C314689}"/>
-          </ac:spMkLst>
-        </pc:spChg>
-        <pc:spChg chg="add mod">
-          <ac:chgData name="Dr. Manel Puig i Vidal" userId="0d549d0e-cb25-4ad8-b3a5-db046c349dfe" providerId="ADAL" clId="{8F19AE49-CED4-4E09-8B0A-F362924A50A8}" dt="2025-01-07T19:27:47.396" v="438" actId="1076"/>
-          <ac:spMkLst>
-            <pc:docMk/>
-            <pc:sldMk cId="2176756607" sldId="354"/>
-            <ac:spMk id="5" creationId="{0659B705-075C-3769-2E7E-80891C21D802}"/>
-          </ac:spMkLst>
-        </pc:spChg>
-        <pc:picChg chg="add mod">
-          <ac:chgData name="Dr. Manel Puig i Vidal" userId="0d549d0e-cb25-4ad8-b3a5-db046c349dfe" providerId="ADAL" clId="{8F19AE49-CED4-4E09-8B0A-F362924A50A8}" dt="2025-01-07T19:13:01.910" v="340"/>
-          <ac:picMkLst>
-            <pc:docMk/>
-            <pc:sldMk cId="2176756607" sldId="354"/>
-            <ac:picMk id="4" creationId="{801F6422-5FCD-3952-1DA8-CA4269FEF351}"/>
-          </ac:picMkLst>
-        </pc:picChg>
       </pc:sldChg>
       <pc:sldChg chg="addSp modSp new mod">
         <pc:chgData name="Dr. Manel Puig i Vidal" userId="0d549d0e-cb25-4ad8-b3a5-db046c349dfe" providerId="ADAL" clId="{8F19AE49-CED4-4E09-8B0A-F362924A50A8}" dt="2025-01-07T20:43:03.522" v="884" actId="20577"/>
@@ -632,14 +452,6 @@
           <pc:docMk/>
           <pc:sldMk cId="3026758067" sldId="355"/>
         </pc:sldMkLst>
-        <pc:spChg chg="add mod">
-          <ac:chgData name="Dr. Manel Puig i Vidal" userId="0d549d0e-cb25-4ad8-b3a5-db046c349dfe" providerId="ADAL" clId="{8F19AE49-CED4-4E09-8B0A-F362924A50A8}" dt="2025-01-07T20:43:03.522" v="884" actId="20577"/>
-          <ac:spMkLst>
-            <pc:docMk/>
-            <pc:sldMk cId="3026758067" sldId="355"/>
-            <ac:spMk id="2" creationId="{8C6E293D-9425-540D-58D5-A2CF27168AF2}"/>
-          </ac:spMkLst>
-        </pc:spChg>
       </pc:sldChg>
       <pc:sldMasterChg chg="modSp modSldLayout">
         <pc:chgData name="Dr. Manel Puig i Vidal" userId="0d549d0e-cb25-4ad8-b3a5-db046c349dfe" providerId="ADAL" clId="{8F19AE49-CED4-4E09-8B0A-F362924A50A8}" dt="2025-01-07T17:01:14.483" v="2"/>
@@ -840,7 +652,7 @@
           <a:p>
             <a:fld id="{0AF811FA-9E99-4BD6-BDB1-D476B95AB925}" type="datetimeFigureOut">
               <a:rPr lang="en-GB" smtClean="0"/>
-              <a:t>30/01/2025</a:t>
+              <a:t>06/02/2025</a:t>
             </a:fld>
             <a:endParaRPr lang="en-GB"/>
           </a:p>
@@ -1010,7 +822,7 @@
           <a:p>
             <a:fld id="{0AF811FA-9E99-4BD6-BDB1-D476B95AB925}" type="datetimeFigureOut">
               <a:rPr lang="en-GB" smtClean="0"/>
-              <a:t>30/01/2025</a:t>
+              <a:t>06/02/2025</a:t>
             </a:fld>
             <a:endParaRPr lang="en-GB"/>
           </a:p>
@@ -1190,7 +1002,7 @@
           <a:p>
             <a:fld id="{0AF811FA-9E99-4BD6-BDB1-D476B95AB925}" type="datetimeFigureOut">
               <a:rPr lang="en-GB" smtClean="0"/>
-              <a:t>30/01/2025</a:t>
+              <a:t>06/02/2025</a:t>
             </a:fld>
             <a:endParaRPr lang="en-GB"/>
           </a:p>
@@ -1360,7 +1172,7 @@
           <a:p>
             <a:fld id="{0AF811FA-9E99-4BD6-BDB1-D476B95AB925}" type="datetimeFigureOut">
               <a:rPr lang="en-GB" smtClean="0"/>
-              <a:t>30/01/2025</a:t>
+              <a:t>06/02/2025</a:t>
             </a:fld>
             <a:endParaRPr lang="en-GB"/>
           </a:p>
@@ -1606,7 +1418,7 @@
           <a:p>
             <a:fld id="{0AF811FA-9E99-4BD6-BDB1-D476B95AB925}" type="datetimeFigureOut">
               <a:rPr lang="en-GB" smtClean="0"/>
-              <a:t>30/01/2025</a:t>
+              <a:t>06/02/2025</a:t>
             </a:fld>
             <a:endParaRPr lang="en-GB"/>
           </a:p>
@@ -1838,7 +1650,7 @@
           <a:p>
             <a:fld id="{0AF811FA-9E99-4BD6-BDB1-D476B95AB925}" type="datetimeFigureOut">
               <a:rPr lang="en-GB" smtClean="0"/>
-              <a:t>30/01/2025</a:t>
+              <a:t>06/02/2025</a:t>
             </a:fld>
             <a:endParaRPr lang="en-GB"/>
           </a:p>
@@ -2205,7 +2017,7 @@
           <a:p>
             <a:fld id="{0AF811FA-9E99-4BD6-BDB1-D476B95AB925}" type="datetimeFigureOut">
               <a:rPr lang="en-GB" smtClean="0"/>
-              <a:t>30/01/2025</a:t>
+              <a:t>06/02/2025</a:t>
             </a:fld>
             <a:endParaRPr lang="en-GB"/>
           </a:p>
@@ -2323,7 +2135,7 @@
           <a:p>
             <a:fld id="{0AF811FA-9E99-4BD6-BDB1-D476B95AB925}" type="datetimeFigureOut">
               <a:rPr lang="en-GB" smtClean="0"/>
-              <a:t>30/01/2025</a:t>
+              <a:t>06/02/2025</a:t>
             </a:fld>
             <a:endParaRPr lang="en-GB"/>
           </a:p>
@@ -2418,7 +2230,7 @@
           <a:p>
             <a:fld id="{0AF811FA-9E99-4BD6-BDB1-D476B95AB925}" type="datetimeFigureOut">
               <a:rPr lang="en-GB" smtClean="0"/>
-              <a:t>30/01/2025</a:t>
+              <a:t>06/02/2025</a:t>
             </a:fld>
             <a:endParaRPr lang="en-GB"/>
           </a:p>
@@ -2695,7 +2507,7 @@
           <a:p>
             <a:fld id="{0AF811FA-9E99-4BD6-BDB1-D476B95AB925}" type="datetimeFigureOut">
               <a:rPr lang="en-GB" smtClean="0"/>
-              <a:t>30/01/2025</a:t>
+              <a:t>06/02/2025</a:t>
             </a:fld>
             <a:endParaRPr lang="en-GB"/>
           </a:p>
@@ -2952,7 +2764,7 @@
           <a:p>
             <a:fld id="{0AF811FA-9E99-4BD6-BDB1-D476B95AB925}" type="datetimeFigureOut">
               <a:rPr lang="en-GB" smtClean="0"/>
-              <a:t>30/01/2025</a:t>
+              <a:t>06/02/2025</a:t>
             </a:fld>
             <a:endParaRPr lang="en-GB"/>
           </a:p>
@@ -3165,7 +2977,7 @@
           <a:p>
             <a:fld id="{0AF811FA-9E99-4BD6-BDB1-D476B95AB925}" type="datetimeFigureOut">
               <a:rPr lang="en-GB" smtClean="0"/>
-              <a:t>30/01/2025</a:t>
+              <a:t>06/02/2025</a:t>
             </a:fld>
             <a:endParaRPr lang="en-GB"/>
           </a:p>
@@ -3570,2519 +3382,6 @@
           <a:chExt cx="0" cy="0"/>
         </a:xfrm>
       </p:grpSpPr>
-      <p:sp>
-        <p:nvSpPr>
-          <p:cNvPr id="2" name="Title 1">
-            <a:extLst>
-              <a:ext uri="{FF2B5EF4-FFF2-40B4-BE49-F238E27FC236}">
-                <a16:creationId xmlns:a16="http://schemas.microsoft.com/office/drawing/2014/main" id="{EC4661F4-FA36-228E-8FE0-3253F134A9F1}"/>
-              </a:ext>
-            </a:extLst>
-          </p:cNvPr>
-          <p:cNvSpPr>
-            <a:spLocks noGrp="1"/>
-          </p:cNvSpPr>
-          <p:nvPr>
-            <p:ph type="ctrTitle"/>
-          </p:nvPr>
-        </p:nvSpPr>
-        <p:spPr>
-          <a:xfrm>
-            <a:off x="685800" y="676594"/>
-            <a:ext cx="5905123" cy="1297061"/>
-          </a:xfrm>
-        </p:spPr>
-        <p:txBody>
-          <a:bodyPr/>
-          <a:lstStyle/>
-          <a:p>
-            <a:r>
-              <a:rPr lang="es-ES" b="1" dirty="0"/>
-              <a:t>ESP32</a:t>
-            </a:r>
-            <a:endParaRPr lang="en-GB" b="1" dirty="0"/>
-          </a:p>
-        </p:txBody>
-      </p:sp>
-      <p:sp>
-        <p:nvSpPr>
-          <p:cNvPr id="3" name="Subtitle 2">
-            <a:extLst>
-              <a:ext uri="{FF2B5EF4-FFF2-40B4-BE49-F238E27FC236}">
-                <a16:creationId xmlns:a16="http://schemas.microsoft.com/office/drawing/2014/main" id="{4649CD6B-24E1-08A4-3847-58654801D457}"/>
-              </a:ext>
-            </a:extLst>
-          </p:cNvPr>
-          <p:cNvSpPr>
-            <a:spLocks noGrp="1"/>
-          </p:cNvSpPr>
-          <p:nvPr>
-            <p:ph type="subTitle" idx="1"/>
-          </p:nvPr>
-        </p:nvSpPr>
-        <p:spPr>
-          <a:xfrm>
-            <a:off x="1477979" y="4643187"/>
-            <a:ext cx="6858000" cy="1655762"/>
-          </a:xfrm>
-        </p:spPr>
-        <p:txBody>
-          <a:bodyPr/>
-          <a:lstStyle/>
-          <a:p>
-            <a:endParaRPr lang="es-ES" dirty="0"/>
-          </a:p>
-          <a:p>
-            <a:pPr algn="r"/>
-            <a:r>
-              <a:rPr lang="en-GB" dirty="0"/>
-              <a:t>Dr. Manel Puig i Vidal</a:t>
-            </a:r>
-          </a:p>
-        </p:txBody>
-      </p:sp>
-      <p:pic>
-        <p:nvPicPr>
-          <p:cNvPr id="4" name="Picture 2">
-            <a:extLst>
-              <a:ext uri="{FF2B5EF4-FFF2-40B4-BE49-F238E27FC236}">
-                <a16:creationId xmlns:a16="http://schemas.microsoft.com/office/drawing/2014/main" id="{01C6F3AB-FC9A-D9DE-2473-5792B1D509F0}"/>
-              </a:ext>
-            </a:extLst>
-          </p:cNvPr>
-          <p:cNvPicPr>
-            <a:picLocks noChangeAspect="1" noChangeArrowheads="1"/>
-          </p:cNvPicPr>
-          <p:nvPr/>
-        </p:nvPicPr>
-        <p:blipFill>
-          <a:blip r:embed="rId2">
-            <a:extLst>
-              <a:ext uri="{28A0092B-C50C-407E-A947-70E740481C1C}">
-                <a14:useLocalDpi xmlns:a14="http://schemas.microsoft.com/office/drawing/2010/main" val="0"/>
-              </a:ext>
-            </a:extLst>
-          </a:blip>
-          <a:srcRect/>
-          <a:stretch>
-            <a:fillRect/>
-          </a:stretch>
-        </p:blipFill>
-        <p:spPr bwMode="auto">
-          <a:xfrm>
-            <a:off x="981493" y="3872800"/>
-            <a:ext cx="2636912" cy="2636912"/>
-          </a:xfrm>
-          <a:prstGeom prst="rect">
-            <a:avLst/>
-          </a:prstGeom>
-          <a:noFill/>
-          <a:extLst>
-            <a:ext uri="{909E8E84-426E-40DD-AFC4-6F175D3DCCD1}">
-              <a14:hiddenFill xmlns:a14="http://schemas.microsoft.com/office/drawing/2010/main">
-                <a:solidFill>
-                  <a:srgbClr val="FFFFFF"/>
-                </a:solidFill>
-              </a14:hiddenFill>
-            </a:ext>
-          </a:extLst>
-        </p:spPr>
-      </p:pic>
-    </p:spTree>
-    <p:extLst>
-      <p:ext uri="{BB962C8B-B14F-4D97-AF65-F5344CB8AC3E}">
-        <p14:creationId xmlns:p14="http://schemas.microsoft.com/office/powerpoint/2010/main" val="406178355"/>
-      </p:ext>
-    </p:extLst>
-  </p:cSld>
-  <p:clrMapOvr>
-    <a:masterClrMapping/>
-  </p:clrMapOvr>
-</p:sld>
-</file>
-
-<file path=ppt/slides/slide2.xml><?xml version="1.0" encoding="utf-8"?>
-<p:sld xmlns:a="http://schemas.openxmlformats.org/drawingml/2006/main" xmlns:r="http://schemas.openxmlformats.org/officeDocument/2006/relationships" xmlns:p="http://schemas.openxmlformats.org/presentationml/2006/main">
-  <p:cSld>
-    <p:spTree>
-      <p:nvGrpSpPr>
-        <p:cNvPr id="1" name=""/>
-        <p:cNvGrpSpPr/>
-        <p:nvPr/>
-      </p:nvGrpSpPr>
-      <p:grpSpPr>
-        <a:xfrm>
-          <a:off x="0" y="0"/>
-          <a:ext cx="0" cy="0"/>
-          <a:chOff x="0" y="0"/>
-          <a:chExt cx="0" cy="0"/>
-        </a:xfrm>
-      </p:grpSpPr>
-      <p:sp>
-        <p:nvSpPr>
-          <p:cNvPr id="2" name="Date Placeholder 1">
-            <a:extLst>
-              <a:ext uri="{FF2B5EF4-FFF2-40B4-BE49-F238E27FC236}">
-                <a16:creationId xmlns:a16="http://schemas.microsoft.com/office/drawing/2014/main" id="{33757566-4978-CB89-EF00-BF8FF489D125}"/>
-              </a:ext>
-            </a:extLst>
-          </p:cNvPr>
-          <p:cNvSpPr>
-            <a:spLocks noGrp="1"/>
-          </p:cNvSpPr>
-          <p:nvPr>
-            <p:ph type="dt" sz="half" idx="10"/>
-          </p:nvPr>
-        </p:nvSpPr>
-        <p:spPr/>
-        <p:txBody>
-          <a:bodyPr/>
-          <a:lstStyle/>
-          <a:p>
-            <a:fld id="{B67F01DA-B18C-4391-A8D7-0CE3F049FD3B}" type="datetime1">
-              <a:rPr lang="es-ES" smtClean="0"/>
-              <a:t>30/01/2025</a:t>
-            </a:fld>
-            <a:endParaRPr lang="es-ES" dirty="0"/>
-          </a:p>
-        </p:txBody>
-      </p:sp>
-      <p:sp>
-        <p:nvSpPr>
-          <p:cNvPr id="3" name="Footer Placeholder 2">
-            <a:extLst>
-              <a:ext uri="{FF2B5EF4-FFF2-40B4-BE49-F238E27FC236}">
-                <a16:creationId xmlns:a16="http://schemas.microsoft.com/office/drawing/2014/main" id="{BC1A8729-DEA1-C0B3-870F-1DCDAAE08744}"/>
-              </a:ext>
-            </a:extLst>
-          </p:cNvPr>
-          <p:cNvSpPr>
-            <a:spLocks noGrp="1"/>
-          </p:cNvSpPr>
-          <p:nvPr>
-            <p:ph type="ftr" sz="quarter" idx="11"/>
-          </p:nvPr>
-        </p:nvSpPr>
-        <p:spPr/>
-        <p:txBody>
-          <a:bodyPr/>
-          <a:lstStyle/>
-          <a:p>
-            <a:r>
-              <a:rPr lang="es-ES"/>
-              <a:t>Dr. Manel Puig i Vidal</a:t>
-            </a:r>
-            <a:endParaRPr lang="es-ES" dirty="0"/>
-          </a:p>
-        </p:txBody>
-      </p:sp>
-      <p:sp>
-        <p:nvSpPr>
-          <p:cNvPr id="4" name="Slide Number Placeholder 3">
-            <a:extLst>
-              <a:ext uri="{FF2B5EF4-FFF2-40B4-BE49-F238E27FC236}">
-                <a16:creationId xmlns:a16="http://schemas.microsoft.com/office/drawing/2014/main" id="{9C46B640-6818-E43A-6849-E61218BBDB43}"/>
-              </a:ext>
-            </a:extLst>
-          </p:cNvPr>
-          <p:cNvSpPr>
-            <a:spLocks noGrp="1"/>
-          </p:cNvSpPr>
-          <p:nvPr>
-            <p:ph type="sldNum" sz="quarter" idx="12"/>
-          </p:nvPr>
-        </p:nvSpPr>
-        <p:spPr/>
-        <p:txBody>
-          <a:bodyPr/>
-          <a:lstStyle/>
-          <a:p>
-            <a:fld id="{FF163B9E-51AF-47CE-BBDC-D34924A28EC2}" type="slidenum">
-              <a:rPr lang="es-ES" smtClean="0"/>
-              <a:t>2</a:t>
-            </a:fld>
-            <a:endParaRPr lang="es-ES"/>
-          </a:p>
-        </p:txBody>
-      </p:sp>
-      <p:sp>
-        <p:nvSpPr>
-          <p:cNvPr id="5" name="CuadroTexto 1">
-            <a:extLst>
-              <a:ext uri="{FF2B5EF4-FFF2-40B4-BE49-F238E27FC236}">
-                <a16:creationId xmlns:a16="http://schemas.microsoft.com/office/drawing/2014/main" id="{B90D26FB-0297-C560-1E06-0A36201DD4AB}"/>
-              </a:ext>
-            </a:extLst>
-          </p:cNvPr>
-          <p:cNvSpPr txBox="1"/>
-          <p:nvPr/>
-        </p:nvSpPr>
-        <p:spPr>
-          <a:xfrm>
-            <a:off x="683568" y="226988"/>
-            <a:ext cx="6552728" cy="461665"/>
-          </a:xfrm>
-          <a:prstGeom prst="rect">
-            <a:avLst/>
-          </a:prstGeom>
-          <a:noFill/>
-        </p:spPr>
-        <p:txBody>
-          <a:bodyPr wrap="square">
-            <a:spAutoFit/>
-          </a:bodyPr>
-          <a:lstStyle/>
-          <a:p>
-            <a:pPr lvl="0"/>
-            <a:r>
-              <a:rPr lang="es-ES" sz="2400" b="1" dirty="0"/>
-              <a:t>ESP32</a:t>
-            </a:r>
-            <a:endParaRPr lang="es-ES" sz="2800" b="1" dirty="0"/>
-          </a:p>
-        </p:txBody>
-      </p:sp>
-      <p:sp>
-        <p:nvSpPr>
-          <p:cNvPr id="6" name="TextBox 5">
-            <a:extLst>
-              <a:ext uri="{FF2B5EF4-FFF2-40B4-BE49-F238E27FC236}">
-                <a16:creationId xmlns:a16="http://schemas.microsoft.com/office/drawing/2014/main" id="{65DADD8B-58BC-E346-59F1-C4A8B98BF097}"/>
-              </a:ext>
-            </a:extLst>
-          </p:cNvPr>
-          <p:cNvSpPr txBox="1"/>
-          <p:nvPr/>
-        </p:nvSpPr>
-        <p:spPr>
-          <a:xfrm>
-            <a:off x="719572" y="771559"/>
-            <a:ext cx="7704856" cy="646331"/>
-          </a:xfrm>
-          <a:prstGeom prst="rect">
-            <a:avLst/>
-          </a:prstGeom>
-          <a:noFill/>
-        </p:spPr>
-        <p:txBody>
-          <a:bodyPr wrap="square" rtlCol="0">
-            <a:spAutoFit/>
-          </a:bodyPr>
-          <a:lstStyle/>
-          <a:p>
-            <a:r>
-              <a:rPr lang="en-GB" dirty="0">
-                <a:solidFill>
-                  <a:srgbClr val="374151"/>
-                </a:solidFill>
-                <a:latin typeface="Arial" panose="020B0604020202020204" pitchFamily="34" charset="0"/>
-                <a:cs typeface="Arial" panose="020B0604020202020204" pitchFamily="34" charset="0"/>
-              </a:rPr>
-              <a:t>The ESP32 is a popular and versatile microcontroller development board that is widely used for various Internet of Things (IoT) applications. </a:t>
-            </a:r>
-            <a:endParaRPr lang="en-GB" dirty="0">
-              <a:latin typeface="Arial" panose="020B0604020202020204" pitchFamily="34" charset="0"/>
-              <a:cs typeface="Arial" panose="020B0604020202020204" pitchFamily="34" charset="0"/>
-            </a:endParaRPr>
-          </a:p>
-        </p:txBody>
-      </p:sp>
-      <p:pic>
-        <p:nvPicPr>
-          <p:cNvPr id="1026" name="Picture 2">
-            <a:extLst>
-              <a:ext uri="{FF2B5EF4-FFF2-40B4-BE49-F238E27FC236}">
-                <a16:creationId xmlns:a16="http://schemas.microsoft.com/office/drawing/2014/main" id="{C1AED66E-C767-978F-C8D5-9AE7DB0D094D}"/>
-              </a:ext>
-            </a:extLst>
-          </p:cNvPr>
-          <p:cNvPicPr>
-            <a:picLocks noChangeAspect="1" noChangeArrowheads="1"/>
-          </p:cNvPicPr>
-          <p:nvPr/>
-        </p:nvPicPr>
-        <p:blipFill>
-          <a:blip r:embed="rId2">
-            <a:extLst>
-              <a:ext uri="{28A0092B-C50C-407E-A947-70E740481C1C}">
-                <a14:useLocalDpi xmlns:a14="http://schemas.microsoft.com/office/drawing/2010/main" val="0"/>
-              </a:ext>
-            </a:extLst>
-          </a:blip>
-          <a:srcRect/>
-          <a:stretch>
-            <a:fillRect/>
-          </a:stretch>
-        </p:blipFill>
-        <p:spPr bwMode="auto">
-          <a:xfrm>
-            <a:off x="522650" y="1940314"/>
-            <a:ext cx="2808655" cy="2808655"/>
-          </a:xfrm>
-          <a:prstGeom prst="rect">
-            <a:avLst/>
-          </a:prstGeom>
-          <a:noFill/>
-          <a:extLst>
-            <a:ext uri="{909E8E84-426E-40DD-AFC4-6F175D3DCCD1}">
-              <a14:hiddenFill xmlns:a14="http://schemas.microsoft.com/office/drawing/2010/main">
-                <a:solidFill>
-                  <a:srgbClr val="FFFFFF"/>
-                </a:solidFill>
-              </a14:hiddenFill>
-            </a:ext>
-          </a:extLst>
-        </p:spPr>
-      </p:pic>
-      <p:sp>
-        <p:nvSpPr>
-          <p:cNvPr id="9" name="TextBox 8">
-            <a:extLst>
-              <a:ext uri="{FF2B5EF4-FFF2-40B4-BE49-F238E27FC236}">
-                <a16:creationId xmlns:a16="http://schemas.microsoft.com/office/drawing/2014/main" id="{40686E74-BCEB-2C6F-4159-B86CED95E100}"/>
-              </a:ext>
-            </a:extLst>
-          </p:cNvPr>
-          <p:cNvSpPr txBox="1"/>
-          <p:nvPr/>
-        </p:nvSpPr>
-        <p:spPr>
-          <a:xfrm>
-            <a:off x="3437866" y="1583834"/>
-            <a:ext cx="5796668" cy="3693319"/>
-          </a:xfrm>
-          <a:prstGeom prst="rect">
-            <a:avLst/>
-          </a:prstGeom>
-          <a:noFill/>
-        </p:spPr>
-        <p:txBody>
-          <a:bodyPr wrap="square" rtlCol="0">
-            <a:spAutoFit/>
-          </a:bodyPr>
-          <a:lstStyle/>
-          <a:p>
-            <a:pPr algn="l"/>
-            <a:r>
-              <a:rPr lang="en-GB" dirty="0">
-                <a:solidFill>
-                  <a:srgbClr val="374151"/>
-                </a:solidFill>
-                <a:latin typeface="Arial" panose="020B0604020202020204" pitchFamily="34" charset="0"/>
-                <a:cs typeface="Arial" panose="020B0604020202020204" pitchFamily="34" charset="0"/>
-              </a:rPr>
-              <a:t>Some key features of the ESP32 board include:</a:t>
-            </a:r>
-          </a:p>
-          <a:p>
-            <a:pPr algn="l">
-              <a:buFont typeface="+mj-lt"/>
-              <a:buAutoNum type="arabicPeriod"/>
-            </a:pPr>
-            <a:r>
-              <a:rPr lang="en-GB" b="1" dirty="0">
-                <a:solidFill>
-                  <a:srgbClr val="374151"/>
-                </a:solidFill>
-                <a:latin typeface="Arial" panose="020B0604020202020204" pitchFamily="34" charset="0"/>
-                <a:cs typeface="Arial" panose="020B0604020202020204" pitchFamily="34" charset="0"/>
-              </a:rPr>
-              <a:t> Dual-Core Processor:</a:t>
-            </a:r>
-            <a:r>
-              <a:rPr lang="en-GB" dirty="0">
-                <a:solidFill>
-                  <a:srgbClr val="374151"/>
-                </a:solidFill>
-                <a:latin typeface="Arial" panose="020B0604020202020204" pitchFamily="34" charset="0"/>
-                <a:cs typeface="Arial" panose="020B0604020202020204" pitchFamily="34" charset="0"/>
-              </a:rPr>
-              <a:t> </a:t>
-            </a:r>
-          </a:p>
-          <a:p>
-            <a:pPr lvl="1"/>
-            <a:r>
-              <a:rPr lang="en-GB" dirty="0">
-                <a:latin typeface="Arial" panose="020B0604020202020204" pitchFamily="34" charset="0"/>
-                <a:cs typeface="Arial" panose="020B0604020202020204" pitchFamily="34" charset="0"/>
-              </a:rPr>
-              <a:t>Xtensa LX6 Microprocessor</a:t>
-            </a:r>
-          </a:p>
-          <a:p>
-            <a:pPr lvl="1"/>
-            <a:r>
-              <a:rPr lang="en-GB" dirty="0">
-                <a:latin typeface="Arial" panose="020B0604020202020204" pitchFamily="34" charset="0"/>
-                <a:cs typeface="Arial" panose="020B0604020202020204" pitchFamily="34" charset="0"/>
-              </a:rPr>
-              <a:t>High processing power (up to 240 MHz clock speed)</a:t>
-            </a:r>
-          </a:p>
-          <a:p>
-            <a:pPr algn="l">
-              <a:buFont typeface="+mj-lt"/>
-              <a:buAutoNum type="arabicPeriod"/>
-            </a:pPr>
-            <a:endParaRPr lang="en-GB" dirty="0">
-              <a:solidFill>
-                <a:srgbClr val="374151"/>
-              </a:solidFill>
-              <a:latin typeface="Arial" panose="020B0604020202020204" pitchFamily="34" charset="0"/>
-              <a:cs typeface="Arial" panose="020B0604020202020204" pitchFamily="34" charset="0"/>
-            </a:endParaRPr>
-          </a:p>
-          <a:p>
-            <a:pPr marL="342900" marR="0" lvl="0" indent="-342900" algn="l" defTabSz="914400" rtl="0" eaLnBrk="0" fontAlgn="base" latinLnBrk="0" hangingPunct="0">
-              <a:lnSpc>
-                <a:spcPct val="100000"/>
-              </a:lnSpc>
-              <a:spcBef>
-                <a:spcPct val="0"/>
-              </a:spcBef>
-              <a:spcAft>
-                <a:spcPct val="0"/>
-              </a:spcAft>
-              <a:buClrTx/>
-              <a:buSzTx/>
-              <a:buFont typeface="+mj-lt"/>
-              <a:buAutoNum type="arabicPeriod"/>
-              <a:tabLst/>
-            </a:pPr>
-            <a:r>
-              <a:rPr lang="en-GB" b="1" dirty="0">
-                <a:solidFill>
-                  <a:srgbClr val="374151"/>
-                </a:solidFill>
-                <a:latin typeface="Arial" panose="020B0604020202020204" pitchFamily="34" charset="0"/>
-                <a:cs typeface="Arial" panose="020B0604020202020204" pitchFamily="34" charset="0"/>
-              </a:rPr>
-              <a:t> </a:t>
-            </a:r>
-            <a:r>
-              <a:rPr lang="en-US" altLang="en-US" b="1" dirty="0">
-                <a:solidFill>
-                  <a:srgbClr val="374151"/>
-                </a:solidFill>
-                <a:latin typeface="Arial" panose="020B0604020202020204" pitchFamily="34" charset="0"/>
-                <a:cs typeface="Arial" panose="020B0604020202020204" pitchFamily="34" charset="0"/>
-              </a:rPr>
-              <a:t>Integrated</a:t>
-            </a:r>
-            <a:r>
-              <a:rPr kumimoji="0" lang="en-US" altLang="en-US" sz="1800" b="1" i="0" u="none" strike="noStrike" cap="none" normalizeH="0" baseline="0" dirty="0">
-                <a:ln>
-                  <a:noFill/>
-                </a:ln>
-                <a:solidFill>
-                  <a:schemeClr val="tx1"/>
-                </a:solidFill>
-                <a:effectLst/>
-                <a:latin typeface="Arial" panose="020B0604020202020204" pitchFamily="34" charset="0"/>
-                <a:cs typeface="Arial" panose="020B0604020202020204" pitchFamily="34" charset="0"/>
-              </a:rPr>
-              <a:t> Wi-Fi (802.11 b/g/n):</a:t>
-            </a:r>
-            <a:r>
-              <a:rPr kumimoji="0" lang="en-US" altLang="en-US" sz="1800" b="0" i="0" u="none" strike="noStrike" cap="none" normalizeH="0" baseline="0" dirty="0">
-                <a:ln>
-                  <a:noFill/>
-                </a:ln>
-                <a:solidFill>
-                  <a:schemeClr val="tx1"/>
-                </a:solidFill>
-                <a:effectLst/>
-                <a:latin typeface="Arial" panose="020B0604020202020204" pitchFamily="34" charset="0"/>
-                <a:cs typeface="Arial" panose="020B0604020202020204" pitchFamily="34" charset="0"/>
-              </a:rPr>
-              <a:t> </a:t>
-            </a:r>
-          </a:p>
-          <a:p>
-            <a:pPr lvl="1" defTabSz="914400" eaLnBrk="0" fontAlgn="base" hangingPunct="0">
-              <a:spcBef>
-                <a:spcPct val="0"/>
-              </a:spcBef>
-              <a:spcAft>
-                <a:spcPct val="0"/>
-              </a:spcAft>
-            </a:pPr>
-            <a:r>
-              <a:rPr kumimoji="0" lang="en-US" altLang="en-US" b="0" i="0" u="none" strike="noStrike" cap="none" normalizeH="0" baseline="0" dirty="0">
-                <a:ln>
-                  <a:noFill/>
-                </a:ln>
-                <a:solidFill>
-                  <a:schemeClr val="tx1"/>
-                </a:solidFill>
-                <a:effectLst/>
-                <a:latin typeface="Arial" panose="020B0604020202020204" pitchFamily="34" charset="0"/>
-                <a:cs typeface="Arial" panose="020B0604020202020204" pitchFamily="34" charset="0"/>
-              </a:rPr>
-              <a:t>2.4 GHz frequency band. </a:t>
-            </a:r>
-          </a:p>
-          <a:p>
-            <a:pPr lvl="1" defTabSz="914400" eaLnBrk="0" fontAlgn="base" hangingPunct="0">
-              <a:spcBef>
-                <a:spcPct val="0"/>
-              </a:spcBef>
-              <a:spcAft>
-                <a:spcPct val="0"/>
-              </a:spcAft>
-            </a:pPr>
-            <a:r>
-              <a:rPr kumimoji="0" lang="en-US" altLang="en-US" b="0" i="0" u="none" strike="noStrike" cap="none" normalizeH="0" baseline="0" dirty="0">
-                <a:ln>
-                  <a:noFill/>
-                </a:ln>
-                <a:solidFill>
-                  <a:schemeClr val="tx1"/>
-                </a:solidFill>
-                <a:effectLst/>
-                <a:latin typeface="Arial" panose="020B0604020202020204" pitchFamily="34" charset="0"/>
-                <a:cs typeface="Arial" panose="020B0604020202020204" pitchFamily="34" charset="0"/>
-              </a:rPr>
-              <a:t>Supports various Wi-Fi modes </a:t>
-            </a:r>
-          </a:p>
-          <a:p>
-            <a:pPr lvl="2" defTabSz="914400" eaLnBrk="0" fontAlgn="base" hangingPunct="0">
-              <a:spcBef>
-                <a:spcPct val="0"/>
-              </a:spcBef>
-              <a:spcAft>
-                <a:spcPct val="0"/>
-              </a:spcAft>
-            </a:pPr>
-            <a:r>
-              <a:rPr kumimoji="0" lang="en-US" altLang="en-US" b="0" i="0" u="none" strike="noStrike" cap="none" normalizeH="0" baseline="0" dirty="0">
-                <a:ln>
-                  <a:noFill/>
-                </a:ln>
-                <a:solidFill>
-                  <a:schemeClr val="tx1"/>
-                </a:solidFill>
-                <a:effectLst/>
-                <a:latin typeface="Arial" panose="020B0604020202020204" pitchFamily="34" charset="0"/>
-                <a:cs typeface="Arial" panose="020B0604020202020204" pitchFamily="34" charset="0"/>
-              </a:rPr>
-              <a:t>Station, </a:t>
-            </a:r>
-          </a:p>
-          <a:p>
-            <a:pPr lvl="2" defTabSz="914400" eaLnBrk="0" fontAlgn="base" hangingPunct="0">
-              <a:spcBef>
-                <a:spcPct val="0"/>
-              </a:spcBef>
-              <a:spcAft>
-                <a:spcPct val="0"/>
-              </a:spcAft>
-            </a:pPr>
-            <a:r>
-              <a:rPr kumimoji="0" lang="en-US" altLang="en-US" b="0" i="0" u="none" strike="noStrike" cap="none" normalizeH="0" baseline="0" dirty="0">
-                <a:ln>
-                  <a:noFill/>
-                </a:ln>
-                <a:solidFill>
-                  <a:schemeClr val="tx1"/>
-                </a:solidFill>
-                <a:effectLst/>
-                <a:latin typeface="Arial" panose="020B0604020202020204" pitchFamily="34" charset="0"/>
-                <a:cs typeface="Arial" panose="020B0604020202020204" pitchFamily="34" charset="0"/>
-              </a:rPr>
-              <a:t>Access Point, </a:t>
-            </a:r>
-            <a:endParaRPr lang="en-US" altLang="en-US" dirty="0">
-              <a:latin typeface="Arial" panose="020B0604020202020204" pitchFamily="34" charset="0"/>
-              <a:cs typeface="Arial" panose="020B0604020202020204" pitchFamily="34" charset="0"/>
-            </a:endParaRPr>
-          </a:p>
-          <a:p>
-            <a:pPr lvl="2" defTabSz="914400" eaLnBrk="0" fontAlgn="base" hangingPunct="0">
-              <a:spcBef>
-                <a:spcPct val="0"/>
-              </a:spcBef>
-              <a:spcAft>
-                <a:spcPct val="0"/>
-              </a:spcAft>
-            </a:pPr>
-            <a:r>
-              <a:rPr kumimoji="0" lang="en-US" altLang="en-US" b="0" i="0" u="none" strike="noStrike" cap="none" normalizeH="0" baseline="0" dirty="0" err="1">
-                <a:ln>
-                  <a:noFill/>
-                </a:ln>
-                <a:solidFill>
-                  <a:schemeClr val="tx1"/>
-                </a:solidFill>
-                <a:effectLst/>
-                <a:latin typeface="Arial" panose="020B0604020202020204" pitchFamily="34" charset="0"/>
-                <a:cs typeface="Arial" panose="020B0604020202020204" pitchFamily="34" charset="0"/>
-              </a:rPr>
-              <a:t>Station+AP</a:t>
-            </a:r>
-            <a:r>
-              <a:rPr kumimoji="0" lang="en-US" altLang="en-US" b="0" i="0" u="none" strike="noStrike" cap="none" normalizeH="0" baseline="0" dirty="0">
-                <a:ln>
-                  <a:noFill/>
-                </a:ln>
-                <a:solidFill>
-                  <a:schemeClr val="tx1"/>
-                </a:solidFill>
-                <a:effectLst/>
-                <a:latin typeface="Arial" panose="020B0604020202020204" pitchFamily="34" charset="0"/>
-                <a:cs typeface="Arial" panose="020B0604020202020204" pitchFamily="34" charset="0"/>
-              </a:rPr>
-              <a:t>. </a:t>
-            </a:r>
-          </a:p>
-          <a:p>
-            <a:pPr lvl="1" defTabSz="914400" eaLnBrk="0" fontAlgn="base" hangingPunct="0">
-              <a:spcBef>
-                <a:spcPct val="0"/>
-              </a:spcBef>
-              <a:spcAft>
-                <a:spcPct val="0"/>
-              </a:spcAft>
-            </a:pPr>
-            <a:r>
-              <a:rPr kumimoji="0" lang="en-US" altLang="en-US" b="0" i="0" u="none" strike="noStrike" cap="none" normalizeH="0" baseline="0" dirty="0">
-                <a:ln>
-                  <a:noFill/>
-                </a:ln>
-                <a:solidFill>
-                  <a:schemeClr val="tx1"/>
-                </a:solidFill>
-                <a:effectLst/>
-                <a:latin typeface="Arial" panose="020B0604020202020204" pitchFamily="34" charset="0"/>
-                <a:cs typeface="Arial" panose="020B0604020202020204" pitchFamily="34" charset="0"/>
-              </a:rPr>
-              <a:t>Enables seamless internet connectivity. </a:t>
-            </a:r>
-          </a:p>
-        </p:txBody>
-      </p:sp>
-      <p:sp>
-        <p:nvSpPr>
-          <p:cNvPr id="10" name="TextBox 9">
-            <a:extLst>
-              <a:ext uri="{FF2B5EF4-FFF2-40B4-BE49-F238E27FC236}">
-                <a16:creationId xmlns:a16="http://schemas.microsoft.com/office/drawing/2014/main" id="{6C370E61-00F5-3D42-7486-772E3A979D33}"/>
-              </a:ext>
-            </a:extLst>
-          </p:cNvPr>
-          <p:cNvSpPr txBox="1"/>
-          <p:nvPr/>
-        </p:nvSpPr>
-        <p:spPr>
-          <a:xfrm>
-            <a:off x="323474" y="5271393"/>
-            <a:ext cx="7525881" cy="1200329"/>
-          </a:xfrm>
-          <a:prstGeom prst="rect">
-            <a:avLst/>
-          </a:prstGeom>
-          <a:noFill/>
-        </p:spPr>
-        <p:txBody>
-          <a:bodyPr wrap="square">
-            <a:spAutoFit/>
-          </a:bodyPr>
-          <a:lstStyle/>
-          <a:p>
-            <a:pPr lvl="1" defTabSz="914400" eaLnBrk="0" fontAlgn="base" hangingPunct="0">
-              <a:spcBef>
-                <a:spcPct val="0"/>
-              </a:spcBef>
-              <a:spcAft>
-                <a:spcPct val="0"/>
-              </a:spcAft>
-            </a:pPr>
-            <a:r>
-              <a:rPr kumimoji="0" lang="en-US" altLang="en-US" b="1" i="0" u="none" strike="noStrike" cap="none" normalizeH="0" baseline="0" dirty="0">
-                <a:ln>
-                  <a:noFill/>
-                </a:ln>
-                <a:solidFill>
-                  <a:schemeClr val="tx1"/>
-                </a:solidFill>
-                <a:effectLst/>
-                <a:latin typeface="Arial" panose="020B0604020202020204" pitchFamily="34" charset="0"/>
-                <a:cs typeface="Arial" panose="020B0604020202020204" pitchFamily="34" charset="0"/>
-              </a:rPr>
-              <a:t>3. Integrated Bluetooth (v4.2 BR/EDR and BLE):</a:t>
-            </a:r>
-            <a:r>
-              <a:rPr kumimoji="0" lang="en-US" altLang="en-US" b="0" i="0" u="none" strike="noStrike" cap="none" normalizeH="0" baseline="0" dirty="0">
-                <a:ln>
-                  <a:noFill/>
-                </a:ln>
-                <a:solidFill>
-                  <a:schemeClr val="tx1"/>
-                </a:solidFill>
-                <a:effectLst/>
-                <a:latin typeface="Arial" panose="020B0604020202020204" pitchFamily="34" charset="0"/>
-                <a:cs typeface="Arial" panose="020B0604020202020204" pitchFamily="34" charset="0"/>
-              </a:rPr>
-              <a:t> </a:t>
-            </a:r>
-          </a:p>
-          <a:p>
-            <a:pPr lvl="2" defTabSz="914400" eaLnBrk="0" fontAlgn="base" hangingPunct="0">
-              <a:spcBef>
-                <a:spcPct val="0"/>
-              </a:spcBef>
-              <a:spcAft>
-                <a:spcPct val="0"/>
-              </a:spcAft>
-            </a:pPr>
-            <a:r>
-              <a:rPr kumimoji="0" lang="en-US" altLang="en-US" b="0" i="0" u="none" strike="noStrike" cap="none" normalizeH="0" baseline="0" dirty="0">
-                <a:ln>
-                  <a:noFill/>
-                </a:ln>
-                <a:solidFill>
-                  <a:schemeClr val="tx1"/>
-                </a:solidFill>
-                <a:effectLst/>
-                <a:latin typeface="Arial" panose="020B0604020202020204" pitchFamily="34" charset="0"/>
-                <a:cs typeface="Arial" panose="020B0604020202020204" pitchFamily="34" charset="0"/>
-              </a:rPr>
-              <a:t>Bluetooth Classic and Bluetooth Low Energy support. </a:t>
-            </a:r>
-          </a:p>
-          <a:p>
-            <a:pPr lvl="2" defTabSz="914400" eaLnBrk="0" fontAlgn="base" hangingPunct="0">
-              <a:spcBef>
-                <a:spcPct val="0"/>
-              </a:spcBef>
-              <a:spcAft>
-                <a:spcPct val="0"/>
-              </a:spcAft>
-            </a:pPr>
-            <a:r>
-              <a:rPr kumimoji="0" lang="en-US" altLang="en-US" b="0" i="0" u="none" strike="noStrike" cap="none" normalizeH="0" baseline="0" dirty="0">
-                <a:ln>
-                  <a:noFill/>
-                </a:ln>
-                <a:solidFill>
-                  <a:schemeClr val="tx1"/>
-                </a:solidFill>
-                <a:effectLst/>
-                <a:latin typeface="Arial" panose="020B0604020202020204" pitchFamily="34" charset="0"/>
-                <a:cs typeface="Arial" panose="020B0604020202020204" pitchFamily="34" charset="0"/>
-              </a:rPr>
-              <a:t>Suitable for short-range communication and IoT applications.</a:t>
-            </a:r>
-          </a:p>
-          <a:p>
-            <a:pPr algn="l">
-              <a:buFont typeface="+mj-lt"/>
-              <a:buAutoNum type="arabicPeriod"/>
-            </a:pPr>
-            <a:endParaRPr lang="en-GB" dirty="0">
-              <a:solidFill>
-                <a:srgbClr val="374151"/>
-              </a:solidFill>
-              <a:latin typeface="Arial" panose="020B0604020202020204" pitchFamily="34" charset="0"/>
-              <a:cs typeface="Arial" panose="020B0604020202020204" pitchFamily="34" charset="0"/>
-            </a:endParaRPr>
-          </a:p>
-        </p:txBody>
-      </p:sp>
-    </p:spTree>
-    <p:extLst>
-      <p:ext uri="{BB962C8B-B14F-4D97-AF65-F5344CB8AC3E}">
-        <p14:creationId xmlns:p14="http://schemas.microsoft.com/office/powerpoint/2010/main" val="64809998"/>
-      </p:ext>
-    </p:extLst>
-  </p:cSld>
-  <p:clrMapOvr>
-    <a:masterClrMapping/>
-  </p:clrMapOvr>
-</p:sld>
-</file>
-
-<file path=ppt/slides/slide3.xml><?xml version="1.0" encoding="utf-8"?>
-<p:sld xmlns:a="http://schemas.openxmlformats.org/drawingml/2006/main" xmlns:r="http://schemas.openxmlformats.org/officeDocument/2006/relationships" xmlns:p="http://schemas.openxmlformats.org/presentationml/2006/main">
-  <p:cSld>
-    <p:spTree>
-      <p:nvGrpSpPr>
-        <p:cNvPr id="1" name="">
-          <a:extLst>
-            <a:ext uri="{FF2B5EF4-FFF2-40B4-BE49-F238E27FC236}">
-              <a16:creationId xmlns:a16="http://schemas.microsoft.com/office/drawing/2014/main" id="{061E041E-F928-3B28-1D10-20A652BEACF1}"/>
-            </a:ext>
-          </a:extLst>
-        </p:cNvPr>
-        <p:cNvGrpSpPr/>
-        <p:nvPr/>
-      </p:nvGrpSpPr>
-      <p:grpSpPr>
-        <a:xfrm>
-          <a:off x="0" y="0"/>
-          <a:ext cx="0" cy="0"/>
-          <a:chOff x="0" y="0"/>
-          <a:chExt cx="0" cy="0"/>
-        </a:xfrm>
-      </p:grpSpPr>
-      <p:sp>
-        <p:nvSpPr>
-          <p:cNvPr id="3" name="TextBox 2">
-            <a:extLst>
-              <a:ext uri="{FF2B5EF4-FFF2-40B4-BE49-F238E27FC236}">
-                <a16:creationId xmlns:a16="http://schemas.microsoft.com/office/drawing/2014/main" id="{1BD184C5-6EC5-F070-9215-EA22B7014C73}"/>
-              </a:ext>
-            </a:extLst>
-          </p:cNvPr>
-          <p:cNvSpPr txBox="1"/>
-          <p:nvPr/>
-        </p:nvSpPr>
-        <p:spPr>
-          <a:xfrm>
-            <a:off x="556787" y="3328344"/>
-            <a:ext cx="8587213" cy="3416320"/>
-          </a:xfrm>
-          <a:prstGeom prst="rect">
-            <a:avLst/>
-          </a:prstGeom>
-          <a:noFill/>
-        </p:spPr>
-        <p:txBody>
-          <a:bodyPr wrap="square">
-            <a:spAutoFit/>
-          </a:bodyPr>
-          <a:lstStyle/>
-          <a:p>
-            <a:pPr marL="342900" indent="-342900" algn="l">
-              <a:buFont typeface="+mj-lt"/>
-              <a:buAutoNum type="arabicPeriod" startAt="4"/>
-            </a:pPr>
-            <a:r>
-              <a:rPr lang="en-GB" b="1" dirty="0">
-                <a:solidFill>
-                  <a:srgbClr val="374151"/>
-                </a:solidFill>
-                <a:latin typeface="Arial" panose="020B0604020202020204" pitchFamily="34" charset="0"/>
-                <a:cs typeface="Arial" panose="020B0604020202020204" pitchFamily="34" charset="0"/>
-              </a:rPr>
-              <a:t> Integrated Peripherals:</a:t>
-            </a:r>
-            <a:r>
-              <a:rPr lang="en-GB" dirty="0">
-                <a:solidFill>
-                  <a:srgbClr val="374151"/>
-                </a:solidFill>
-                <a:latin typeface="Arial" panose="020B0604020202020204" pitchFamily="34" charset="0"/>
-                <a:cs typeface="Arial" panose="020B0604020202020204" pitchFamily="34" charset="0"/>
-              </a:rPr>
-              <a:t> </a:t>
-            </a:r>
-          </a:p>
-          <a:p>
-            <a:pPr algn="l">
-              <a:buFont typeface="+mj-lt"/>
-              <a:buAutoNum type="arabicPeriod" startAt="4"/>
-            </a:pPr>
-            <a:endParaRPr lang="en-GB" dirty="0">
-              <a:solidFill>
-                <a:srgbClr val="374151"/>
-              </a:solidFill>
-              <a:latin typeface="Arial" panose="020B0604020202020204" pitchFamily="34" charset="0"/>
-              <a:cs typeface="Arial" panose="020B0604020202020204" pitchFamily="34" charset="0"/>
-            </a:endParaRPr>
-          </a:p>
-          <a:p>
-            <a:pPr marL="742950" lvl="1" indent="-285750" defTabSz="914400" eaLnBrk="0" fontAlgn="base" hangingPunct="0">
-              <a:spcBef>
-                <a:spcPct val="0"/>
-              </a:spcBef>
-              <a:spcAft>
-                <a:spcPct val="0"/>
-              </a:spcAft>
-              <a:buFont typeface="Arial" panose="020B0604020202020204" pitchFamily="34" charset="0"/>
-              <a:buChar char="•"/>
-            </a:pPr>
-            <a:r>
-              <a:rPr kumimoji="0" lang="en-US" altLang="en-US" b="0" i="0" u="none" strike="noStrike" cap="none" normalizeH="0" baseline="0" dirty="0">
-                <a:ln>
-                  <a:noFill/>
-                </a:ln>
-                <a:solidFill>
-                  <a:schemeClr val="tx1"/>
-                </a:solidFill>
-                <a:effectLst/>
-                <a:latin typeface="Arial" panose="020B0604020202020204" pitchFamily="34" charset="0"/>
-                <a:cs typeface="Arial" panose="020B0604020202020204" pitchFamily="34" charset="0"/>
-              </a:rPr>
-              <a:t>ADC (Analog-to-Digital Converter), DAC (Digital-to-Analog Converter). </a:t>
-            </a:r>
-          </a:p>
-          <a:p>
-            <a:pPr marL="742950" lvl="1" indent="-285750" defTabSz="914400" eaLnBrk="0" fontAlgn="base" hangingPunct="0">
-              <a:spcBef>
-                <a:spcPct val="0"/>
-              </a:spcBef>
-              <a:spcAft>
-                <a:spcPct val="0"/>
-              </a:spcAft>
-              <a:buFont typeface="Arial" panose="020B0604020202020204" pitchFamily="34" charset="0"/>
-              <a:buChar char="•"/>
-            </a:pPr>
-            <a:r>
-              <a:rPr kumimoji="0" lang="en-US" altLang="en-US" b="0" i="0" u="none" strike="noStrike" cap="none" normalizeH="0" baseline="0" dirty="0">
-                <a:ln>
-                  <a:noFill/>
-                </a:ln>
-                <a:solidFill>
-                  <a:schemeClr val="tx1"/>
-                </a:solidFill>
-                <a:effectLst/>
-                <a:latin typeface="Arial" panose="020B0604020202020204" pitchFamily="34" charset="0"/>
-                <a:cs typeface="Arial" panose="020B0604020202020204" pitchFamily="34" charset="0"/>
-              </a:rPr>
-              <a:t>I2C</a:t>
-            </a:r>
-            <a:r>
-              <a:rPr lang="en-GB" dirty="0">
-                <a:solidFill>
-                  <a:srgbClr val="374151"/>
-                </a:solidFill>
-                <a:latin typeface="Arial" panose="020B0604020202020204" pitchFamily="34" charset="0"/>
-                <a:cs typeface="Arial" panose="020B0604020202020204" pitchFamily="34" charset="0"/>
-              </a:rPr>
-              <a:t> (Inter-Integrated Circuit),</a:t>
-            </a:r>
-            <a:r>
-              <a:rPr kumimoji="0" lang="en-US" altLang="en-US" b="0" i="0" u="none" strike="noStrike" cap="none" normalizeH="0" baseline="0" dirty="0">
-                <a:ln>
-                  <a:noFill/>
-                </a:ln>
-                <a:solidFill>
-                  <a:schemeClr val="tx1"/>
-                </a:solidFill>
-                <a:effectLst/>
-                <a:latin typeface="Arial" panose="020B0604020202020204" pitchFamily="34" charset="0"/>
-                <a:cs typeface="Arial" panose="020B0604020202020204" pitchFamily="34" charset="0"/>
-              </a:rPr>
-              <a:t> SPI </a:t>
-            </a:r>
-            <a:r>
-              <a:rPr lang="en-GB" dirty="0">
-                <a:solidFill>
-                  <a:srgbClr val="374151"/>
-                </a:solidFill>
-                <a:latin typeface="Arial" panose="020B0604020202020204" pitchFamily="34" charset="0"/>
-                <a:cs typeface="Arial" panose="020B0604020202020204" pitchFamily="34" charset="0"/>
-              </a:rPr>
-              <a:t>(Serial Peripheral Interface), </a:t>
-            </a:r>
-            <a:r>
-              <a:rPr kumimoji="0" lang="en-US" altLang="en-US" b="0" i="0" u="none" strike="noStrike" cap="none" normalizeH="0" baseline="0" dirty="0">
-                <a:ln>
-                  <a:noFill/>
-                </a:ln>
-                <a:solidFill>
-                  <a:schemeClr val="tx1"/>
-                </a:solidFill>
-                <a:effectLst/>
-                <a:latin typeface="Arial" panose="020B0604020202020204" pitchFamily="34" charset="0"/>
-                <a:cs typeface="Arial" panose="020B0604020202020204" pitchFamily="34" charset="0"/>
-              </a:rPr>
-              <a:t>UART</a:t>
-            </a:r>
-            <a:r>
-              <a:rPr lang="en-GB" dirty="0">
-                <a:solidFill>
-                  <a:srgbClr val="374151"/>
-                </a:solidFill>
-                <a:latin typeface="Arial" panose="020B0604020202020204" pitchFamily="34" charset="0"/>
-                <a:cs typeface="Arial" panose="020B0604020202020204" pitchFamily="34" charset="0"/>
-              </a:rPr>
-              <a:t> (Universal Asynchronous Receiver-Transmitter) </a:t>
-            </a:r>
-            <a:r>
-              <a:rPr kumimoji="0" lang="en-US" altLang="en-US" b="0" i="0" u="none" strike="noStrike" cap="none" normalizeH="0" baseline="0" dirty="0">
-                <a:ln>
-                  <a:noFill/>
-                </a:ln>
-                <a:solidFill>
-                  <a:schemeClr val="tx1"/>
-                </a:solidFill>
-                <a:effectLst/>
-                <a:latin typeface="Arial" panose="020B0604020202020204" pitchFamily="34" charset="0"/>
-                <a:cs typeface="Arial" panose="020B0604020202020204" pitchFamily="34" charset="0"/>
-              </a:rPr>
-              <a:t>communication interfaces. </a:t>
-            </a:r>
-          </a:p>
-          <a:p>
-            <a:pPr marL="742950" lvl="1" indent="-285750" defTabSz="914400" eaLnBrk="0" fontAlgn="base" hangingPunct="0">
-              <a:spcBef>
-                <a:spcPct val="0"/>
-              </a:spcBef>
-              <a:spcAft>
-                <a:spcPct val="0"/>
-              </a:spcAft>
-              <a:buFont typeface="Arial" panose="020B0604020202020204" pitchFamily="34" charset="0"/>
-              <a:buChar char="•"/>
-            </a:pPr>
-            <a:r>
-              <a:rPr kumimoji="0" lang="en-US" altLang="en-US" b="0" i="0" u="none" strike="noStrike" cap="none" normalizeH="0" baseline="0" dirty="0">
-                <a:ln>
-                  <a:noFill/>
-                </a:ln>
-                <a:solidFill>
-                  <a:schemeClr val="tx1"/>
-                </a:solidFill>
-                <a:effectLst/>
-                <a:latin typeface="Arial" panose="020B0604020202020204" pitchFamily="34" charset="0"/>
-                <a:cs typeface="Arial" panose="020B0604020202020204" pitchFamily="34" charset="0"/>
-              </a:rPr>
-              <a:t>PWM (Pulse Width Modulation), Timers, Capacitive Touch Sensors. </a:t>
-            </a:r>
-          </a:p>
-          <a:p>
-            <a:pPr marL="742950" lvl="1" indent="-285750" defTabSz="914400" eaLnBrk="0" fontAlgn="base" hangingPunct="0">
-              <a:spcBef>
-                <a:spcPct val="0"/>
-              </a:spcBef>
-              <a:spcAft>
-                <a:spcPct val="0"/>
-              </a:spcAft>
-              <a:buFont typeface="Arial" panose="020B0604020202020204" pitchFamily="34" charset="0"/>
-              <a:buChar char="•"/>
-            </a:pPr>
-            <a:r>
-              <a:rPr kumimoji="0" lang="en-US" altLang="en-US" b="0" i="0" u="none" strike="noStrike" cap="none" normalizeH="0" baseline="0" dirty="0">
-                <a:ln>
-                  <a:noFill/>
-                </a:ln>
-                <a:solidFill>
-                  <a:schemeClr val="tx1"/>
-                </a:solidFill>
-                <a:effectLst/>
-                <a:latin typeface="Arial" panose="020B0604020202020204" pitchFamily="34" charset="0"/>
-                <a:cs typeface="Arial" panose="020B0604020202020204" pitchFamily="34" charset="0"/>
-              </a:rPr>
-              <a:t>GPIO (General Purpose Input/Output) pins for versatile interfacing. </a:t>
-            </a:r>
-          </a:p>
-          <a:p>
-            <a:pPr marL="742950" lvl="1" indent="-285750" defTabSz="914400" eaLnBrk="0" fontAlgn="base" hangingPunct="0">
-              <a:spcBef>
-                <a:spcPct val="0"/>
-              </a:spcBef>
-              <a:spcAft>
-                <a:spcPct val="0"/>
-              </a:spcAft>
-              <a:buFont typeface="Arial" panose="020B0604020202020204" pitchFamily="34" charset="0"/>
-              <a:buChar char="•"/>
-            </a:pPr>
-            <a:endParaRPr kumimoji="0" lang="en-GB" altLang="en-US" b="0" i="0" u="none" strike="noStrike" cap="none" normalizeH="0" baseline="0" dirty="0">
-              <a:ln>
-                <a:noFill/>
-              </a:ln>
-              <a:solidFill>
-                <a:srgbClr val="374151"/>
-              </a:solidFill>
-              <a:effectLst/>
-              <a:latin typeface="Arial" panose="020B0604020202020204" pitchFamily="34" charset="0"/>
-              <a:cs typeface="Arial" panose="020B0604020202020204" pitchFamily="34" charset="0"/>
-            </a:endParaRPr>
-          </a:p>
-          <a:p>
-            <a:pPr marL="342900" indent="-342900" defTabSz="914400" eaLnBrk="0" fontAlgn="base" hangingPunct="0">
-              <a:spcBef>
-                <a:spcPct val="0"/>
-              </a:spcBef>
-              <a:spcAft>
-                <a:spcPct val="0"/>
-              </a:spcAft>
-              <a:buFont typeface="+mj-lt"/>
-              <a:buAutoNum type="arabicPeriod" startAt="4"/>
-            </a:pPr>
-            <a:r>
-              <a:rPr lang="en-GB" altLang="en-US" b="1" dirty="0">
-                <a:solidFill>
-                  <a:srgbClr val="374151"/>
-                </a:solidFill>
-                <a:latin typeface="Arial" panose="020B0604020202020204" pitchFamily="34" charset="0"/>
-                <a:cs typeface="Arial" panose="020B0604020202020204" pitchFamily="34" charset="0"/>
-              </a:rPr>
-              <a:t>Memory:</a:t>
-            </a:r>
-          </a:p>
-          <a:p>
-            <a:pPr marL="342900" indent="-342900" defTabSz="914400" eaLnBrk="0" fontAlgn="base" hangingPunct="0">
-              <a:spcBef>
-                <a:spcPct val="0"/>
-              </a:spcBef>
-              <a:spcAft>
-                <a:spcPct val="0"/>
-              </a:spcAft>
-              <a:buFont typeface="+mj-lt"/>
-              <a:buAutoNum type="arabicPeriod" startAt="4"/>
-            </a:pPr>
-            <a:endParaRPr lang="en-GB" altLang="en-US" b="1" dirty="0">
-              <a:solidFill>
-                <a:srgbClr val="374151"/>
-              </a:solidFill>
-              <a:latin typeface="Arial" panose="020B0604020202020204" pitchFamily="34" charset="0"/>
-              <a:cs typeface="Arial" panose="020B0604020202020204" pitchFamily="34" charset="0"/>
-            </a:endParaRPr>
-          </a:p>
-          <a:p>
-            <a:pPr marL="800100" lvl="1" indent="-342900" defTabSz="914400" eaLnBrk="0" fontAlgn="base" hangingPunct="0">
-              <a:spcBef>
-                <a:spcPct val="0"/>
-              </a:spcBef>
-              <a:spcAft>
-                <a:spcPct val="0"/>
-              </a:spcAft>
-              <a:buFont typeface="Arial" panose="020B0604020202020204" pitchFamily="34" charset="0"/>
-              <a:buChar char="•"/>
-            </a:pPr>
-            <a:r>
-              <a:rPr kumimoji="0" lang="en-GB" altLang="en-US" b="0" i="0" u="none" strike="noStrike" cap="none" normalizeH="0" baseline="0" dirty="0">
-                <a:ln>
-                  <a:noFill/>
-                </a:ln>
-                <a:solidFill>
-                  <a:srgbClr val="374151"/>
-                </a:solidFill>
-                <a:effectLst/>
-                <a:latin typeface="Arial" panose="020B0604020202020204" pitchFamily="34" charset="0"/>
-                <a:cs typeface="Arial" panose="020B0604020202020204" pitchFamily="34" charset="0"/>
-              </a:rPr>
-              <a:t>SRAM</a:t>
-            </a:r>
-            <a:r>
-              <a:rPr lang="en-GB" altLang="en-US" dirty="0">
-                <a:solidFill>
-                  <a:srgbClr val="374151"/>
-                </a:solidFill>
-                <a:latin typeface="Arial" panose="020B0604020202020204" pitchFamily="34" charset="0"/>
-                <a:cs typeface="Arial" panose="020B0604020202020204" pitchFamily="34" charset="0"/>
-              </a:rPr>
-              <a:t> (working memory): 520KB</a:t>
-            </a:r>
-          </a:p>
-          <a:p>
-            <a:pPr marL="800100" lvl="1" indent="-342900" defTabSz="914400" eaLnBrk="0" fontAlgn="base" hangingPunct="0">
-              <a:spcBef>
-                <a:spcPct val="0"/>
-              </a:spcBef>
-              <a:spcAft>
-                <a:spcPct val="0"/>
-              </a:spcAft>
-              <a:buFont typeface="Arial" panose="020B0604020202020204" pitchFamily="34" charset="0"/>
-              <a:buChar char="•"/>
-            </a:pPr>
-            <a:r>
-              <a:rPr kumimoji="0" lang="en-GB" altLang="en-US" b="0" i="0" u="none" strike="noStrike" cap="none" normalizeH="0" baseline="0" dirty="0">
-                <a:ln>
-                  <a:noFill/>
-                </a:ln>
-                <a:solidFill>
-                  <a:srgbClr val="374151"/>
-                </a:solidFill>
-                <a:effectLst/>
-                <a:latin typeface="Arial" panose="020B0604020202020204" pitchFamily="34" charset="0"/>
-                <a:cs typeface="Arial" panose="020B0604020202020204" pitchFamily="34" charset="0"/>
-              </a:rPr>
-              <a:t>Flash memory (</a:t>
-            </a:r>
-            <a:r>
-              <a:rPr lang="en-GB" dirty="0"/>
-              <a:t>for storing the program code and data)</a:t>
-            </a:r>
-            <a:r>
-              <a:rPr kumimoji="0" lang="en-GB" altLang="en-US" b="0" i="0" u="none" strike="noStrike" cap="none" normalizeH="0" baseline="0" dirty="0">
-                <a:ln>
-                  <a:noFill/>
-                </a:ln>
-                <a:solidFill>
-                  <a:srgbClr val="374151"/>
-                </a:solidFill>
-                <a:effectLst/>
-                <a:latin typeface="Arial" panose="020B0604020202020204" pitchFamily="34" charset="0"/>
-                <a:cs typeface="Arial" panose="020B0604020202020204" pitchFamily="34" charset="0"/>
-              </a:rPr>
-              <a:t>: 4MB, 8MB or 16MB</a:t>
-            </a:r>
-            <a:endParaRPr kumimoji="0" lang="en-US" altLang="en-US" b="0" i="0" u="none" strike="noStrike" cap="none" normalizeH="0" baseline="0" dirty="0">
-              <a:ln>
-                <a:noFill/>
-              </a:ln>
-              <a:solidFill>
-                <a:schemeClr val="tx1"/>
-              </a:solidFill>
-              <a:effectLst/>
-              <a:latin typeface="Arial" panose="020B0604020202020204" pitchFamily="34" charset="0"/>
-              <a:cs typeface="Arial" panose="020B0604020202020204" pitchFamily="34" charset="0"/>
-            </a:endParaRPr>
-          </a:p>
-        </p:txBody>
-      </p:sp>
-      <p:sp>
-        <p:nvSpPr>
-          <p:cNvPr id="4" name="CuadroTexto 1">
-            <a:extLst>
-              <a:ext uri="{FF2B5EF4-FFF2-40B4-BE49-F238E27FC236}">
-                <a16:creationId xmlns:a16="http://schemas.microsoft.com/office/drawing/2014/main" id="{CEDD14A0-FBE5-0BE7-D620-399019D8772B}"/>
-              </a:ext>
-            </a:extLst>
-          </p:cNvPr>
-          <p:cNvSpPr txBox="1"/>
-          <p:nvPr/>
-        </p:nvSpPr>
-        <p:spPr>
-          <a:xfrm>
-            <a:off x="683568" y="226988"/>
-            <a:ext cx="6552728" cy="461665"/>
-          </a:xfrm>
-          <a:prstGeom prst="rect">
-            <a:avLst/>
-          </a:prstGeom>
-          <a:noFill/>
-        </p:spPr>
-        <p:txBody>
-          <a:bodyPr wrap="square">
-            <a:spAutoFit/>
-          </a:bodyPr>
-          <a:lstStyle/>
-          <a:p>
-            <a:pPr lvl="0"/>
-            <a:r>
-              <a:rPr lang="es-ES" sz="2400" b="1" dirty="0"/>
-              <a:t>ESP32</a:t>
-            </a:r>
-            <a:endParaRPr lang="es-ES" sz="2800" b="1" dirty="0"/>
-          </a:p>
-        </p:txBody>
-      </p:sp>
-      <p:pic>
-        <p:nvPicPr>
-          <p:cNvPr id="5" name="Picture 2">
-            <a:extLst>
-              <a:ext uri="{FF2B5EF4-FFF2-40B4-BE49-F238E27FC236}">
-                <a16:creationId xmlns:a16="http://schemas.microsoft.com/office/drawing/2014/main" id="{A75038B5-F93B-FFE4-5BEC-A7DB9A97206C}"/>
-              </a:ext>
-            </a:extLst>
-          </p:cNvPr>
-          <p:cNvPicPr>
-            <a:picLocks noChangeAspect="1" noChangeArrowheads="1"/>
-          </p:cNvPicPr>
-          <p:nvPr/>
-        </p:nvPicPr>
-        <p:blipFill>
-          <a:blip r:embed="rId2">
-            <a:extLst>
-              <a:ext uri="{28A0092B-C50C-407E-A947-70E740481C1C}">
-                <a14:useLocalDpi xmlns:a14="http://schemas.microsoft.com/office/drawing/2010/main" val="0"/>
-              </a:ext>
-            </a:extLst>
-          </a:blip>
-          <a:srcRect/>
-          <a:stretch>
-            <a:fillRect/>
-          </a:stretch>
-        </p:blipFill>
-        <p:spPr bwMode="auto">
-          <a:xfrm>
-            <a:off x="797268" y="792088"/>
-            <a:ext cx="1918772" cy="1918772"/>
-          </a:xfrm>
-          <a:prstGeom prst="rect">
-            <a:avLst/>
-          </a:prstGeom>
-          <a:noFill/>
-          <a:extLst>
-            <a:ext uri="{909E8E84-426E-40DD-AFC4-6F175D3DCCD1}">
-              <a14:hiddenFill xmlns:a14="http://schemas.microsoft.com/office/drawing/2010/main">
-                <a:solidFill>
-                  <a:srgbClr val="FFFFFF"/>
-                </a:solidFill>
-              </a14:hiddenFill>
-            </a:ext>
-          </a:extLst>
-        </p:spPr>
-      </p:pic>
-      <p:pic>
-        <p:nvPicPr>
-          <p:cNvPr id="6" name="Picture 4" descr="▷ Especificaciones del módulo ESP32">
-            <a:extLst>
-              <a:ext uri="{FF2B5EF4-FFF2-40B4-BE49-F238E27FC236}">
-                <a16:creationId xmlns:a16="http://schemas.microsoft.com/office/drawing/2014/main" id="{5B155A8B-91C8-D72D-F58D-11E9ECF18F99}"/>
-              </a:ext>
-            </a:extLst>
-          </p:cNvPr>
-          <p:cNvPicPr>
-            <a:picLocks noChangeAspect="1" noChangeArrowheads="1"/>
-          </p:cNvPicPr>
-          <p:nvPr/>
-        </p:nvPicPr>
-        <p:blipFill>
-          <a:blip r:embed="rId3">
-            <a:extLst>
-              <a:ext uri="{28A0092B-C50C-407E-A947-70E740481C1C}">
-                <a14:useLocalDpi xmlns:a14="http://schemas.microsoft.com/office/drawing/2010/main" val="0"/>
-              </a:ext>
-            </a:extLst>
-          </a:blip>
-          <a:srcRect/>
-          <a:stretch>
-            <a:fillRect/>
-          </a:stretch>
-        </p:blipFill>
-        <p:spPr bwMode="auto">
-          <a:xfrm>
-            <a:off x="2881946" y="363985"/>
-            <a:ext cx="6166429" cy="3065015"/>
-          </a:xfrm>
-          <a:prstGeom prst="rect">
-            <a:avLst/>
-          </a:prstGeom>
-          <a:noFill/>
-          <a:extLst>
-            <a:ext uri="{909E8E84-426E-40DD-AFC4-6F175D3DCCD1}">
-              <a14:hiddenFill xmlns:a14="http://schemas.microsoft.com/office/drawing/2010/main">
-                <a:solidFill>
-                  <a:srgbClr val="FFFFFF"/>
-                </a:solidFill>
-              </a14:hiddenFill>
-            </a:ext>
-          </a:extLst>
-        </p:spPr>
-      </p:pic>
-    </p:spTree>
-    <p:extLst>
-      <p:ext uri="{BB962C8B-B14F-4D97-AF65-F5344CB8AC3E}">
-        <p14:creationId xmlns:p14="http://schemas.microsoft.com/office/powerpoint/2010/main" val="3869370634"/>
-      </p:ext>
-    </p:extLst>
-  </p:cSld>
-  <p:clrMapOvr>
-    <a:masterClrMapping/>
-  </p:clrMapOvr>
-</p:sld>
-</file>
-
-<file path=ppt/slides/slide4.xml><?xml version="1.0" encoding="utf-8"?>
-<p:sld xmlns:a="http://schemas.openxmlformats.org/drawingml/2006/main" xmlns:r="http://schemas.openxmlformats.org/officeDocument/2006/relationships" xmlns:p="http://schemas.openxmlformats.org/presentationml/2006/main">
-  <p:cSld>
-    <p:spTree>
-      <p:nvGrpSpPr>
-        <p:cNvPr id="1" name=""/>
-        <p:cNvGrpSpPr/>
-        <p:nvPr/>
-      </p:nvGrpSpPr>
-      <p:grpSpPr>
-        <a:xfrm>
-          <a:off x="0" y="0"/>
-          <a:ext cx="0" cy="0"/>
-          <a:chOff x="0" y="0"/>
-          <a:chExt cx="0" cy="0"/>
-        </a:xfrm>
-      </p:grpSpPr>
-      <p:sp>
-        <p:nvSpPr>
-          <p:cNvPr id="3" name="TextBox 2">
-            <a:extLst>
-              <a:ext uri="{FF2B5EF4-FFF2-40B4-BE49-F238E27FC236}">
-                <a16:creationId xmlns:a16="http://schemas.microsoft.com/office/drawing/2014/main" id="{86774049-770F-4CF0-0DDE-3DF9CDD4B7A2}"/>
-              </a:ext>
-            </a:extLst>
-          </p:cNvPr>
-          <p:cNvSpPr txBox="1"/>
-          <p:nvPr/>
-        </p:nvSpPr>
-        <p:spPr>
-          <a:xfrm>
-            <a:off x="330450" y="3356572"/>
-            <a:ext cx="8206967" cy="3416320"/>
-          </a:xfrm>
-          <a:prstGeom prst="rect">
-            <a:avLst/>
-          </a:prstGeom>
-          <a:noFill/>
-        </p:spPr>
-        <p:txBody>
-          <a:bodyPr wrap="square">
-            <a:spAutoFit/>
-          </a:bodyPr>
-          <a:lstStyle/>
-          <a:p>
-            <a:pPr marL="342900" indent="-342900" algn="l">
-              <a:buFont typeface="+mj-lt"/>
-              <a:buAutoNum type="arabicPeriod" startAt="6"/>
-            </a:pPr>
-            <a:r>
-              <a:rPr lang="en-GB" b="1" dirty="0">
-                <a:solidFill>
-                  <a:srgbClr val="374151"/>
-                </a:solidFill>
-                <a:latin typeface="Söhne"/>
-              </a:rPr>
-              <a:t> Low Power Consumption:</a:t>
-            </a:r>
-            <a:r>
-              <a:rPr lang="en-GB" dirty="0">
-                <a:solidFill>
-                  <a:srgbClr val="374151"/>
-                </a:solidFill>
-                <a:latin typeface="Söhne"/>
-              </a:rPr>
-              <a:t> </a:t>
-            </a:r>
-          </a:p>
-          <a:p>
-            <a:pPr lvl="1"/>
-            <a:r>
-              <a:rPr lang="en-GB" dirty="0">
-                <a:solidFill>
-                  <a:srgbClr val="374151"/>
-                </a:solidFill>
-                <a:latin typeface="Söhne"/>
-              </a:rPr>
-              <a:t>making it suitable for battery-powered applications.</a:t>
-            </a:r>
-          </a:p>
-          <a:p>
-            <a:pPr lvl="1"/>
-            <a:endParaRPr lang="en-GB" dirty="0">
-              <a:solidFill>
-                <a:srgbClr val="374151"/>
-              </a:solidFill>
-              <a:latin typeface="Söhne"/>
-            </a:endParaRPr>
-          </a:p>
-          <a:p>
-            <a:pPr>
-              <a:buFont typeface="+mj-lt"/>
-              <a:buAutoNum type="arabicPeriod" startAt="6"/>
-            </a:pPr>
-            <a:r>
-              <a:rPr lang="en-GB" b="1" dirty="0">
-                <a:solidFill>
-                  <a:srgbClr val="374151"/>
-                </a:solidFill>
-                <a:latin typeface="Söhne"/>
-              </a:rPr>
-              <a:t> Rich Development Ecosystem:</a:t>
-            </a:r>
-          </a:p>
-          <a:p>
-            <a:pPr marL="742950" lvl="1" indent="-285750">
-              <a:buFont typeface="Arial" panose="020B0604020202020204" pitchFamily="34" charset="0"/>
-              <a:buChar char="•"/>
-            </a:pPr>
-            <a:r>
-              <a:rPr lang="en-GB" dirty="0"/>
-              <a:t>Well-supported by </a:t>
-            </a:r>
-            <a:r>
-              <a:rPr lang="en-GB" dirty="0" err="1"/>
-              <a:t>Espressif's</a:t>
-            </a:r>
-            <a:r>
-              <a:rPr lang="en-GB" dirty="0"/>
-              <a:t> ESP-IDF (IoT Development Framework).</a:t>
-            </a:r>
-            <a:endParaRPr lang="en-GB" b="1" dirty="0">
-              <a:solidFill>
-                <a:srgbClr val="374151"/>
-              </a:solidFill>
-              <a:latin typeface="Söhne"/>
-            </a:endParaRPr>
-          </a:p>
-          <a:p>
-            <a:pPr marL="742950" lvl="1" indent="-285750">
-              <a:buFont typeface="Arial" panose="020B0604020202020204" pitchFamily="34" charset="0"/>
-              <a:buChar char="•"/>
-            </a:pPr>
-            <a:r>
-              <a:rPr lang="en-GB" dirty="0"/>
-              <a:t>Arduino IDE compatibility for easier programming.</a:t>
-            </a:r>
-            <a:endParaRPr lang="en-GB" b="1" dirty="0">
-              <a:solidFill>
-                <a:srgbClr val="374151"/>
-              </a:solidFill>
-              <a:latin typeface="Söhne"/>
-            </a:endParaRPr>
-          </a:p>
-          <a:p>
-            <a:pPr marL="742950" lvl="1" indent="-285750">
-              <a:buFont typeface="Arial" panose="020B0604020202020204" pitchFamily="34" charset="0"/>
-              <a:buChar char="•"/>
-            </a:pPr>
-            <a:r>
-              <a:rPr lang="en-GB" dirty="0"/>
-              <a:t>Large community and extensive documentation.</a:t>
-            </a:r>
-          </a:p>
-          <a:p>
-            <a:pPr marL="742950" lvl="1" indent="-285750">
-              <a:buFont typeface="Arial" panose="020B0604020202020204" pitchFamily="34" charset="0"/>
-              <a:buChar char="•"/>
-            </a:pPr>
-            <a:endParaRPr lang="en-GB" dirty="0">
-              <a:solidFill>
-                <a:srgbClr val="374151"/>
-              </a:solidFill>
-              <a:latin typeface="Söhne"/>
-            </a:endParaRPr>
-          </a:p>
-          <a:p>
-            <a:pPr marL="342900" indent="-342900">
-              <a:buFont typeface="+mj-lt"/>
-              <a:buAutoNum type="arabicPeriod" startAt="8"/>
-            </a:pPr>
-            <a:r>
-              <a:rPr lang="en-GB" b="1" dirty="0"/>
-              <a:t>Cost-Effective:</a:t>
-            </a:r>
-            <a:r>
-              <a:rPr lang="en-GB" dirty="0"/>
-              <a:t> </a:t>
-            </a:r>
-          </a:p>
-          <a:p>
-            <a:pPr marL="800100" lvl="1" indent="-342900">
-              <a:buFont typeface="Arial" panose="020B0604020202020204" pitchFamily="34" charset="0"/>
-              <a:buChar char="•"/>
-            </a:pPr>
-            <a:r>
-              <a:rPr lang="en-GB" dirty="0"/>
-              <a:t>Relatively low cost makes it accessible for hobbyists and professionals.</a:t>
-            </a:r>
-          </a:p>
-          <a:p>
-            <a:pPr marL="742950" lvl="1" indent="-285750">
-              <a:buFont typeface="Arial" panose="020B0604020202020204" pitchFamily="34" charset="0"/>
-              <a:buChar char="•"/>
-            </a:pPr>
-            <a:endParaRPr lang="en-GB" b="1" dirty="0">
-              <a:solidFill>
-                <a:srgbClr val="374151"/>
-              </a:solidFill>
-              <a:latin typeface="Söhne"/>
-            </a:endParaRPr>
-          </a:p>
-          <a:p>
-            <a:pPr lvl="2"/>
-            <a:endParaRPr lang="en-GB" dirty="0">
-              <a:solidFill>
-                <a:srgbClr val="374151"/>
-              </a:solidFill>
-              <a:latin typeface="Söhne"/>
-            </a:endParaRPr>
-          </a:p>
-        </p:txBody>
-      </p:sp>
-      <p:sp>
-        <p:nvSpPr>
-          <p:cNvPr id="4" name="CuadroTexto 1">
-            <a:extLst>
-              <a:ext uri="{FF2B5EF4-FFF2-40B4-BE49-F238E27FC236}">
-                <a16:creationId xmlns:a16="http://schemas.microsoft.com/office/drawing/2014/main" id="{F6A9DE15-13B0-6A8F-7499-539CC273752E}"/>
-              </a:ext>
-            </a:extLst>
-          </p:cNvPr>
-          <p:cNvSpPr txBox="1"/>
-          <p:nvPr/>
-        </p:nvSpPr>
-        <p:spPr>
-          <a:xfrm>
-            <a:off x="683568" y="226988"/>
-            <a:ext cx="6552728" cy="461665"/>
-          </a:xfrm>
-          <a:prstGeom prst="rect">
-            <a:avLst/>
-          </a:prstGeom>
-          <a:noFill/>
-        </p:spPr>
-        <p:txBody>
-          <a:bodyPr wrap="square">
-            <a:spAutoFit/>
-          </a:bodyPr>
-          <a:lstStyle/>
-          <a:p>
-            <a:pPr lvl="0"/>
-            <a:r>
-              <a:rPr lang="es-ES" sz="2400" b="1" dirty="0"/>
-              <a:t>ESP32</a:t>
-            </a:r>
-            <a:endParaRPr lang="es-ES" sz="2800" b="1" dirty="0"/>
-          </a:p>
-        </p:txBody>
-      </p:sp>
-      <p:pic>
-        <p:nvPicPr>
-          <p:cNvPr id="5" name="Picture 2">
-            <a:extLst>
-              <a:ext uri="{FF2B5EF4-FFF2-40B4-BE49-F238E27FC236}">
-                <a16:creationId xmlns:a16="http://schemas.microsoft.com/office/drawing/2014/main" id="{E86C8AAC-647F-AAE5-D4A8-9B374D2ACA5E}"/>
-              </a:ext>
-            </a:extLst>
-          </p:cNvPr>
-          <p:cNvPicPr>
-            <a:picLocks noChangeAspect="1" noChangeArrowheads="1"/>
-          </p:cNvPicPr>
-          <p:nvPr/>
-        </p:nvPicPr>
-        <p:blipFill>
-          <a:blip r:embed="rId2">
-            <a:extLst>
-              <a:ext uri="{28A0092B-C50C-407E-A947-70E740481C1C}">
-                <a14:useLocalDpi xmlns:a14="http://schemas.microsoft.com/office/drawing/2010/main" val="0"/>
-              </a:ext>
-            </a:extLst>
-          </a:blip>
-          <a:srcRect/>
-          <a:stretch>
-            <a:fillRect/>
-          </a:stretch>
-        </p:blipFill>
-        <p:spPr bwMode="auto">
-          <a:xfrm>
-            <a:off x="797268" y="792088"/>
-            <a:ext cx="2636912" cy="2636912"/>
-          </a:xfrm>
-          <a:prstGeom prst="rect">
-            <a:avLst/>
-          </a:prstGeom>
-          <a:noFill/>
-          <a:extLst>
-            <a:ext uri="{909E8E84-426E-40DD-AFC4-6F175D3DCCD1}">
-              <a14:hiddenFill xmlns:a14="http://schemas.microsoft.com/office/drawing/2010/main">
-                <a:solidFill>
-                  <a:srgbClr val="FFFFFF"/>
-                </a:solidFill>
-              </a14:hiddenFill>
-            </a:ext>
-          </a:extLst>
-        </p:spPr>
-      </p:pic>
-      <p:pic>
-        <p:nvPicPr>
-          <p:cNvPr id="6" name="Picture 4" descr="▷ Especificaciones del módulo ESP32">
-            <a:extLst>
-              <a:ext uri="{FF2B5EF4-FFF2-40B4-BE49-F238E27FC236}">
-                <a16:creationId xmlns:a16="http://schemas.microsoft.com/office/drawing/2014/main" id="{36AA5464-F9AC-1074-DCAA-C7E130EF3B05}"/>
-              </a:ext>
-            </a:extLst>
-          </p:cNvPr>
-          <p:cNvPicPr>
-            <a:picLocks noChangeAspect="1" noChangeArrowheads="1"/>
-          </p:cNvPicPr>
-          <p:nvPr/>
-        </p:nvPicPr>
-        <p:blipFill>
-          <a:blip r:embed="rId3">
-            <a:extLst>
-              <a:ext uri="{28A0092B-C50C-407E-A947-70E740481C1C}">
-                <a14:useLocalDpi xmlns:a14="http://schemas.microsoft.com/office/drawing/2010/main" val="0"/>
-              </a:ext>
-            </a:extLst>
-          </a:blip>
-          <a:srcRect/>
-          <a:stretch>
-            <a:fillRect/>
-          </a:stretch>
-        </p:blipFill>
-        <p:spPr bwMode="auto">
-          <a:xfrm>
-            <a:off x="3835175" y="792088"/>
-            <a:ext cx="4570404" cy="2271713"/>
-          </a:xfrm>
-          <a:prstGeom prst="rect">
-            <a:avLst/>
-          </a:prstGeom>
-          <a:noFill/>
-          <a:extLst>
-            <a:ext uri="{909E8E84-426E-40DD-AFC4-6F175D3DCCD1}">
-              <a14:hiddenFill xmlns:a14="http://schemas.microsoft.com/office/drawing/2010/main">
-                <a:solidFill>
-                  <a:srgbClr val="FFFFFF"/>
-                </a:solidFill>
-              </a14:hiddenFill>
-            </a:ext>
-          </a:extLst>
-        </p:spPr>
-      </p:pic>
-      <p:sp>
-        <p:nvSpPr>
-          <p:cNvPr id="9" name="TextBox 8">
-            <a:extLst>
-              <a:ext uri="{FF2B5EF4-FFF2-40B4-BE49-F238E27FC236}">
-                <a16:creationId xmlns:a16="http://schemas.microsoft.com/office/drawing/2014/main" id="{1CADEB12-A28C-5244-0C2B-3A786FE1B46A}"/>
-              </a:ext>
-            </a:extLst>
-          </p:cNvPr>
-          <p:cNvSpPr txBox="1"/>
-          <p:nvPr/>
-        </p:nvSpPr>
-        <p:spPr>
-          <a:xfrm>
-            <a:off x="1907704" y="268868"/>
-            <a:ext cx="6053260" cy="523220"/>
-          </a:xfrm>
-          <a:prstGeom prst="rect">
-            <a:avLst/>
-          </a:prstGeom>
-          <a:noFill/>
-        </p:spPr>
-        <p:txBody>
-          <a:bodyPr wrap="none" rtlCol="0">
-            <a:spAutoFit/>
-          </a:bodyPr>
-          <a:lstStyle/>
-          <a:p>
-            <a:r>
-              <a:rPr lang="en-GB" sz="1400" i="1" dirty="0">
-                <a:hlinkClick r:id="rId4"/>
-              </a:rPr>
-              <a:t>https://docs.espressif.com/projects/arduino-esp32/en/latest/installing.html</a:t>
-            </a:r>
-            <a:endParaRPr lang="en-GB" sz="1400" i="1" dirty="0"/>
-          </a:p>
-          <a:p>
-            <a:endParaRPr lang="en-GB" sz="1400" i="1" dirty="0"/>
-          </a:p>
-        </p:txBody>
-      </p:sp>
-    </p:spTree>
-    <p:extLst>
-      <p:ext uri="{BB962C8B-B14F-4D97-AF65-F5344CB8AC3E}">
-        <p14:creationId xmlns:p14="http://schemas.microsoft.com/office/powerpoint/2010/main" val="2860579076"/>
-      </p:ext>
-    </p:extLst>
-  </p:cSld>
-  <p:clrMapOvr>
-    <a:masterClrMapping/>
-  </p:clrMapOvr>
-</p:sld>
-</file>
-
-<file path=ppt/slides/slide5.xml><?xml version="1.0" encoding="utf-8"?>
-<p:sld xmlns:a="http://schemas.openxmlformats.org/drawingml/2006/main" xmlns:r="http://schemas.openxmlformats.org/officeDocument/2006/relationships" xmlns:p="http://schemas.openxmlformats.org/presentationml/2006/main">
-  <p:cSld>
-    <p:spTree>
-      <p:nvGrpSpPr>
-        <p:cNvPr id="1" name=""/>
-        <p:cNvGrpSpPr/>
-        <p:nvPr/>
-      </p:nvGrpSpPr>
-      <p:grpSpPr>
-        <a:xfrm>
-          <a:off x="0" y="0"/>
-          <a:ext cx="0" cy="0"/>
-          <a:chOff x="0" y="0"/>
-          <a:chExt cx="0" cy="0"/>
-        </a:xfrm>
-      </p:grpSpPr>
-      <p:sp>
-        <p:nvSpPr>
-          <p:cNvPr id="2" name="TextBox 1">
-            <a:extLst>
-              <a:ext uri="{FF2B5EF4-FFF2-40B4-BE49-F238E27FC236}">
-                <a16:creationId xmlns:a16="http://schemas.microsoft.com/office/drawing/2014/main" id="{1B20BD6C-0AAE-C385-5AB0-0C41AD330BFD}"/>
-              </a:ext>
-            </a:extLst>
-          </p:cNvPr>
-          <p:cNvSpPr txBox="1"/>
-          <p:nvPr/>
-        </p:nvSpPr>
-        <p:spPr>
-          <a:xfrm>
-            <a:off x="2090787" y="480423"/>
-            <a:ext cx="6826875" cy="2585323"/>
-          </a:xfrm>
-          <a:prstGeom prst="rect">
-            <a:avLst/>
-          </a:prstGeom>
-          <a:noFill/>
-        </p:spPr>
-        <p:txBody>
-          <a:bodyPr wrap="square" rtlCol="0">
-            <a:spAutoFit/>
-          </a:bodyPr>
-          <a:lstStyle/>
-          <a:p>
-            <a:pPr lvl="1" defTabSz="914400" eaLnBrk="0" fontAlgn="base" hangingPunct="0">
-              <a:spcBef>
-                <a:spcPct val="0"/>
-              </a:spcBef>
-              <a:spcAft>
-                <a:spcPct val="0"/>
-              </a:spcAft>
-            </a:pPr>
-            <a:r>
-              <a:rPr kumimoji="0" lang="en-US" altLang="en-US" b="0" i="0" u="none" strike="noStrike" cap="none" normalizeH="0" baseline="0" dirty="0">
-                <a:ln>
-                  <a:noFill/>
-                </a:ln>
-                <a:solidFill>
-                  <a:schemeClr val="tx1"/>
-                </a:solidFill>
-                <a:effectLst/>
-                <a:latin typeface="Arial" panose="020B0604020202020204" pitchFamily="34" charset="0"/>
-                <a:cs typeface="Arial" panose="020B0604020202020204" pitchFamily="34" charset="0"/>
-              </a:rPr>
-              <a:t>Wi-Fi modes </a:t>
-            </a:r>
-          </a:p>
-          <a:p>
-            <a:pPr lvl="2" defTabSz="914400" eaLnBrk="0" fontAlgn="base" hangingPunct="0">
-              <a:spcBef>
-                <a:spcPct val="0"/>
-              </a:spcBef>
-              <a:spcAft>
-                <a:spcPct val="0"/>
-              </a:spcAft>
-            </a:pPr>
-            <a:r>
-              <a:rPr lang="en-GB" b="1" dirty="0"/>
-              <a:t>Station Mode (STA):</a:t>
-            </a:r>
-            <a:r>
-              <a:rPr lang="en-GB" dirty="0"/>
-              <a:t> In this mode, the ESP32 connects to an existing Wi-Fi network as a client.</a:t>
-            </a:r>
-            <a:endParaRPr kumimoji="0" lang="en-US" altLang="en-US" b="0" i="0" u="none" strike="noStrike" cap="none" normalizeH="0" baseline="0" dirty="0">
-              <a:ln>
-                <a:noFill/>
-              </a:ln>
-              <a:solidFill>
-                <a:schemeClr val="tx1"/>
-              </a:solidFill>
-              <a:effectLst/>
-              <a:latin typeface="Arial" panose="020B0604020202020204" pitchFamily="34" charset="0"/>
-              <a:cs typeface="Arial" panose="020B0604020202020204" pitchFamily="34" charset="0"/>
-            </a:endParaRPr>
-          </a:p>
-          <a:p>
-            <a:pPr lvl="2" defTabSz="914400" eaLnBrk="0" fontAlgn="base" hangingPunct="0">
-              <a:spcBef>
-                <a:spcPct val="0"/>
-              </a:spcBef>
-              <a:spcAft>
-                <a:spcPct val="0"/>
-              </a:spcAft>
-            </a:pPr>
-            <a:r>
-              <a:rPr lang="en-GB" b="1" dirty="0"/>
-              <a:t>Access Point Mode (AP):</a:t>
-            </a:r>
-            <a:r>
-              <a:rPr lang="en-GB" dirty="0"/>
-              <a:t> In this mode, the ESP32 acts as a Wi-Fi hotspot, allowing other devices to connect to it. </a:t>
-            </a:r>
-            <a:r>
-              <a:rPr lang="en-GB" b="1" dirty="0"/>
-              <a:t>Station + Access Point Mode (STA+AP):</a:t>
-            </a:r>
-            <a:r>
-              <a:rPr lang="en-GB" dirty="0"/>
-              <a:t> This mode combines both Station and Access Point modes. The ESP32 can connect to an existing Wi-Fi network while simultaneously acting as a Wi-Fi hotspot for other devices. </a:t>
-            </a:r>
-          </a:p>
-        </p:txBody>
-      </p:sp>
-      <p:sp>
-        <p:nvSpPr>
-          <p:cNvPr id="3" name="CuadroTexto 1">
-            <a:extLst>
-              <a:ext uri="{FF2B5EF4-FFF2-40B4-BE49-F238E27FC236}">
-                <a16:creationId xmlns:a16="http://schemas.microsoft.com/office/drawing/2014/main" id="{D54D27D5-A3B2-2264-E98A-42879C314689}"/>
-              </a:ext>
-            </a:extLst>
-          </p:cNvPr>
-          <p:cNvSpPr txBox="1"/>
-          <p:nvPr/>
-        </p:nvSpPr>
-        <p:spPr>
-          <a:xfrm>
-            <a:off x="683568" y="226988"/>
-            <a:ext cx="6552728" cy="461665"/>
-          </a:xfrm>
-          <a:prstGeom prst="rect">
-            <a:avLst/>
-          </a:prstGeom>
-          <a:noFill/>
-        </p:spPr>
-        <p:txBody>
-          <a:bodyPr wrap="square">
-            <a:spAutoFit/>
-          </a:bodyPr>
-          <a:lstStyle/>
-          <a:p>
-            <a:pPr lvl="0"/>
-            <a:r>
-              <a:rPr lang="es-ES" sz="2400" b="1" dirty="0"/>
-              <a:t>ESP32</a:t>
-            </a:r>
-            <a:endParaRPr lang="es-ES" sz="2800" b="1" dirty="0"/>
-          </a:p>
-        </p:txBody>
-      </p:sp>
-      <p:pic>
-        <p:nvPicPr>
-          <p:cNvPr id="4" name="Picture 2">
-            <a:extLst>
-              <a:ext uri="{FF2B5EF4-FFF2-40B4-BE49-F238E27FC236}">
-                <a16:creationId xmlns:a16="http://schemas.microsoft.com/office/drawing/2014/main" id="{801F6422-5FCD-3952-1DA8-CA4269FEF351}"/>
-              </a:ext>
-            </a:extLst>
-          </p:cNvPr>
-          <p:cNvPicPr>
-            <a:picLocks noChangeAspect="1" noChangeArrowheads="1"/>
-          </p:cNvPicPr>
-          <p:nvPr/>
-        </p:nvPicPr>
-        <p:blipFill>
-          <a:blip r:embed="rId2">
-            <a:extLst>
-              <a:ext uri="{28A0092B-C50C-407E-A947-70E740481C1C}">
-                <a14:useLocalDpi xmlns:a14="http://schemas.microsoft.com/office/drawing/2010/main" val="0"/>
-              </a:ext>
-            </a:extLst>
-          </a:blip>
-          <a:srcRect/>
-          <a:stretch>
-            <a:fillRect/>
-          </a:stretch>
-        </p:blipFill>
-        <p:spPr bwMode="auto">
-          <a:xfrm>
-            <a:off x="797268" y="792088"/>
-            <a:ext cx="1918772" cy="1918772"/>
-          </a:xfrm>
-          <a:prstGeom prst="rect">
-            <a:avLst/>
-          </a:prstGeom>
-          <a:noFill/>
-          <a:extLst>
-            <a:ext uri="{909E8E84-426E-40DD-AFC4-6F175D3DCCD1}">
-              <a14:hiddenFill xmlns:a14="http://schemas.microsoft.com/office/drawing/2010/main">
-                <a:solidFill>
-                  <a:srgbClr val="FFFFFF"/>
-                </a:solidFill>
-              </a14:hiddenFill>
-            </a:ext>
-          </a:extLst>
-        </p:spPr>
-      </p:pic>
-      <p:sp>
-        <p:nvSpPr>
-          <p:cNvPr id="5" name="TextBox 4">
-            <a:extLst>
-              <a:ext uri="{FF2B5EF4-FFF2-40B4-BE49-F238E27FC236}">
-                <a16:creationId xmlns:a16="http://schemas.microsoft.com/office/drawing/2014/main" id="{0659B705-075C-3769-2E7E-80891C21D802}"/>
-              </a:ext>
-            </a:extLst>
-          </p:cNvPr>
-          <p:cNvSpPr txBox="1"/>
-          <p:nvPr/>
-        </p:nvSpPr>
-        <p:spPr>
-          <a:xfrm>
-            <a:off x="468533" y="3178703"/>
-            <a:ext cx="8351790" cy="3416320"/>
-          </a:xfrm>
-          <a:prstGeom prst="rect">
-            <a:avLst/>
-          </a:prstGeom>
-          <a:noFill/>
-        </p:spPr>
-        <p:txBody>
-          <a:bodyPr wrap="square" rtlCol="0">
-            <a:spAutoFit/>
-          </a:bodyPr>
-          <a:lstStyle/>
-          <a:p>
-            <a:r>
-              <a:rPr lang="en-GB" dirty="0"/>
-              <a:t>MQTT (</a:t>
-            </a:r>
-            <a:r>
-              <a:rPr lang="en-GB" b="1" dirty="0"/>
-              <a:t>Message Queuing Telemetry Transport):</a:t>
-            </a:r>
-          </a:p>
-          <a:p>
-            <a:r>
-              <a:rPr lang="en-GB" dirty="0"/>
-              <a:t>Is a lightweight messaging protocol designed for machine-to-machine (M2M) communication and the Internet of Things (IoT).</a:t>
-            </a:r>
-          </a:p>
-          <a:p>
-            <a:r>
-              <a:rPr lang="en-GB" dirty="0" err="1"/>
-              <a:t>Exemple</a:t>
-            </a:r>
-            <a:r>
-              <a:rPr lang="en-GB" dirty="0"/>
-              <a:t>: weather station that measures temperature and humidity:</a:t>
-            </a:r>
-          </a:p>
-          <a:p>
-            <a:pPr lvl="1">
-              <a:buFont typeface="+mj-lt"/>
-              <a:buAutoNum type="arabicPeriod"/>
-            </a:pPr>
-            <a:r>
-              <a:rPr lang="en-GB" dirty="0"/>
-              <a:t>The weather station (a "client") "publishes" its readings to a topic called "weather/station1".</a:t>
-            </a:r>
-          </a:p>
-          <a:p>
-            <a:pPr lvl="1">
-              <a:buFont typeface="+mj-lt"/>
-              <a:buAutoNum type="arabicPeriod"/>
-            </a:pPr>
-            <a:r>
-              <a:rPr lang="en-GB" dirty="0"/>
-              <a:t>Your phone and a display in your house (also "clients") "subscribe" to the "weather/station1" topic.</a:t>
-            </a:r>
-          </a:p>
-          <a:p>
-            <a:pPr lvl="1">
-              <a:buFont typeface="+mj-lt"/>
-              <a:buAutoNum type="arabicPeriod"/>
-            </a:pPr>
-            <a:r>
-              <a:rPr lang="en-GB" dirty="0"/>
-              <a:t>The MQTT "broker" manage the topics and messaging transmission.</a:t>
-            </a:r>
-          </a:p>
-          <a:p>
-            <a:r>
-              <a:rPr lang="en-GB" dirty="0"/>
-              <a:t>Everyone who's interested in the weather data gets it in real-time.</a:t>
-            </a:r>
-          </a:p>
-          <a:p>
-            <a:endParaRPr lang="en-GB" dirty="0"/>
-          </a:p>
-          <a:p>
-            <a:r>
-              <a:rPr lang="en-GB" dirty="0"/>
-              <a:t>MQTT is a powerful tool for IoT solutions.</a:t>
-            </a:r>
-          </a:p>
-        </p:txBody>
-      </p:sp>
-    </p:spTree>
-    <p:extLst>
-      <p:ext uri="{BB962C8B-B14F-4D97-AF65-F5344CB8AC3E}">
-        <p14:creationId xmlns:p14="http://schemas.microsoft.com/office/powerpoint/2010/main" val="2176756607"/>
-      </p:ext>
-    </p:extLst>
-  </p:cSld>
-  <p:clrMapOvr>
-    <a:masterClrMapping/>
-  </p:clrMapOvr>
-</p:sld>
-</file>
-
-<file path=ppt/slides/slide6.xml><?xml version="1.0" encoding="utf-8"?>
-<p:sld xmlns:a="http://schemas.openxmlformats.org/drawingml/2006/main" xmlns:r="http://schemas.openxmlformats.org/officeDocument/2006/relationships" xmlns:p="http://schemas.openxmlformats.org/presentationml/2006/main">
-  <p:cSld>
-    <p:spTree>
-      <p:nvGrpSpPr>
-        <p:cNvPr id="1" name=""/>
-        <p:cNvGrpSpPr/>
-        <p:nvPr/>
-      </p:nvGrpSpPr>
-      <p:grpSpPr>
-        <a:xfrm>
-          <a:off x="0" y="0"/>
-          <a:ext cx="0" cy="0"/>
-          <a:chOff x="0" y="0"/>
-          <a:chExt cx="0" cy="0"/>
-        </a:xfrm>
-      </p:grpSpPr>
-      <p:sp>
-        <p:nvSpPr>
-          <p:cNvPr id="2" name="TextBox 1">
-            <a:extLst>
-              <a:ext uri="{FF2B5EF4-FFF2-40B4-BE49-F238E27FC236}">
-                <a16:creationId xmlns:a16="http://schemas.microsoft.com/office/drawing/2014/main" id="{8C6E293D-9425-540D-58D5-A2CF27168AF2}"/>
-              </a:ext>
-            </a:extLst>
-          </p:cNvPr>
-          <p:cNvSpPr txBox="1"/>
-          <p:nvPr/>
-        </p:nvSpPr>
-        <p:spPr>
-          <a:xfrm>
-            <a:off x="289711" y="371193"/>
-            <a:ext cx="8139472" cy="3139321"/>
-          </a:xfrm>
-          <a:prstGeom prst="rect">
-            <a:avLst/>
-          </a:prstGeom>
-          <a:noFill/>
-        </p:spPr>
-        <p:txBody>
-          <a:bodyPr wrap="none" rtlCol="0">
-            <a:spAutoFit/>
-          </a:bodyPr>
-          <a:lstStyle/>
-          <a:p>
-            <a:r>
-              <a:rPr lang="es-ES" dirty="0"/>
-              <a:t>Exemples:</a:t>
-            </a:r>
-          </a:p>
-          <a:p>
-            <a:pPr marL="285750" indent="-285750">
-              <a:buFontTx/>
-              <a:buChar char="-"/>
-            </a:pPr>
-            <a:r>
-              <a:rPr lang="es-ES" dirty="0"/>
-              <a:t>Read IMU and </a:t>
-            </a:r>
-            <a:r>
-              <a:rPr lang="es-ES" dirty="0" err="1"/>
-              <a:t>send</a:t>
-            </a:r>
-            <a:r>
-              <a:rPr lang="es-ES" dirty="0"/>
-              <a:t> data to web server</a:t>
-            </a:r>
-          </a:p>
-          <a:p>
-            <a:pPr marL="285750" indent="-285750">
-              <a:buFontTx/>
-              <a:buChar char="-"/>
-            </a:pPr>
-            <a:r>
-              <a:rPr lang="es-ES" dirty="0"/>
-              <a:t>Read IMU and </a:t>
-            </a:r>
-            <a:r>
-              <a:rPr lang="es-ES" dirty="0" err="1"/>
-              <a:t>publish</a:t>
-            </a:r>
-            <a:r>
-              <a:rPr lang="es-ES" dirty="0"/>
-              <a:t> data to </a:t>
-            </a:r>
-            <a:r>
-              <a:rPr lang="es-ES" dirty="0" err="1"/>
-              <a:t>topic</a:t>
-            </a:r>
-            <a:r>
-              <a:rPr lang="es-ES" dirty="0"/>
-              <a:t> </a:t>
-            </a:r>
-            <a:r>
-              <a:rPr lang="es-ES" dirty="0" err="1"/>
-              <a:t>using</a:t>
-            </a:r>
-            <a:r>
-              <a:rPr lang="es-ES" dirty="0"/>
-              <a:t> </a:t>
-            </a:r>
-            <a:r>
-              <a:rPr lang="es-ES" dirty="0" err="1"/>
-              <a:t>mqtt</a:t>
-            </a:r>
-            <a:r>
-              <a:rPr lang="es-ES" dirty="0"/>
-              <a:t> </a:t>
-            </a:r>
-            <a:r>
-              <a:rPr lang="es-ES" dirty="0" err="1"/>
-              <a:t>messaging</a:t>
-            </a:r>
-            <a:r>
-              <a:rPr lang="es-ES" dirty="0"/>
-              <a:t> </a:t>
-            </a:r>
-            <a:r>
-              <a:rPr lang="es-ES" dirty="0" err="1"/>
-              <a:t>protocol</a:t>
-            </a:r>
-            <a:endParaRPr lang="es-ES" dirty="0"/>
-          </a:p>
-          <a:p>
-            <a:pPr marL="742950" lvl="1" indent="-285750">
-              <a:buFontTx/>
-              <a:buChar char="-"/>
-            </a:pPr>
-            <a:r>
-              <a:rPr lang="es-ES" dirty="0" err="1"/>
-              <a:t>Create</a:t>
-            </a:r>
-            <a:r>
-              <a:rPr lang="es-ES" dirty="0"/>
-              <a:t> a </a:t>
-            </a:r>
-            <a:r>
-              <a:rPr lang="es-ES" dirty="0" err="1"/>
-              <a:t>webpage</a:t>
-            </a:r>
-            <a:r>
-              <a:rPr lang="es-ES" dirty="0"/>
-              <a:t> to subscribe to imu </a:t>
-            </a:r>
-            <a:r>
-              <a:rPr lang="es-ES" dirty="0" err="1"/>
-              <a:t>topic</a:t>
-            </a:r>
-            <a:r>
-              <a:rPr lang="es-ES" dirty="0"/>
-              <a:t> and </a:t>
-            </a:r>
-            <a:r>
-              <a:rPr lang="es-ES" dirty="0" err="1"/>
-              <a:t>publish</a:t>
-            </a:r>
-            <a:r>
-              <a:rPr lang="es-ES" dirty="0"/>
-              <a:t> data to </a:t>
-            </a:r>
-            <a:r>
-              <a:rPr lang="es-ES" dirty="0" err="1"/>
-              <a:t>webpage</a:t>
-            </a:r>
-            <a:endParaRPr lang="es-ES" dirty="0"/>
-          </a:p>
-          <a:p>
-            <a:pPr marL="742950" lvl="1" indent="-285750">
-              <a:buFontTx/>
-              <a:buChar char="-"/>
-            </a:pPr>
-            <a:r>
-              <a:rPr lang="es-ES" dirty="0" err="1"/>
-              <a:t>My</a:t>
-            </a:r>
-            <a:r>
-              <a:rPr lang="es-ES" dirty="0"/>
-              <a:t> </a:t>
-            </a:r>
-            <a:r>
-              <a:rPr lang="es-ES" dirty="0" err="1"/>
-              <a:t>labtop</a:t>
-            </a:r>
-            <a:r>
-              <a:rPr lang="es-ES" dirty="0"/>
-              <a:t> subscribes to the </a:t>
-            </a:r>
-            <a:r>
-              <a:rPr lang="es-ES" dirty="0" err="1"/>
-              <a:t>topic</a:t>
-            </a:r>
-            <a:r>
-              <a:rPr lang="es-ES" dirty="0"/>
-              <a:t> and </a:t>
-            </a:r>
-            <a:r>
-              <a:rPr lang="es-ES" dirty="0" err="1"/>
-              <a:t>print</a:t>
-            </a:r>
-            <a:r>
-              <a:rPr lang="es-ES" dirty="0"/>
-              <a:t> </a:t>
-            </a:r>
-            <a:r>
-              <a:rPr lang="es-ES" dirty="0" err="1"/>
-              <a:t>values</a:t>
-            </a:r>
-            <a:r>
-              <a:rPr lang="es-ES" dirty="0"/>
-              <a:t> </a:t>
-            </a:r>
-            <a:r>
-              <a:rPr lang="es-ES" dirty="0" err="1"/>
-              <a:t>using</a:t>
-            </a:r>
-            <a:r>
-              <a:rPr lang="es-ES" dirty="0"/>
-              <a:t> </a:t>
-            </a:r>
-            <a:r>
-              <a:rPr lang="es-ES" dirty="0" err="1"/>
-              <a:t>mqtt</a:t>
-            </a:r>
-            <a:r>
-              <a:rPr lang="es-ES" dirty="0"/>
-              <a:t> </a:t>
-            </a:r>
-            <a:r>
-              <a:rPr lang="es-ES" dirty="0" err="1"/>
-              <a:t>studio</a:t>
-            </a:r>
-            <a:endParaRPr lang="es-ES" dirty="0"/>
-          </a:p>
-          <a:p>
-            <a:pPr marL="285750" indent="-285750">
-              <a:buFontTx/>
-              <a:buChar char="-"/>
-            </a:pPr>
-            <a:r>
-              <a:rPr lang="es-ES" dirty="0"/>
-              <a:t>Read IMU data and </a:t>
-            </a:r>
-            <a:r>
-              <a:rPr lang="es-ES" dirty="0" err="1"/>
-              <a:t>send</a:t>
-            </a:r>
-            <a:r>
-              <a:rPr lang="es-ES" dirty="0"/>
-              <a:t> data to:</a:t>
-            </a:r>
-          </a:p>
-          <a:p>
-            <a:pPr marL="742950" lvl="1" indent="-285750">
-              <a:buFontTx/>
-              <a:buChar char="-"/>
-            </a:pPr>
-            <a:r>
-              <a:rPr lang="es-ES" dirty="0"/>
-              <a:t> </a:t>
-            </a:r>
-            <a:r>
-              <a:rPr lang="es-ES" dirty="0" err="1"/>
-              <a:t>another</a:t>
-            </a:r>
-            <a:r>
-              <a:rPr lang="es-ES" dirty="0"/>
-              <a:t> ESP32 </a:t>
-            </a:r>
-            <a:r>
-              <a:rPr lang="es-ES" dirty="0" err="1"/>
-              <a:t>using</a:t>
-            </a:r>
-            <a:r>
-              <a:rPr lang="es-ES" dirty="0"/>
-              <a:t> ESP-</a:t>
-            </a:r>
-            <a:r>
-              <a:rPr lang="es-ES" dirty="0" err="1"/>
-              <a:t>now</a:t>
-            </a:r>
-            <a:endParaRPr lang="es-ES" dirty="0"/>
-          </a:p>
-          <a:p>
-            <a:pPr marL="742950" lvl="1" indent="-285750">
-              <a:buFontTx/>
-              <a:buChar char="-"/>
-            </a:pPr>
-            <a:r>
-              <a:rPr lang="es-ES" dirty="0"/>
-              <a:t>The 2nd esp32 </a:t>
-            </a:r>
-            <a:r>
-              <a:rPr lang="es-ES" dirty="0" err="1"/>
-              <a:t>send</a:t>
-            </a:r>
-            <a:r>
-              <a:rPr lang="es-ES" dirty="0"/>
-              <a:t> data in serial to PC</a:t>
-            </a:r>
-          </a:p>
-          <a:p>
-            <a:pPr marL="742950" lvl="1" indent="-285750">
-              <a:buFontTx/>
-              <a:buChar char="-"/>
-            </a:pPr>
-            <a:r>
-              <a:rPr lang="es-ES" dirty="0"/>
-              <a:t>Python program </a:t>
-            </a:r>
-            <a:r>
-              <a:rPr lang="es-ES" dirty="0" err="1"/>
-              <a:t>reads</a:t>
-            </a:r>
-            <a:r>
-              <a:rPr lang="es-ES" dirty="0"/>
-              <a:t> data and </a:t>
-            </a:r>
-            <a:r>
-              <a:rPr lang="es-ES" dirty="0" err="1"/>
-              <a:t>plot</a:t>
-            </a:r>
-            <a:r>
-              <a:rPr lang="es-ES" dirty="0"/>
-              <a:t> </a:t>
-            </a:r>
-            <a:r>
-              <a:rPr lang="es-ES" dirty="0" err="1"/>
-              <a:t>it</a:t>
-            </a:r>
-            <a:r>
-              <a:rPr lang="es-ES" dirty="0"/>
-              <a:t> </a:t>
-            </a:r>
-            <a:r>
-              <a:rPr lang="es-ES" dirty="0" err="1"/>
-              <a:t>on</a:t>
-            </a:r>
-            <a:r>
-              <a:rPr lang="es-ES" dirty="0"/>
-              <a:t> </a:t>
-            </a:r>
-            <a:r>
-              <a:rPr lang="es-ES" dirty="0" err="1"/>
-              <a:t>screen</a:t>
-            </a:r>
-            <a:endParaRPr lang="es-ES" dirty="0"/>
-          </a:p>
-          <a:p>
-            <a:pPr marL="742950" lvl="1" indent="-285750">
-              <a:buFontTx/>
-              <a:buChar char="-"/>
-            </a:pPr>
-            <a:endParaRPr lang="es-ES" dirty="0"/>
-          </a:p>
-          <a:p>
-            <a:pPr marL="742950" lvl="1" indent="-285750">
-              <a:buFontTx/>
-              <a:buChar char="-"/>
-            </a:pPr>
-            <a:endParaRPr lang="en-GB" dirty="0"/>
-          </a:p>
-        </p:txBody>
-      </p:sp>
-    </p:spTree>
-    <p:extLst>
-      <p:ext uri="{BB962C8B-B14F-4D97-AF65-F5344CB8AC3E}">
-        <p14:creationId xmlns:p14="http://schemas.microsoft.com/office/powerpoint/2010/main" val="3026758067"/>
-      </p:ext>
-    </p:extLst>
-  </p:cSld>
-  <p:clrMapOvr>
-    <a:masterClrMapping/>
-  </p:clrMapOvr>
-</p:sld>
-</file>
-
-<file path=ppt/slides/slide7.xml><?xml version="1.0" encoding="utf-8"?>
-<p:sld xmlns:a="http://schemas.openxmlformats.org/drawingml/2006/main" xmlns:r="http://schemas.openxmlformats.org/officeDocument/2006/relationships" xmlns:p="http://schemas.openxmlformats.org/presentationml/2006/main">
-  <p:cSld>
-    <p:spTree>
-      <p:nvGrpSpPr>
-        <p:cNvPr id="1" name=""/>
-        <p:cNvGrpSpPr/>
-        <p:nvPr/>
-      </p:nvGrpSpPr>
-      <p:grpSpPr>
-        <a:xfrm>
-          <a:off x="0" y="0"/>
-          <a:ext cx="0" cy="0"/>
-          <a:chOff x="0" y="0"/>
-          <a:chExt cx="0" cy="0"/>
-        </a:xfrm>
-      </p:grpSpPr>
       <p:pic>
         <p:nvPicPr>
           <p:cNvPr id="5" name="Picture 4">
@@ -6323,7 +3622,7 @@
 </p:sld>
 </file>
 
-<file path=ppt/slides/slide8.xml><?xml version="1.0" encoding="utf-8"?>
+<file path=ppt/slides/slide2.xml><?xml version="1.0" encoding="utf-8"?>
 <p:sld xmlns:a="http://schemas.openxmlformats.org/drawingml/2006/main" xmlns:r="http://schemas.openxmlformats.org/officeDocument/2006/relationships" xmlns:p="http://schemas.openxmlformats.org/presentationml/2006/main">
   <p:cSld>
     <p:spTree>
@@ -6778,7 +4077,7 @@
 </p:sld>
 </file>
 
-<file path=ppt/slides/slide9.xml><?xml version="1.0" encoding="utf-8"?>
+<file path=ppt/slides/slide3.xml><?xml version="1.0" encoding="utf-8"?>
 <p:sld xmlns:a="http://schemas.openxmlformats.org/drawingml/2006/main" xmlns:r="http://schemas.openxmlformats.org/officeDocument/2006/relationships" xmlns:p="http://schemas.openxmlformats.org/presentationml/2006/main">
   <p:cSld>
     <p:spTree>
